--- a/Патерн Міст.pptx
+++ b/Патерн Міст.pptx
@@ -228,7 +228,7 @@
           <a:p>
             <a:fld id="{C560C1DF-3166-4C9C-95C9-60CB59CA7F24}" type="datetimeFigureOut">
               <a:rPr lang="LID4096" smtClean="0"/>
-              <a:t>10/10/2024</a:t>
+              <a:t>10/16/2024</a:t>
             </a:fld>
             <a:endParaRPr lang="LID4096"/>
           </a:p>
@@ -645,7 +645,7 @@
           <a:p>
             <a:fld id="{A2A79ACF-89F3-43B0-BF53-FF6E26730473}" type="datetime1">
               <a:rPr lang="LID4096" smtClean="0"/>
-              <a:t>10/10/2024</a:t>
+              <a:t>10/16/2024</a:t>
             </a:fld>
             <a:endParaRPr lang="LID4096"/>
           </a:p>
@@ -845,7 +845,7 @@
           <a:p>
             <a:fld id="{18E88D69-1F13-4668-8399-3CC27CE11268}" type="datetime1">
               <a:rPr lang="LID4096" smtClean="0"/>
-              <a:t>10/10/2024</a:t>
+              <a:t>10/16/2024</a:t>
             </a:fld>
             <a:endParaRPr lang="LID4096"/>
           </a:p>
@@ -1055,7 +1055,7 @@
           <a:p>
             <a:fld id="{130E9ABA-88DA-42A4-AB48-B3CF45DF71D1}" type="datetime1">
               <a:rPr lang="LID4096" smtClean="0"/>
-              <a:t>10/10/2024</a:t>
+              <a:t>10/16/2024</a:t>
             </a:fld>
             <a:endParaRPr lang="LID4096"/>
           </a:p>
@@ -1255,7 +1255,7 @@
           <a:p>
             <a:fld id="{0F322E1C-77EF-469A-B515-6A43715BF74C}" type="datetime1">
               <a:rPr lang="LID4096" smtClean="0"/>
-              <a:t>10/10/2024</a:t>
+              <a:t>10/16/2024</a:t>
             </a:fld>
             <a:endParaRPr lang="LID4096"/>
           </a:p>
@@ -1531,7 +1531,7 @@
           <a:p>
             <a:fld id="{F1621DC9-88DC-4DAE-B6A9-79B2183A4DCB}" type="datetime1">
               <a:rPr lang="LID4096" smtClean="0"/>
-              <a:t>10/10/2024</a:t>
+              <a:t>10/16/2024</a:t>
             </a:fld>
             <a:endParaRPr lang="LID4096"/>
           </a:p>
@@ -1799,7 +1799,7 @@
           <a:p>
             <a:fld id="{4CE67422-9836-4A98-9A90-70AD7DED1E23}" type="datetime1">
               <a:rPr lang="LID4096" smtClean="0"/>
-              <a:t>10/10/2024</a:t>
+              <a:t>10/16/2024</a:t>
             </a:fld>
             <a:endParaRPr lang="LID4096"/>
           </a:p>
@@ -2214,7 +2214,7 @@
           <a:p>
             <a:fld id="{6411BE7B-F5A2-4D02-9F92-2DE9C15FFAAF}" type="datetime1">
               <a:rPr lang="LID4096" smtClean="0"/>
-              <a:t>10/10/2024</a:t>
+              <a:t>10/16/2024</a:t>
             </a:fld>
             <a:endParaRPr lang="LID4096"/>
           </a:p>
@@ -2356,7 +2356,7 @@
           <a:p>
             <a:fld id="{E947959C-C968-40E6-8F27-401559B5F027}" type="datetime1">
               <a:rPr lang="LID4096" smtClean="0"/>
-              <a:t>10/10/2024</a:t>
+              <a:t>10/16/2024</a:t>
             </a:fld>
             <a:endParaRPr lang="LID4096"/>
           </a:p>
@@ -2469,7 +2469,7 @@
           <a:p>
             <a:fld id="{C5C54262-79A5-4DB3-9ACC-BC6BCEE880BD}" type="datetime1">
               <a:rPr lang="LID4096" smtClean="0"/>
-              <a:t>10/10/2024</a:t>
+              <a:t>10/16/2024</a:t>
             </a:fld>
             <a:endParaRPr lang="LID4096"/>
           </a:p>
@@ -2782,7 +2782,7 @@
           <a:p>
             <a:fld id="{513F53A2-32BA-4999-8B11-FE4D3E2EB69A}" type="datetime1">
               <a:rPr lang="LID4096" smtClean="0"/>
-              <a:t>10/10/2024</a:t>
+              <a:t>10/16/2024</a:t>
             </a:fld>
             <a:endParaRPr lang="LID4096"/>
           </a:p>
@@ -3071,7 +3071,7 @@
           <a:p>
             <a:fld id="{0447D15D-0EB4-4640-B67D-DFCCE0F12FC1}" type="datetime1">
               <a:rPr lang="LID4096" smtClean="0"/>
-              <a:t>10/10/2024</a:t>
+              <a:t>10/16/2024</a:t>
             </a:fld>
             <a:endParaRPr lang="LID4096"/>
           </a:p>
@@ -3314,7 +3314,7 @@
           <a:p>
             <a:fld id="{51B5AB61-7795-4C10-8FE7-5535CEBCEFD8}" type="datetime1">
               <a:rPr lang="LID4096" smtClean="0"/>
-              <a:t>10/10/2024</a:t>
+              <a:t>10/16/2024</a:t>
             </a:fld>
             <a:endParaRPr lang="LID4096"/>
           </a:p>
@@ -5698,10 +5698,10 @@
       </p:sp>
       <p:sp>
         <p:nvSpPr>
-          <p:cNvPr id="12" name="TextBox 11">
+          <p:cNvPr id="3" name="TextBox 2">
             <a:extLst>
               <a:ext uri="{FF2B5EF4-FFF2-40B4-BE49-F238E27FC236}">
-                <a16:creationId xmlns:a16="http://schemas.microsoft.com/office/drawing/2014/main" id="{5D86D551-3230-AF6F-3AA5-84C93B2AAB54}"/>
+                <a16:creationId xmlns:a16="http://schemas.microsoft.com/office/drawing/2014/main" id="{BDE661C1-F077-8A84-6B88-100FFB9B5A5A}"/>
               </a:ext>
             </a:extLst>
           </p:cNvPr>
@@ -5710,8 +5710,8 @@
         </p:nvSpPr>
         <p:spPr>
           <a:xfrm>
-            <a:off x="5342467" y="274935"/>
-            <a:ext cx="6096000" cy="923330"/>
+            <a:off x="838200" y="1183341"/>
+            <a:ext cx="10150609" cy="1877437"/>
           </a:xfrm>
           <a:prstGeom prst="rect">
             <a:avLst/>
@@ -5719,342 +5719,52 @@
           <a:noFill/>
         </p:spPr>
         <p:txBody>
-          <a:bodyPr wrap="square">
+          <a:bodyPr wrap="square" rtlCol="0">
             <a:spAutoFit/>
           </a:bodyPr>
           <a:lstStyle/>
           <a:p>
             <a:r>
-              <a:rPr lang="ru-RU" b="0" i="0" dirty="0" err="1">
-                <a:solidFill>
-                  <a:schemeClr val="bg1"/>
-                </a:solidFill>
-                <a:effectLst/>
-                <a:latin typeface="Times New Roman" panose="02020603050405020304" pitchFamily="18" charset="0"/>
-                <a:cs typeface="Times New Roman" panose="02020603050405020304" pitchFamily="18" charset="0"/>
-              </a:rPr>
-              <a:t>Цей</a:t>
-            </a:r>
-            <a:r>
-              <a:rPr lang="ru-RU" b="0" i="0" dirty="0">
-                <a:solidFill>
-                  <a:schemeClr val="bg1"/>
-                </a:solidFill>
-                <a:effectLst/>
-                <a:latin typeface="Times New Roman" panose="02020603050405020304" pitchFamily="18" charset="0"/>
-                <a:cs typeface="Times New Roman" panose="02020603050405020304" pitchFamily="18" charset="0"/>
-              </a:rPr>
-              <a:t> приклад </a:t>
-            </a:r>
-            <a:r>
-              <a:rPr lang="ru-RU" b="0" i="0" dirty="0" err="1">
-                <a:solidFill>
-                  <a:schemeClr val="bg1"/>
-                </a:solidFill>
-                <a:effectLst/>
-                <a:latin typeface="Times New Roman" panose="02020603050405020304" pitchFamily="18" charset="0"/>
-                <a:cs typeface="Times New Roman" panose="02020603050405020304" pitchFamily="18" charset="0"/>
-              </a:rPr>
-              <a:t>показує</a:t>
-            </a:r>
-            <a:r>
-              <a:rPr lang="ru-RU" b="0" i="0" dirty="0">
-                <a:solidFill>
-                  <a:schemeClr val="bg1"/>
-                </a:solidFill>
-                <a:effectLst/>
-                <a:latin typeface="Times New Roman" panose="02020603050405020304" pitchFamily="18" charset="0"/>
-                <a:cs typeface="Times New Roman" panose="02020603050405020304" pitchFamily="18" charset="0"/>
-              </a:rPr>
-              <a:t> структуру </a:t>
-            </a:r>
-            <a:r>
-              <a:rPr lang="ru-RU" b="0" i="0" dirty="0" err="1">
-                <a:solidFill>
-                  <a:schemeClr val="bg1"/>
-                </a:solidFill>
-                <a:effectLst/>
-                <a:latin typeface="Times New Roman" panose="02020603050405020304" pitchFamily="18" charset="0"/>
-                <a:cs typeface="Times New Roman" panose="02020603050405020304" pitchFamily="18" charset="0"/>
-              </a:rPr>
-              <a:t>патерна</a:t>
-            </a:r>
-            <a:r>
-              <a:rPr lang="ru-RU" b="0" i="0" dirty="0">
-                <a:solidFill>
-                  <a:schemeClr val="bg1"/>
-                </a:solidFill>
-                <a:effectLst/>
-                <a:latin typeface="Times New Roman" panose="02020603050405020304" pitchFamily="18" charset="0"/>
-                <a:cs typeface="Times New Roman" panose="02020603050405020304" pitchFamily="18" charset="0"/>
-              </a:rPr>
-              <a:t> </a:t>
-            </a:r>
-            <a:r>
-              <a:rPr lang="ru-RU" b="1" i="0" dirty="0" err="1">
-                <a:solidFill>
-                  <a:schemeClr val="bg1"/>
-                </a:solidFill>
-                <a:effectLst/>
-                <a:latin typeface="Times New Roman" panose="02020603050405020304" pitchFamily="18" charset="0"/>
-                <a:cs typeface="Times New Roman" panose="02020603050405020304" pitchFamily="18" charset="0"/>
-              </a:rPr>
-              <a:t>Міст</a:t>
-            </a:r>
-            <a:r>
-              <a:rPr lang="ru-RU" b="0" i="0" dirty="0">
-                <a:solidFill>
-                  <a:schemeClr val="bg1"/>
-                </a:solidFill>
-                <a:effectLst/>
-                <a:latin typeface="Times New Roman" panose="02020603050405020304" pitchFamily="18" charset="0"/>
-                <a:cs typeface="Times New Roman" panose="02020603050405020304" pitchFamily="18" charset="0"/>
-              </a:rPr>
-              <a:t>, а </a:t>
-            </a:r>
-            <a:r>
-              <a:rPr lang="ru-RU" b="0" i="0" dirty="0" err="1">
-                <a:solidFill>
-                  <a:schemeClr val="bg1"/>
-                </a:solidFill>
-                <a:effectLst/>
-                <a:latin typeface="Times New Roman" panose="02020603050405020304" pitchFamily="18" charset="0"/>
-                <a:cs typeface="Times New Roman" panose="02020603050405020304" pitchFamily="18" charset="0"/>
-              </a:rPr>
-              <a:t>саме</a:t>
-            </a:r>
-            <a:r>
-              <a:rPr lang="ru-RU" b="0" i="0" dirty="0">
-                <a:solidFill>
-                  <a:schemeClr val="bg1"/>
-                </a:solidFill>
-                <a:effectLst/>
-                <a:latin typeface="Times New Roman" panose="02020603050405020304" pitchFamily="18" charset="0"/>
-                <a:cs typeface="Times New Roman" panose="02020603050405020304" pitchFamily="18" charset="0"/>
-              </a:rPr>
-              <a:t> — з </a:t>
-            </a:r>
-            <a:r>
-              <a:rPr lang="ru-RU" b="0" i="0" dirty="0" err="1">
-                <a:solidFill>
-                  <a:schemeClr val="bg1"/>
-                </a:solidFill>
-                <a:effectLst/>
-                <a:latin typeface="Times New Roman" panose="02020603050405020304" pitchFamily="18" charset="0"/>
-                <a:cs typeface="Times New Roman" panose="02020603050405020304" pitchFamily="18" charset="0"/>
-              </a:rPr>
-              <a:t>яких</a:t>
-            </a:r>
-            <a:r>
-              <a:rPr lang="ru-RU" b="0" i="0" dirty="0">
-                <a:solidFill>
-                  <a:schemeClr val="bg1"/>
-                </a:solidFill>
-                <a:effectLst/>
-                <a:latin typeface="Times New Roman" panose="02020603050405020304" pitchFamily="18" charset="0"/>
-                <a:cs typeface="Times New Roman" panose="02020603050405020304" pitchFamily="18" charset="0"/>
-              </a:rPr>
-              <a:t> </a:t>
-            </a:r>
-            <a:r>
-              <a:rPr lang="ru-RU" b="0" i="0" dirty="0" err="1">
-                <a:solidFill>
-                  <a:schemeClr val="bg1"/>
-                </a:solidFill>
-                <a:effectLst/>
-                <a:latin typeface="Times New Roman" panose="02020603050405020304" pitchFamily="18" charset="0"/>
-                <a:cs typeface="Times New Roman" panose="02020603050405020304" pitchFamily="18" charset="0"/>
-              </a:rPr>
-              <a:t>класів</a:t>
-            </a:r>
-            <a:r>
-              <a:rPr lang="ru-RU" b="0" i="0" dirty="0">
-                <a:solidFill>
-                  <a:schemeClr val="bg1"/>
-                </a:solidFill>
-                <a:effectLst/>
-                <a:latin typeface="Times New Roman" panose="02020603050405020304" pitchFamily="18" charset="0"/>
-                <a:cs typeface="Times New Roman" panose="02020603050405020304" pitchFamily="18" charset="0"/>
-              </a:rPr>
-              <a:t> </a:t>
-            </a:r>
-            <a:r>
-              <a:rPr lang="ru-RU" b="0" i="0" dirty="0" err="1">
-                <a:solidFill>
-                  <a:schemeClr val="bg1"/>
-                </a:solidFill>
-                <a:effectLst/>
-                <a:latin typeface="Times New Roman" panose="02020603050405020304" pitchFamily="18" charset="0"/>
-                <a:cs typeface="Times New Roman" panose="02020603050405020304" pitchFamily="18" charset="0"/>
-              </a:rPr>
-              <a:t>він</a:t>
-            </a:r>
-            <a:r>
-              <a:rPr lang="ru-RU" b="0" i="0" dirty="0">
-                <a:solidFill>
-                  <a:schemeClr val="bg1"/>
-                </a:solidFill>
-                <a:effectLst/>
-                <a:latin typeface="Times New Roman" panose="02020603050405020304" pitchFamily="18" charset="0"/>
-                <a:cs typeface="Times New Roman" panose="02020603050405020304" pitchFamily="18" charset="0"/>
-              </a:rPr>
-              <a:t> </a:t>
-            </a:r>
-            <a:r>
-              <a:rPr lang="ru-RU" b="0" i="0" dirty="0" err="1">
-                <a:solidFill>
-                  <a:schemeClr val="bg1"/>
-                </a:solidFill>
-                <a:effectLst/>
-                <a:latin typeface="Times New Roman" panose="02020603050405020304" pitchFamily="18" charset="0"/>
-                <a:cs typeface="Times New Roman" panose="02020603050405020304" pitchFamily="18" charset="0"/>
-              </a:rPr>
-              <a:t>складається</a:t>
-            </a:r>
-            <a:r>
-              <a:rPr lang="ru-RU" b="0" i="0" dirty="0">
-                <a:solidFill>
-                  <a:schemeClr val="bg1"/>
-                </a:solidFill>
-                <a:effectLst/>
-                <a:latin typeface="Times New Roman" panose="02020603050405020304" pitchFamily="18" charset="0"/>
-                <a:cs typeface="Times New Roman" panose="02020603050405020304" pitchFamily="18" charset="0"/>
-              </a:rPr>
-              <a:t>, </a:t>
-            </a:r>
-            <a:r>
-              <a:rPr lang="ru-RU" b="0" i="0" dirty="0" err="1">
-                <a:solidFill>
-                  <a:schemeClr val="bg1"/>
-                </a:solidFill>
-                <a:effectLst/>
-                <a:latin typeface="Times New Roman" panose="02020603050405020304" pitchFamily="18" charset="0"/>
-                <a:cs typeface="Times New Roman" panose="02020603050405020304" pitchFamily="18" charset="0"/>
-              </a:rPr>
-              <a:t>які</a:t>
-            </a:r>
-            <a:r>
-              <a:rPr lang="ru-RU" b="0" i="0" dirty="0">
-                <a:solidFill>
-                  <a:schemeClr val="bg1"/>
-                </a:solidFill>
-                <a:effectLst/>
-                <a:latin typeface="Times New Roman" panose="02020603050405020304" pitchFamily="18" charset="0"/>
-                <a:cs typeface="Times New Roman" panose="02020603050405020304" pitchFamily="18" charset="0"/>
-              </a:rPr>
-              <a:t> </a:t>
-            </a:r>
-            <a:r>
-              <a:rPr lang="ru-RU" b="0" i="0" dirty="0" err="1">
-                <a:solidFill>
-                  <a:schemeClr val="bg1"/>
-                </a:solidFill>
-                <a:effectLst/>
-                <a:latin typeface="Times New Roman" panose="02020603050405020304" pitchFamily="18" charset="0"/>
-                <a:cs typeface="Times New Roman" panose="02020603050405020304" pitchFamily="18" charset="0"/>
-              </a:rPr>
-              <a:t>ролі</a:t>
-            </a:r>
-            <a:r>
-              <a:rPr lang="ru-RU" b="0" i="0" dirty="0">
-                <a:solidFill>
-                  <a:schemeClr val="bg1"/>
-                </a:solidFill>
-                <a:effectLst/>
-                <a:latin typeface="Times New Roman" panose="02020603050405020304" pitchFamily="18" charset="0"/>
-                <a:cs typeface="Times New Roman" panose="02020603050405020304" pitchFamily="18" charset="0"/>
-              </a:rPr>
-              <a:t> </a:t>
-            </a:r>
-            <a:r>
-              <a:rPr lang="ru-RU" b="0" i="0" dirty="0" err="1">
-                <a:solidFill>
-                  <a:schemeClr val="bg1"/>
-                </a:solidFill>
-                <a:effectLst/>
-                <a:latin typeface="Times New Roman" panose="02020603050405020304" pitchFamily="18" charset="0"/>
-                <a:cs typeface="Times New Roman" panose="02020603050405020304" pitchFamily="18" charset="0"/>
-              </a:rPr>
-              <a:t>ці</a:t>
-            </a:r>
-            <a:r>
-              <a:rPr lang="ru-RU" b="0" i="0" dirty="0">
-                <a:solidFill>
-                  <a:schemeClr val="bg1"/>
-                </a:solidFill>
-                <a:effectLst/>
-                <a:latin typeface="Times New Roman" panose="02020603050405020304" pitchFamily="18" charset="0"/>
-                <a:cs typeface="Times New Roman" panose="02020603050405020304" pitchFamily="18" charset="0"/>
-              </a:rPr>
-              <a:t> </a:t>
-            </a:r>
-            <a:r>
-              <a:rPr lang="ru-RU" b="0" i="0" dirty="0" err="1">
-                <a:solidFill>
-                  <a:schemeClr val="bg1"/>
-                </a:solidFill>
-                <a:effectLst/>
-                <a:latin typeface="Times New Roman" panose="02020603050405020304" pitchFamily="18" charset="0"/>
-                <a:cs typeface="Times New Roman" panose="02020603050405020304" pitchFamily="18" charset="0"/>
-              </a:rPr>
-              <a:t>класи</a:t>
-            </a:r>
-            <a:r>
-              <a:rPr lang="ru-RU" b="0" i="0" dirty="0">
-                <a:solidFill>
-                  <a:schemeClr val="bg1"/>
-                </a:solidFill>
-                <a:effectLst/>
-                <a:latin typeface="Times New Roman" panose="02020603050405020304" pitchFamily="18" charset="0"/>
-                <a:cs typeface="Times New Roman" panose="02020603050405020304" pitchFamily="18" charset="0"/>
-              </a:rPr>
-              <a:t> </a:t>
-            </a:r>
-            <a:r>
-              <a:rPr lang="ru-RU" b="0" i="0" dirty="0" err="1">
-                <a:solidFill>
-                  <a:schemeClr val="bg1"/>
-                </a:solidFill>
-                <a:effectLst/>
-                <a:latin typeface="Times New Roman" panose="02020603050405020304" pitchFamily="18" charset="0"/>
-                <a:cs typeface="Times New Roman" panose="02020603050405020304" pitchFamily="18" charset="0"/>
-              </a:rPr>
-              <a:t>виконують</a:t>
-            </a:r>
-            <a:r>
-              <a:rPr lang="ru-RU" b="0" i="0" dirty="0">
-                <a:solidFill>
-                  <a:schemeClr val="bg1"/>
-                </a:solidFill>
-                <a:effectLst/>
-                <a:latin typeface="Times New Roman" panose="02020603050405020304" pitchFamily="18" charset="0"/>
-                <a:cs typeface="Times New Roman" panose="02020603050405020304" pitchFamily="18" charset="0"/>
-              </a:rPr>
-              <a:t> і як вони </a:t>
-            </a:r>
-            <a:r>
-              <a:rPr lang="ru-RU" b="0" i="0" dirty="0" err="1">
-                <a:solidFill>
-                  <a:schemeClr val="bg1"/>
-                </a:solidFill>
-                <a:effectLst/>
-                <a:latin typeface="Times New Roman" panose="02020603050405020304" pitchFamily="18" charset="0"/>
-                <a:cs typeface="Times New Roman" panose="02020603050405020304" pitchFamily="18" charset="0"/>
-              </a:rPr>
-              <a:t>взаємодіють</a:t>
-            </a:r>
-            <a:r>
-              <a:rPr lang="ru-RU" b="0" i="0" dirty="0">
-                <a:solidFill>
-                  <a:schemeClr val="bg1"/>
-                </a:solidFill>
-                <a:effectLst/>
-                <a:latin typeface="Times New Roman" panose="02020603050405020304" pitchFamily="18" charset="0"/>
-                <a:cs typeface="Times New Roman" panose="02020603050405020304" pitchFamily="18" charset="0"/>
-              </a:rPr>
-              <a:t> один з одним.</a:t>
-            </a:r>
-            <a:endParaRPr lang="LID4096" dirty="0">
+              <a:rPr lang="uk-UA" sz="1400" dirty="0" err="1">
+                <a:solidFill>
+                  <a:schemeClr val="bg1"/>
+                </a:solidFill>
+                <a:latin typeface="Times New Roman" panose="02020603050405020304" pitchFamily="18" charset="0"/>
+                <a:cs typeface="Times New Roman" panose="02020603050405020304" pitchFamily="18" charset="0"/>
+              </a:rPr>
+              <a:t>Паттерн</a:t>
+            </a:r>
+            <a:r>
+              <a:rPr lang="uk-UA" sz="1400" dirty="0">
+                <a:solidFill>
+                  <a:schemeClr val="bg1"/>
+                </a:solidFill>
+                <a:latin typeface="Times New Roman" panose="02020603050405020304" pitchFamily="18" charset="0"/>
+                <a:cs typeface="Times New Roman" panose="02020603050405020304" pitchFamily="18" charset="0"/>
+              </a:rPr>
+              <a:t> "Міст" (</a:t>
+            </a:r>
+            <a:r>
+              <a:rPr lang="en-US" sz="1400" dirty="0">
+                <a:solidFill>
+                  <a:schemeClr val="bg1"/>
+                </a:solidFill>
+                <a:latin typeface="Times New Roman" panose="02020603050405020304" pitchFamily="18" charset="0"/>
+                <a:cs typeface="Times New Roman" panose="02020603050405020304" pitchFamily="18" charset="0"/>
+              </a:rPr>
+              <a:t>Bridge) </a:t>
+            </a:r>
+            <a:r>
+              <a:rPr lang="uk-UA" sz="1400" dirty="0">
+                <a:solidFill>
+                  <a:schemeClr val="bg1"/>
+                </a:solidFill>
+                <a:latin typeface="Times New Roman" panose="02020603050405020304" pitchFamily="18" charset="0"/>
+                <a:cs typeface="Times New Roman" panose="02020603050405020304" pitchFamily="18" charset="0"/>
+              </a:rPr>
+              <a:t>використовується для розділення абстракції від її реалізації, що дозволяє їм розвиватися незалежно одна від одної. Це корисно, коли ми хочемо уникнути жорсткої зв'язки між абстракцією та конкретними реалізаціями.</a:t>
+            </a:r>
+            <a:endParaRPr lang="en-US" sz="1400" dirty="0">
               <a:solidFill>
                 <a:schemeClr val="bg1"/>
               </a:solidFill>
@@ -6062,48 +5772,8 @@
               <a:cs typeface="Times New Roman" panose="02020603050405020304" pitchFamily="18" charset="0"/>
             </a:endParaRPr>
           </a:p>
-        </p:txBody>
-      </p:sp>
-      <p:sp>
-        <p:nvSpPr>
-          <p:cNvPr id="16" name="TextBox 15">
-            <a:extLst>
-              <a:ext uri="{FF2B5EF4-FFF2-40B4-BE49-F238E27FC236}">
-                <a16:creationId xmlns:a16="http://schemas.microsoft.com/office/drawing/2014/main" id="{A30EC46D-DC88-9014-64C9-6BF11FA79E07}"/>
-              </a:ext>
-            </a:extLst>
-          </p:cNvPr>
-          <p:cNvSpPr txBox="1"/>
-          <p:nvPr/>
-        </p:nvSpPr>
-        <p:spPr>
-          <a:xfrm>
-            <a:off x="10380134" y="1249272"/>
-            <a:ext cx="1464733" cy="369332"/>
-          </a:xfrm>
-          <a:prstGeom prst="rect">
-            <a:avLst/>
-          </a:prstGeom>
-          <a:noFill/>
-        </p:spPr>
-        <p:txBody>
-          <a:bodyPr wrap="square">
-            <a:spAutoFit/>
-          </a:bodyPr>
-          <a:lstStyle/>
-          <a:p>
-            <a:r>
-              <a:rPr lang="uk-UA" b="1" i="0" dirty="0">
-                <a:solidFill>
-                  <a:schemeClr val="bg1"/>
-                </a:solidFill>
-                <a:effectLst/>
-                <a:latin typeface="Times New Roman" panose="02020603050405020304" pitchFamily="18" charset="0"/>
-                <a:cs typeface="Times New Roman" panose="02020603050405020304" pitchFamily="18" charset="0"/>
-              </a:rPr>
-              <a:t>Складність:</a:t>
-            </a:r>
-            <a:endParaRPr lang="LID4096" dirty="0">
+          <a:p>
+            <a:endParaRPr lang="uk-UA" sz="1400" dirty="0">
               <a:solidFill>
                 <a:schemeClr val="bg1"/>
               </a:solidFill>
@@ -6111,229 +5781,60 @@
               <a:cs typeface="Times New Roman" panose="02020603050405020304" pitchFamily="18" charset="0"/>
             </a:endParaRPr>
           </a:p>
-        </p:txBody>
-      </p:sp>
-      <p:sp>
-        <p:nvSpPr>
-          <p:cNvPr id="17" name="Звезда: 5 точек 16">
-            <a:extLst>
-              <a:ext uri="{FF2B5EF4-FFF2-40B4-BE49-F238E27FC236}">
-                <a16:creationId xmlns:a16="http://schemas.microsoft.com/office/drawing/2014/main" id="{FED6ACED-3EB0-1455-17E2-FE43967892B4}"/>
-              </a:ext>
-            </a:extLst>
-          </p:cNvPr>
-          <p:cNvSpPr/>
-          <p:nvPr/>
-        </p:nvSpPr>
-        <p:spPr>
-          <a:xfrm>
-            <a:off x="10515601" y="1656007"/>
-            <a:ext cx="288000" cy="288000"/>
-          </a:xfrm>
-          <a:prstGeom prst="star5">
-            <a:avLst/>
-          </a:prstGeom>
-          <a:solidFill>
-            <a:schemeClr val="bg1"/>
-          </a:solidFill>
-          <a:ln>
-            <a:solidFill>
-              <a:schemeClr val="bg1"/>
-            </a:solidFill>
-          </a:ln>
-        </p:spPr>
-        <p:style>
-          <a:lnRef idx="2">
-            <a:schemeClr val="accent1">
-              <a:shade val="15000"/>
-            </a:schemeClr>
-          </a:lnRef>
-          <a:fillRef idx="1">
-            <a:schemeClr val="accent1"/>
-          </a:fillRef>
-          <a:effectRef idx="0">
-            <a:schemeClr val="accent1"/>
-          </a:effectRef>
-          <a:fontRef idx="minor">
-            <a:schemeClr val="lt1"/>
-          </a:fontRef>
-        </p:style>
-        <p:txBody>
-          <a:bodyPr rtlCol="0" anchor="ctr"/>
-          <a:lstStyle/>
-          <a:p>
-            <a:pPr algn="ctr"/>
-            <a:endParaRPr lang="LID4096"/>
-          </a:p>
-        </p:txBody>
-      </p:sp>
-      <p:sp>
-        <p:nvSpPr>
-          <p:cNvPr id="18" name="Звезда: 5 точек 17">
-            <a:extLst>
-              <a:ext uri="{FF2B5EF4-FFF2-40B4-BE49-F238E27FC236}">
-                <a16:creationId xmlns:a16="http://schemas.microsoft.com/office/drawing/2014/main" id="{56B101BC-F70E-8C45-F9F2-2DB98B11D575}"/>
-              </a:ext>
-            </a:extLst>
-          </p:cNvPr>
-          <p:cNvSpPr/>
-          <p:nvPr/>
-        </p:nvSpPr>
-        <p:spPr>
-          <a:xfrm>
-            <a:off x="10930434" y="1656007"/>
-            <a:ext cx="288000" cy="288000"/>
-          </a:xfrm>
-          <a:prstGeom prst="star5">
-            <a:avLst/>
-          </a:prstGeom>
-          <a:solidFill>
-            <a:schemeClr val="bg1"/>
-          </a:solidFill>
-          <a:ln>
-            <a:solidFill>
-              <a:schemeClr val="bg1"/>
-            </a:solidFill>
-          </a:ln>
-        </p:spPr>
-        <p:style>
-          <a:lnRef idx="2">
-            <a:schemeClr val="accent1">
-              <a:shade val="15000"/>
-            </a:schemeClr>
-          </a:lnRef>
-          <a:fillRef idx="1">
-            <a:schemeClr val="accent1"/>
-          </a:fillRef>
-          <a:effectRef idx="0">
-            <a:schemeClr val="accent1"/>
-          </a:effectRef>
-          <a:fontRef idx="minor">
-            <a:schemeClr val="lt1"/>
-          </a:fontRef>
-        </p:style>
-        <p:txBody>
-          <a:bodyPr rtlCol="0" anchor="ctr"/>
-          <a:lstStyle/>
-          <a:p>
-            <a:pPr algn="ctr"/>
-            <a:endParaRPr lang="LID4096"/>
-          </a:p>
-        </p:txBody>
-      </p:sp>
-      <p:sp>
-        <p:nvSpPr>
-          <p:cNvPr id="19" name="Звезда: 5 точек 18">
-            <a:extLst>
-              <a:ext uri="{FF2B5EF4-FFF2-40B4-BE49-F238E27FC236}">
-                <a16:creationId xmlns:a16="http://schemas.microsoft.com/office/drawing/2014/main" id="{856A0ADD-9439-58BD-0D47-F2B73AE379EA}"/>
-              </a:ext>
-            </a:extLst>
-          </p:cNvPr>
-          <p:cNvSpPr/>
-          <p:nvPr/>
-        </p:nvSpPr>
-        <p:spPr>
-          <a:xfrm>
-            <a:off x="11345267" y="1656007"/>
-            <a:ext cx="288000" cy="288000"/>
-          </a:xfrm>
-          <a:prstGeom prst="star5">
-            <a:avLst/>
-          </a:prstGeom>
-          <a:solidFill>
-            <a:schemeClr val="bg1"/>
-          </a:solidFill>
-          <a:ln>
-            <a:solidFill>
-              <a:schemeClr val="bg1"/>
-            </a:solidFill>
-          </a:ln>
-        </p:spPr>
-        <p:style>
-          <a:lnRef idx="2">
-            <a:schemeClr val="accent1">
-              <a:shade val="15000"/>
-            </a:schemeClr>
-          </a:lnRef>
-          <a:fillRef idx="1">
-            <a:schemeClr val="accent1"/>
-          </a:fillRef>
-          <a:effectRef idx="0">
-            <a:schemeClr val="accent1"/>
-          </a:effectRef>
-          <a:fontRef idx="minor">
-            <a:schemeClr val="lt1"/>
-          </a:fontRef>
-        </p:style>
-        <p:txBody>
-          <a:bodyPr rtlCol="0" anchor="ctr"/>
-          <a:lstStyle/>
-          <a:p>
-            <a:pPr algn="ctr"/>
-            <a:endParaRPr lang="LID4096"/>
-          </a:p>
-        </p:txBody>
-      </p:sp>
-      <p:sp>
-        <p:nvSpPr>
-          <p:cNvPr id="20" name="TextBox 19">
-            <a:extLst>
-              <a:ext uri="{FF2B5EF4-FFF2-40B4-BE49-F238E27FC236}">
-                <a16:creationId xmlns:a16="http://schemas.microsoft.com/office/drawing/2014/main" id="{73333F61-F86E-BFE8-74C6-80AF0F9547D7}"/>
-              </a:ext>
-            </a:extLst>
-          </p:cNvPr>
-          <p:cNvSpPr txBox="1"/>
-          <p:nvPr/>
-        </p:nvSpPr>
-        <p:spPr>
-          <a:xfrm>
-            <a:off x="10380134" y="2153269"/>
-            <a:ext cx="1709627" cy="369332"/>
-          </a:xfrm>
-          <a:prstGeom prst="rect">
-            <a:avLst/>
-          </a:prstGeom>
-          <a:noFill/>
-        </p:spPr>
-        <p:txBody>
-          <a:bodyPr wrap="square">
-            <a:spAutoFit/>
-          </a:bodyPr>
-          <a:lstStyle/>
-          <a:p>
-            <a:r>
-              <a:rPr lang="ru-RU" b="1" dirty="0" err="1">
-                <a:solidFill>
-                  <a:schemeClr val="bg1"/>
-                </a:solidFill>
-                <a:latin typeface="Times New Roman" panose="02020603050405020304" pitchFamily="18" charset="0"/>
-                <a:cs typeface="Times New Roman" panose="02020603050405020304" pitchFamily="18" charset="0"/>
-              </a:rPr>
-              <a:t>Популярн</a:t>
-            </a:r>
-            <a:r>
-              <a:rPr lang="uk-UA" b="1" dirty="0" err="1">
-                <a:solidFill>
-                  <a:schemeClr val="bg1"/>
-                </a:solidFill>
-                <a:latin typeface="Times New Roman" panose="02020603050405020304" pitchFamily="18" charset="0"/>
-                <a:cs typeface="Times New Roman" panose="02020603050405020304" pitchFamily="18" charset="0"/>
-              </a:rPr>
-              <a:t>ість</a:t>
-            </a:r>
-            <a:r>
-              <a:rPr lang="en-GB" b="1" dirty="0">
-                <a:solidFill>
-                  <a:schemeClr val="bg1"/>
-                </a:solidFill>
-                <a:latin typeface="Times New Roman" panose="02020603050405020304" pitchFamily="18" charset="0"/>
-                <a:cs typeface="Times New Roman" panose="02020603050405020304" pitchFamily="18" charset="0"/>
-              </a:rPr>
-              <a:t>:</a:t>
-            </a:r>
-            <a:endParaRPr lang="LID4096" dirty="0">
+          <a:p>
+            <a:r>
+              <a:rPr lang="uk-UA" sz="1400" dirty="0">
+                <a:solidFill>
+                  <a:schemeClr val="bg1"/>
+                </a:solidFill>
+                <a:latin typeface="Times New Roman" panose="02020603050405020304" pitchFamily="18" charset="0"/>
+                <a:cs typeface="Times New Roman" panose="02020603050405020304" pitchFamily="18" charset="0"/>
+              </a:rPr>
+              <a:t>Уявімо, що у нас є різні види тварин, які можуть видавати різні звуки. </a:t>
+            </a:r>
+            <a:r>
+              <a:rPr lang="uk-UA" sz="1400" dirty="0" err="1">
+                <a:solidFill>
+                  <a:schemeClr val="bg1"/>
+                </a:solidFill>
+                <a:latin typeface="Times New Roman" panose="02020603050405020304" pitchFamily="18" charset="0"/>
+                <a:cs typeface="Times New Roman" panose="02020603050405020304" pitchFamily="18" charset="0"/>
+              </a:rPr>
+              <a:t>Паттерн</a:t>
+            </a:r>
+            <a:r>
+              <a:rPr lang="uk-UA" sz="1400" dirty="0">
+                <a:solidFill>
+                  <a:schemeClr val="bg1"/>
+                </a:solidFill>
+                <a:latin typeface="Times New Roman" panose="02020603050405020304" pitchFamily="18" charset="0"/>
+                <a:cs typeface="Times New Roman" panose="02020603050405020304" pitchFamily="18" charset="0"/>
+              </a:rPr>
+              <a:t> "Міст" допоможе нам розділити тварин та їхні звуки на дві окремі ієрархії, що дозволить легше додавати нові види тварин та нові види звуків, не змінюючи вже існуючий код.</a:t>
+            </a:r>
+          </a:p>
+          <a:p>
+            <a:r>
+              <a:rPr lang="uk-UA" sz="1400" dirty="0">
+                <a:solidFill>
+                  <a:schemeClr val="bg1"/>
+                </a:solidFill>
+                <a:latin typeface="Times New Roman" panose="02020603050405020304" pitchFamily="18" charset="0"/>
+                <a:cs typeface="Times New Roman" panose="02020603050405020304" pitchFamily="18" charset="0"/>
+              </a:rPr>
+              <a:t>Ось простий приклад реалізації на </a:t>
+            </a:r>
+            <a:r>
+              <a:rPr lang="en-US" sz="1400" dirty="0">
+                <a:solidFill>
+                  <a:schemeClr val="bg1"/>
+                </a:solidFill>
+                <a:latin typeface="Times New Roman" panose="02020603050405020304" pitchFamily="18" charset="0"/>
+                <a:cs typeface="Times New Roman" panose="02020603050405020304" pitchFamily="18" charset="0"/>
+              </a:rPr>
+              <a:t>Ruby:</a:t>
+            </a:r>
+            <a:endParaRPr lang="ru-RU" sz="1400" dirty="0">
               <a:solidFill>
                 <a:schemeClr val="bg1"/>
               </a:solidFill>
@@ -6341,176 +5842,26 @@
               <a:cs typeface="Times New Roman" panose="02020603050405020304" pitchFamily="18" charset="0"/>
             </a:endParaRPr>
           </a:p>
-        </p:txBody>
-      </p:sp>
-      <p:sp>
-        <p:nvSpPr>
-          <p:cNvPr id="21" name="Звезда: 5 точек 20">
-            <a:extLst>
-              <a:ext uri="{FF2B5EF4-FFF2-40B4-BE49-F238E27FC236}">
-                <a16:creationId xmlns:a16="http://schemas.microsoft.com/office/drawing/2014/main" id="{132C1E99-F221-9533-3630-1AFF3DCD4A29}"/>
-              </a:ext>
-            </a:extLst>
-          </p:cNvPr>
-          <p:cNvSpPr/>
-          <p:nvPr/>
-        </p:nvSpPr>
-        <p:spPr>
-          <a:xfrm>
-            <a:off x="10515601" y="2548266"/>
-            <a:ext cx="288000" cy="288000"/>
-          </a:xfrm>
-          <a:prstGeom prst="star5">
-            <a:avLst/>
-          </a:prstGeom>
-          <a:solidFill>
-            <a:schemeClr val="bg1"/>
-          </a:solidFill>
-          <a:ln>
-            <a:solidFill>
-              <a:schemeClr val="bg1"/>
-            </a:solidFill>
-          </a:ln>
-        </p:spPr>
-        <p:style>
-          <a:lnRef idx="2">
-            <a:schemeClr val="accent1">
-              <a:shade val="15000"/>
-            </a:schemeClr>
-          </a:lnRef>
-          <a:fillRef idx="1">
-            <a:schemeClr val="accent1"/>
-          </a:fillRef>
-          <a:effectRef idx="0">
-            <a:schemeClr val="accent1"/>
-          </a:effectRef>
-          <a:fontRef idx="minor">
-            <a:schemeClr val="lt1"/>
-          </a:fontRef>
-        </p:style>
-        <p:txBody>
-          <a:bodyPr rtlCol="0" anchor="ctr"/>
-          <a:lstStyle/>
-          <a:p>
-            <a:pPr algn="ctr"/>
-            <a:endParaRPr lang="LID4096"/>
-          </a:p>
-        </p:txBody>
-      </p:sp>
-      <p:sp>
-        <p:nvSpPr>
-          <p:cNvPr id="22" name="Звезда: 5 точек 21">
-            <a:extLst>
-              <a:ext uri="{FF2B5EF4-FFF2-40B4-BE49-F238E27FC236}">
-                <a16:creationId xmlns:a16="http://schemas.microsoft.com/office/drawing/2014/main" id="{E21833E1-F0D9-B7D7-B20C-3511E74FBDBF}"/>
-              </a:ext>
-            </a:extLst>
-          </p:cNvPr>
-          <p:cNvSpPr/>
-          <p:nvPr/>
-        </p:nvSpPr>
-        <p:spPr>
-          <a:xfrm>
-            <a:off x="10930434" y="2548266"/>
-            <a:ext cx="288000" cy="288000"/>
-          </a:xfrm>
-          <a:prstGeom prst="star5">
-            <a:avLst/>
-          </a:prstGeom>
-          <a:solidFill>
-            <a:schemeClr val="tx1"/>
-          </a:solidFill>
-          <a:ln>
-            <a:solidFill>
-              <a:schemeClr val="bg1"/>
-            </a:solidFill>
-          </a:ln>
-        </p:spPr>
-        <p:style>
-          <a:lnRef idx="2">
-            <a:schemeClr val="accent1">
-              <a:shade val="15000"/>
-            </a:schemeClr>
-          </a:lnRef>
-          <a:fillRef idx="1">
-            <a:schemeClr val="accent1"/>
-          </a:fillRef>
-          <a:effectRef idx="0">
-            <a:schemeClr val="accent1"/>
-          </a:effectRef>
-          <a:fontRef idx="minor">
-            <a:schemeClr val="lt1"/>
-          </a:fontRef>
-        </p:style>
-        <p:txBody>
-          <a:bodyPr rtlCol="0" anchor="ctr"/>
-          <a:lstStyle/>
-          <a:p>
-            <a:pPr algn="ctr"/>
-            <a:endParaRPr lang="LID4096"/>
-          </a:p>
-        </p:txBody>
-      </p:sp>
-      <p:sp>
-        <p:nvSpPr>
-          <p:cNvPr id="23" name="Звезда: 5 точек 22">
-            <a:extLst>
-              <a:ext uri="{FF2B5EF4-FFF2-40B4-BE49-F238E27FC236}">
-                <a16:creationId xmlns:a16="http://schemas.microsoft.com/office/drawing/2014/main" id="{4416F2B5-CD6C-9F2F-97F7-41848E376DC8}"/>
-              </a:ext>
-            </a:extLst>
-          </p:cNvPr>
-          <p:cNvSpPr/>
-          <p:nvPr/>
-        </p:nvSpPr>
-        <p:spPr>
-          <a:xfrm>
-            <a:off x="11345267" y="2548266"/>
-            <a:ext cx="288000" cy="288000"/>
-          </a:xfrm>
-          <a:prstGeom prst="star5">
-            <a:avLst/>
-          </a:prstGeom>
-          <a:solidFill>
-            <a:schemeClr val="tx1"/>
-          </a:solidFill>
-          <a:ln>
-            <a:solidFill>
-              <a:schemeClr val="bg1"/>
-            </a:solidFill>
-          </a:ln>
-        </p:spPr>
-        <p:style>
-          <a:lnRef idx="2">
-            <a:schemeClr val="accent1">
-              <a:shade val="15000"/>
-            </a:schemeClr>
-          </a:lnRef>
-          <a:fillRef idx="1">
-            <a:schemeClr val="accent1"/>
-          </a:fillRef>
-          <a:effectRef idx="0">
-            <a:schemeClr val="accent1"/>
-          </a:effectRef>
-          <a:fontRef idx="minor">
-            <a:schemeClr val="lt1"/>
-          </a:fontRef>
-        </p:style>
-        <p:txBody>
-          <a:bodyPr rtlCol="0" anchor="ctr"/>
-          <a:lstStyle/>
-          <a:p>
-            <a:pPr algn="ctr"/>
-            <a:endParaRPr lang="LID4096"/>
+          <a:p>
+            <a:endParaRPr lang="en-US" sz="1400" dirty="0">
+              <a:solidFill>
+                <a:schemeClr val="bg1"/>
+              </a:solidFill>
+              <a:latin typeface="Times New Roman" panose="02020603050405020304" pitchFamily="18" charset="0"/>
+              <a:cs typeface="Times New Roman" panose="02020603050405020304" pitchFamily="18" charset="0"/>
+            </a:endParaRPr>
+          </a:p>
+          <a:p>
+            <a:endParaRPr lang="LID4096" dirty="0"/>
           </a:p>
         </p:txBody>
       </p:sp>
       <p:pic>
         <p:nvPicPr>
-          <p:cNvPr id="5" name="Рисунок 4">
+          <p:cNvPr id="8" name="Рисунок 7">
             <a:extLst>
               <a:ext uri="{FF2B5EF4-FFF2-40B4-BE49-F238E27FC236}">
-                <a16:creationId xmlns:a16="http://schemas.microsoft.com/office/drawing/2014/main" id="{BADEB504-5149-28FA-8630-EA127F5F93E6}"/>
+                <a16:creationId xmlns:a16="http://schemas.microsoft.com/office/drawing/2014/main" id="{D89F2EEB-57F2-61A8-6FD1-3D4B1844816F}"/>
               </a:ext>
             </a:extLst>
           </p:cNvPr>
@@ -6527,8 +5878,8 @@
         </p:blipFill>
         <p:spPr>
           <a:xfrm>
-            <a:off x="492745" y="1656007"/>
-            <a:ext cx="4958115" cy="3188776"/>
+            <a:off x="838200" y="2736489"/>
+            <a:ext cx="2158908" cy="1854121"/>
           </a:xfrm>
           <a:prstGeom prst="rect">
             <a:avLst/>
@@ -6537,10 +5888,10 @@
       </p:pic>
       <p:pic>
         <p:nvPicPr>
-          <p:cNvPr id="7" name="Рисунок 6">
+          <p:cNvPr id="10" name="Рисунок 9">
             <a:extLst>
               <a:ext uri="{FF2B5EF4-FFF2-40B4-BE49-F238E27FC236}">
-                <a16:creationId xmlns:a16="http://schemas.microsoft.com/office/drawing/2014/main" id="{04019439-2B6C-54B0-2AA7-30330E51AD57}"/>
+                <a16:creationId xmlns:a16="http://schemas.microsoft.com/office/drawing/2014/main" id="{5A42DE2A-4499-A533-FFCE-5BC79A9D49AD}"/>
               </a:ext>
             </a:extLst>
           </p:cNvPr>
@@ -6557,8 +5908,8 @@
         </p:blipFill>
         <p:spPr>
           <a:xfrm>
-            <a:off x="5593741" y="1452533"/>
-            <a:ext cx="3075777" cy="3188776"/>
+            <a:off x="3307954" y="2736489"/>
+            <a:ext cx="2254218" cy="3607654"/>
           </a:xfrm>
           <a:prstGeom prst="rect">
             <a:avLst/>
@@ -6567,10 +5918,10 @@
       </p:pic>
       <p:pic>
         <p:nvPicPr>
-          <p:cNvPr id="11" name="Рисунок 10">
+          <p:cNvPr id="14" name="Рисунок 13">
             <a:extLst>
               <a:ext uri="{FF2B5EF4-FFF2-40B4-BE49-F238E27FC236}">
-                <a16:creationId xmlns:a16="http://schemas.microsoft.com/office/drawing/2014/main" id="{53606228-AED3-76CF-9704-FC6DDAD24C71}"/>
+                <a16:creationId xmlns:a16="http://schemas.microsoft.com/office/drawing/2014/main" id="{75B5635F-9158-BDFB-73F6-F9CB81D7035A}"/>
               </a:ext>
             </a:extLst>
           </p:cNvPr>
@@ -6587,8 +5938,8 @@
         </p:blipFill>
         <p:spPr>
           <a:xfrm>
-            <a:off x="8246911" y="3239258"/>
-            <a:ext cx="3597956" cy="2624097"/>
+            <a:off x="5873018" y="2736489"/>
+            <a:ext cx="2797141" cy="3131244"/>
           </a:xfrm>
           <a:prstGeom prst="rect">
             <a:avLst/>
@@ -6597,10 +5948,10 @@
       </p:pic>
       <p:pic>
         <p:nvPicPr>
-          <p:cNvPr id="15" name="Рисунок 14">
+          <p:cNvPr id="25" name="Рисунок 24">
             <a:extLst>
               <a:ext uri="{FF2B5EF4-FFF2-40B4-BE49-F238E27FC236}">
-                <a16:creationId xmlns:a16="http://schemas.microsoft.com/office/drawing/2014/main" id="{44E6182C-993F-042D-88D5-F18547816174}"/>
+                <a16:creationId xmlns:a16="http://schemas.microsoft.com/office/drawing/2014/main" id="{500FD47B-226E-BA3E-4AB1-C59AA33B0F17}"/>
               </a:ext>
             </a:extLst>
           </p:cNvPr>
@@ -6617,14 +5968,355 @@
         </p:blipFill>
         <p:spPr>
           <a:xfrm>
-            <a:off x="620780" y="5037012"/>
-            <a:ext cx="6533901" cy="1455863"/>
+            <a:off x="9045154" y="2736489"/>
+            <a:ext cx="1676634" cy="2224398"/>
           </a:xfrm>
           <a:prstGeom prst="rect">
             <a:avLst/>
           </a:prstGeom>
         </p:spPr>
       </p:pic>
+      <p:pic>
+        <p:nvPicPr>
+          <p:cNvPr id="31" name="Рисунок 30">
+            <a:extLst>
+              <a:ext uri="{FF2B5EF4-FFF2-40B4-BE49-F238E27FC236}">
+                <a16:creationId xmlns:a16="http://schemas.microsoft.com/office/drawing/2014/main" id="{DE14604A-CC2C-6620-B5C0-0138709C1D38}"/>
+              </a:ext>
+            </a:extLst>
+          </p:cNvPr>
+          <p:cNvPicPr>
+            <a:picLocks noChangeAspect="1"/>
+          </p:cNvPicPr>
+          <p:nvPr/>
+        </p:nvPicPr>
+        <p:blipFill>
+          <a:blip r:embed="rId6"/>
+          <a:stretch>
+            <a:fillRect/>
+          </a:stretch>
+        </p:blipFill>
+        <p:spPr>
+          <a:xfrm>
+            <a:off x="9045154" y="5447302"/>
+            <a:ext cx="2248817" cy="840862"/>
+          </a:xfrm>
+          <a:prstGeom prst="rect">
+            <a:avLst/>
+          </a:prstGeom>
+        </p:spPr>
+      </p:pic>
+      <p:sp>
+        <p:nvSpPr>
+          <p:cNvPr id="38" name="Rectangle 6">
+            <a:extLst>
+              <a:ext uri="{FF2B5EF4-FFF2-40B4-BE49-F238E27FC236}">
+                <a16:creationId xmlns:a16="http://schemas.microsoft.com/office/drawing/2014/main" id="{18685376-1B17-1690-78F6-074A9CDADFD6}"/>
+              </a:ext>
+            </a:extLst>
+          </p:cNvPr>
+          <p:cNvSpPr>
+            <a:spLocks noChangeArrowheads="1"/>
+          </p:cNvSpPr>
+          <p:nvPr/>
+        </p:nvSpPr>
+        <p:spPr bwMode="auto">
+          <a:xfrm>
+            <a:off x="838200" y="997951"/>
+            <a:ext cx="9375589" cy="1815882"/>
+          </a:xfrm>
+          <a:prstGeom prst="rect">
+            <a:avLst/>
+          </a:prstGeom>
+          <a:noFill/>
+          <a:ln>
+            <a:noFill/>
+          </a:ln>
+          <a:effectLst/>
+          <a:extLst>
+            <a:ext uri="{909E8E84-426E-40DD-AFC4-6F175D3DCCD1}">
+              <a14:hiddenFill xmlns:a14="http://schemas.microsoft.com/office/drawing/2010/main">
+                <a:solidFill>
+                  <a:schemeClr val="accent1"/>
+                </a:solidFill>
+              </a14:hiddenFill>
+            </a:ext>
+            <a:ext uri="{91240B29-F687-4F45-9708-019B960494DF}">
+              <a14:hiddenLine xmlns:a14="http://schemas.microsoft.com/office/drawing/2010/main" w="9525">
+                <a:solidFill>
+                  <a:schemeClr val="tx1"/>
+                </a:solidFill>
+                <a:miter lim="800000"/>
+                <a:headEnd/>
+                <a:tailEnd/>
+              </a14:hiddenLine>
+            </a:ext>
+            <a:ext uri="{AF507438-7753-43E0-B8FC-AC1667EBCBE1}">
+              <a14:hiddenEffects xmlns:a14="http://schemas.microsoft.com/office/drawing/2010/main">
+                <a:effectLst>
+                  <a:outerShdw dist="35921" dir="2700000" algn="ctr" rotWithShape="0">
+                    <a:schemeClr val="bg2"/>
+                  </a:outerShdw>
+                </a:effectLst>
+              </a14:hiddenEffects>
+            </a:ext>
+          </a:extLst>
+        </p:spPr>
+        <p:txBody>
+          <a:bodyPr vert="horz" wrap="square" lIns="91440" tIns="45720" rIns="91440" bIns="45720" numCol="1" anchor="ctr" anchorCtr="0" compatLnSpc="1">
+            <a:prstTxWarp prst="textNoShape">
+              <a:avLst/>
+            </a:prstTxWarp>
+            <a:spAutoFit/>
+          </a:bodyPr>
+          <a:lstStyle/>
+          <a:p>
+            <a:pPr marL="0" marR="0" lvl="0" indent="0" algn="l" defTabSz="914400" rtl="0" eaLnBrk="0" fontAlgn="base" latinLnBrk="0" hangingPunct="0">
+              <a:lnSpc>
+                <a:spcPct val="100000"/>
+              </a:lnSpc>
+              <a:spcBef>
+                <a:spcPct val="0"/>
+              </a:spcBef>
+              <a:spcAft>
+                <a:spcPct val="0"/>
+              </a:spcAft>
+              <a:buClrTx/>
+              <a:buSzTx/>
+              <a:buFontTx/>
+              <a:buNone/>
+              <a:tabLst/>
+            </a:pPr>
+            <a:r>
+              <a:rPr kumimoji="0" lang="LID4096" altLang="LID4096" sz="1400" b="1" i="0" u="none" strike="noStrike" cap="none" normalizeH="0" baseline="0" dirty="0">
+                <a:ln>
+                  <a:noFill/>
+                </a:ln>
+                <a:solidFill>
+                  <a:schemeClr val="bg1"/>
+                </a:solidFill>
+                <a:effectLst/>
+                <a:latin typeface="Times New Roman" panose="02020603050405020304" pitchFamily="18" charset="0"/>
+                <a:cs typeface="Times New Roman" panose="02020603050405020304" pitchFamily="18" charset="0"/>
+              </a:rPr>
+              <a:t>Пояснення:</a:t>
+            </a:r>
+          </a:p>
+          <a:p>
+            <a:pPr marL="0" marR="0" lvl="0" indent="0" algn="l" defTabSz="914400" rtl="0" eaLnBrk="0" fontAlgn="base" latinLnBrk="0" hangingPunct="0">
+              <a:lnSpc>
+                <a:spcPct val="100000"/>
+              </a:lnSpc>
+              <a:spcBef>
+                <a:spcPct val="0"/>
+              </a:spcBef>
+              <a:spcAft>
+                <a:spcPct val="0"/>
+              </a:spcAft>
+              <a:buClrTx/>
+              <a:buSzTx/>
+              <a:buFontTx/>
+              <a:buAutoNum type="arabicPeriod"/>
+              <a:tabLst/>
+            </a:pPr>
+            <a:r>
+              <a:rPr kumimoji="0" lang="LID4096" altLang="LID4096" sz="1400" b="1" i="0" u="none" strike="noStrike" cap="none" normalizeH="0" baseline="0" dirty="0">
+                <a:ln>
+                  <a:noFill/>
+                </a:ln>
+                <a:solidFill>
+                  <a:schemeClr val="bg1"/>
+                </a:solidFill>
+                <a:effectLst/>
+                <a:latin typeface="Times New Roman" panose="02020603050405020304" pitchFamily="18" charset="0"/>
+                <a:cs typeface="Times New Roman" panose="02020603050405020304" pitchFamily="18" charset="0"/>
+              </a:rPr>
+              <a:t>Абстракція</a:t>
+            </a:r>
+            <a:r>
+              <a:rPr kumimoji="0" lang="LID4096" altLang="LID4096" sz="1400" b="0" i="0" u="none" strike="noStrike" cap="none" normalizeH="0" baseline="0" dirty="0">
+                <a:ln>
+                  <a:noFill/>
+                </a:ln>
+                <a:solidFill>
+                  <a:schemeClr val="bg1"/>
+                </a:solidFill>
+                <a:effectLst/>
+                <a:latin typeface="Times New Roman" panose="02020603050405020304" pitchFamily="18" charset="0"/>
+                <a:cs typeface="Times New Roman" panose="02020603050405020304" pitchFamily="18" charset="0"/>
+              </a:rPr>
+              <a:t>: Клас Animal представляє абстракцію. Він отримує об'єкт звуку через параметр конструктора та використовує його для видавання звуку.</a:t>
+            </a:r>
+          </a:p>
+          <a:p>
+            <a:pPr marL="0" marR="0" lvl="0" indent="0" algn="l" defTabSz="914400" rtl="0" eaLnBrk="0" fontAlgn="base" latinLnBrk="0" hangingPunct="0">
+              <a:lnSpc>
+                <a:spcPct val="100000"/>
+              </a:lnSpc>
+              <a:spcBef>
+                <a:spcPct val="0"/>
+              </a:spcBef>
+              <a:spcAft>
+                <a:spcPct val="0"/>
+              </a:spcAft>
+              <a:buClrTx/>
+              <a:buSzTx/>
+              <a:buFontTx/>
+              <a:buAutoNum type="arabicPeriod" startAt="2"/>
+              <a:tabLst/>
+            </a:pPr>
+            <a:r>
+              <a:rPr kumimoji="0" lang="LID4096" altLang="LID4096" sz="1400" b="1" i="0" u="none" strike="noStrike" cap="none" normalizeH="0" baseline="0" dirty="0">
+                <a:ln>
+                  <a:noFill/>
+                </a:ln>
+                <a:solidFill>
+                  <a:schemeClr val="bg1"/>
+                </a:solidFill>
+                <a:effectLst/>
+                <a:latin typeface="Times New Roman" panose="02020603050405020304" pitchFamily="18" charset="0"/>
+                <a:cs typeface="Times New Roman" panose="02020603050405020304" pitchFamily="18" charset="0"/>
+              </a:rPr>
+              <a:t>Реалізація звуків</a:t>
+            </a:r>
+            <a:r>
+              <a:rPr kumimoji="0" lang="LID4096" altLang="LID4096" sz="1400" b="0" i="0" u="none" strike="noStrike" cap="none" normalizeH="0" baseline="0" dirty="0">
+                <a:ln>
+                  <a:noFill/>
+                </a:ln>
+                <a:solidFill>
+                  <a:schemeClr val="bg1"/>
+                </a:solidFill>
+                <a:effectLst/>
+                <a:latin typeface="Times New Roman" panose="02020603050405020304" pitchFamily="18" charset="0"/>
+                <a:cs typeface="Times New Roman" panose="02020603050405020304" pitchFamily="18" charset="0"/>
+              </a:rPr>
+              <a:t>: Класи Roar, Meow та Bark — це окремі реалізації, які визначають конкретні звуки.</a:t>
+            </a:r>
+          </a:p>
+          <a:p>
+            <a:pPr marL="0" marR="0" lvl="0" indent="0" algn="l" defTabSz="914400" rtl="0" eaLnBrk="0" fontAlgn="base" latinLnBrk="0" hangingPunct="0">
+              <a:lnSpc>
+                <a:spcPct val="100000"/>
+              </a:lnSpc>
+              <a:spcBef>
+                <a:spcPct val="0"/>
+              </a:spcBef>
+              <a:spcAft>
+                <a:spcPct val="0"/>
+              </a:spcAft>
+              <a:buClrTx/>
+              <a:buSzTx/>
+              <a:buFontTx/>
+              <a:buAutoNum type="arabicPeriod" startAt="3"/>
+              <a:tabLst/>
+            </a:pPr>
+            <a:r>
+              <a:rPr kumimoji="0" lang="LID4096" altLang="LID4096" sz="1400" b="1" i="0" u="none" strike="noStrike" cap="none" normalizeH="0" baseline="0" dirty="0">
+                <a:ln>
+                  <a:noFill/>
+                </a:ln>
+                <a:solidFill>
+                  <a:schemeClr val="bg1"/>
+                </a:solidFill>
+                <a:effectLst/>
+                <a:latin typeface="Times New Roman" panose="02020603050405020304" pitchFamily="18" charset="0"/>
+                <a:cs typeface="Times New Roman" panose="02020603050405020304" pitchFamily="18" charset="0"/>
+              </a:rPr>
+              <a:t>Міст</a:t>
+            </a:r>
+            <a:r>
+              <a:rPr kumimoji="0" lang="LID4096" altLang="LID4096" sz="1400" b="0" i="0" u="none" strike="noStrike" cap="none" normalizeH="0" baseline="0" dirty="0">
+                <a:ln>
+                  <a:noFill/>
+                </a:ln>
+                <a:solidFill>
+                  <a:schemeClr val="bg1"/>
+                </a:solidFill>
+                <a:effectLst/>
+                <a:latin typeface="Times New Roman" panose="02020603050405020304" pitchFamily="18" charset="0"/>
+                <a:cs typeface="Times New Roman" panose="02020603050405020304" pitchFamily="18" charset="0"/>
+              </a:rPr>
+              <a:t>: Animal містить об'єкт звуку (@sound), що дозволяє використовувати різні реалізації звуків.</a:t>
+            </a:r>
+          </a:p>
+          <a:p>
+            <a:pPr marL="0" marR="0" lvl="0" indent="0" algn="l" defTabSz="914400" rtl="0" eaLnBrk="0" fontAlgn="base" latinLnBrk="0" hangingPunct="0">
+              <a:lnSpc>
+                <a:spcPct val="100000"/>
+              </a:lnSpc>
+              <a:spcBef>
+                <a:spcPct val="0"/>
+              </a:spcBef>
+              <a:spcAft>
+                <a:spcPct val="0"/>
+              </a:spcAft>
+              <a:buClrTx/>
+              <a:buSzTx/>
+              <a:buFontTx/>
+              <a:buAutoNum type="arabicPeriod" startAt="4"/>
+              <a:tabLst/>
+            </a:pPr>
+            <a:r>
+              <a:rPr kumimoji="0" lang="LID4096" altLang="LID4096" sz="1400" b="1" i="0" u="none" strike="noStrike" cap="none" normalizeH="0" baseline="0" dirty="0">
+                <a:ln>
+                  <a:noFill/>
+                </a:ln>
+                <a:solidFill>
+                  <a:schemeClr val="bg1"/>
+                </a:solidFill>
+                <a:effectLst/>
+                <a:latin typeface="Times New Roman" panose="02020603050405020304" pitchFamily="18" charset="0"/>
+                <a:cs typeface="Times New Roman" panose="02020603050405020304" pitchFamily="18" charset="0"/>
+              </a:rPr>
+              <a:t>Конкретні тварини</a:t>
+            </a:r>
+            <a:r>
+              <a:rPr kumimoji="0" lang="LID4096" altLang="LID4096" sz="1400" b="0" i="0" u="none" strike="noStrike" cap="none" normalizeH="0" baseline="0" dirty="0">
+                <a:ln>
+                  <a:noFill/>
+                </a:ln>
+                <a:solidFill>
+                  <a:schemeClr val="bg1"/>
+                </a:solidFill>
+                <a:effectLst/>
+                <a:latin typeface="Times New Roman" panose="02020603050405020304" pitchFamily="18" charset="0"/>
+                <a:cs typeface="Times New Roman" panose="02020603050405020304" pitchFamily="18" charset="0"/>
+              </a:rPr>
+              <a:t>: Класи Lion, Cat та Dog наслідують Animal, при цьому передають певну реалізацію звуку в конструкторі.</a:t>
+            </a:r>
+          </a:p>
+          <a:p>
+            <a:pPr marL="0" marR="0" lvl="0" indent="0" algn="l" defTabSz="914400" rtl="0" eaLnBrk="0" fontAlgn="base" latinLnBrk="0" hangingPunct="0">
+              <a:lnSpc>
+                <a:spcPct val="100000"/>
+              </a:lnSpc>
+              <a:spcBef>
+                <a:spcPct val="0"/>
+              </a:spcBef>
+              <a:spcAft>
+                <a:spcPct val="0"/>
+              </a:spcAft>
+              <a:buClrTx/>
+              <a:buSzTx/>
+              <a:buFontTx/>
+              <a:buNone/>
+              <a:tabLst/>
+            </a:pPr>
+            <a:endParaRPr kumimoji="0" lang="LID4096" altLang="LID4096" sz="1400" b="0" i="0" u="none" strike="noStrike" cap="none" normalizeH="0" baseline="0" dirty="0">
+              <a:ln>
+                <a:noFill/>
+              </a:ln>
+              <a:solidFill>
+                <a:schemeClr val="bg1"/>
+              </a:solidFill>
+              <a:effectLst/>
+              <a:latin typeface="Times New Roman" panose="02020603050405020304" pitchFamily="18" charset="0"/>
+              <a:cs typeface="Times New Roman" panose="02020603050405020304" pitchFamily="18" charset="0"/>
+            </a:endParaRPr>
+          </a:p>
+        </p:txBody>
+      </p:sp>
     </p:spTree>
     <p:extLst>
       <p:ext uri="{BB962C8B-B14F-4D97-AF65-F5344CB8AC3E}">
@@ -6635,6 +6327,195 @@
   <p:clrMapOvr>
     <a:masterClrMapping/>
   </p:clrMapOvr>
+  <p:timing>
+    <p:tnLst>
+      <p:par>
+        <p:cTn id="1" dur="indefinite" restart="never" nodeType="tmRoot">
+          <p:childTnLst>
+            <p:seq concurrent="1" nextAc="seek">
+              <p:cTn id="2" dur="indefinite" nodeType="mainSeq">
+                <p:childTnLst>
+                  <p:par>
+                    <p:cTn id="3" fill="hold">
+                      <p:stCondLst>
+                        <p:cond delay="indefinite"/>
+                        <p:cond evt="onBegin" delay="0">
+                          <p:tn val="2"/>
+                        </p:cond>
+                      </p:stCondLst>
+                      <p:childTnLst>
+                        <p:par>
+                          <p:cTn id="4" fill="hold">
+                            <p:stCondLst>
+                              <p:cond delay="0"/>
+                            </p:stCondLst>
+                            <p:childTnLst>
+                              <p:par>
+                                <p:cTn id="5" presetID="10" presetClass="entr" presetSubtype="0" fill="hold" grpId="0" nodeType="afterEffect">
+                                  <p:stCondLst>
+                                    <p:cond delay="0"/>
+                                  </p:stCondLst>
+                                  <p:childTnLst>
+                                    <p:set>
+                                      <p:cBhvr>
+                                        <p:cTn id="6" dur="1" fill="hold">
+                                          <p:stCondLst>
+                                            <p:cond delay="0"/>
+                                          </p:stCondLst>
+                                        </p:cTn>
+                                        <p:tgtEl>
+                                          <p:spTgt spid="3"/>
+                                        </p:tgtEl>
+                                        <p:attrNameLst>
+                                          <p:attrName>style.visibility</p:attrName>
+                                        </p:attrNameLst>
+                                      </p:cBhvr>
+                                      <p:to>
+                                        <p:strVal val="visible"/>
+                                      </p:to>
+                                    </p:set>
+                                    <p:animEffect transition="in" filter="fade">
+                                      <p:cBhvr>
+                                        <p:cTn id="7" dur="1000"/>
+                                        <p:tgtEl>
+                                          <p:spTgt spid="3"/>
+                                        </p:tgtEl>
+                                      </p:cBhvr>
+                                    </p:animEffect>
+                                  </p:childTnLst>
+                                </p:cTn>
+                              </p:par>
+                            </p:childTnLst>
+                          </p:cTn>
+                        </p:par>
+                      </p:childTnLst>
+                    </p:cTn>
+                  </p:par>
+                  <p:par>
+                    <p:cTn id="8" fill="hold">
+                      <p:stCondLst>
+                        <p:cond delay="indefinite"/>
+                      </p:stCondLst>
+                      <p:childTnLst>
+                        <p:par>
+                          <p:cTn id="9" fill="hold">
+                            <p:stCondLst>
+                              <p:cond delay="0"/>
+                            </p:stCondLst>
+                            <p:childTnLst>
+                              <p:par>
+                                <p:cTn id="10" presetID="1" presetClass="exit" presetSubtype="0" fill="hold" grpId="1" nodeType="clickEffect">
+                                  <p:stCondLst>
+                                    <p:cond delay="0"/>
+                                  </p:stCondLst>
+                                  <p:childTnLst>
+                                    <p:set>
+                                      <p:cBhvr>
+                                        <p:cTn id="11" dur="1" fill="hold">
+                                          <p:stCondLst>
+                                            <p:cond delay="0"/>
+                                          </p:stCondLst>
+                                        </p:cTn>
+                                        <p:tgtEl>
+                                          <p:spTgt spid="3"/>
+                                        </p:tgtEl>
+                                        <p:attrNameLst>
+                                          <p:attrName>style.visibility</p:attrName>
+                                        </p:attrNameLst>
+                                      </p:cBhvr>
+                                      <p:to>
+                                        <p:strVal val="hidden"/>
+                                      </p:to>
+                                    </p:set>
+                                  </p:childTnLst>
+                                </p:cTn>
+                              </p:par>
+                            </p:childTnLst>
+                          </p:cTn>
+                        </p:par>
+                      </p:childTnLst>
+                    </p:cTn>
+                  </p:par>
+                  <p:par>
+                    <p:cTn id="12" fill="hold">
+                      <p:stCondLst>
+                        <p:cond delay="indefinite"/>
+                      </p:stCondLst>
+                      <p:childTnLst>
+                        <p:par>
+                          <p:cTn id="13" fill="hold">
+                            <p:stCondLst>
+                              <p:cond delay="0"/>
+                            </p:stCondLst>
+                            <p:childTnLst>
+                              <p:par>
+                                <p:cTn id="14" presetID="10" presetClass="entr" presetSubtype="0" fill="hold" grpId="0" nodeType="clickEffect">
+                                  <p:stCondLst>
+                                    <p:cond delay="0"/>
+                                  </p:stCondLst>
+                                  <p:childTnLst>
+                                    <p:set>
+                                      <p:cBhvr>
+                                        <p:cTn id="15" dur="1" fill="hold">
+                                          <p:stCondLst>
+                                            <p:cond delay="0"/>
+                                          </p:stCondLst>
+                                        </p:cTn>
+                                        <p:tgtEl>
+                                          <p:spTgt spid="38"/>
+                                        </p:tgtEl>
+                                        <p:attrNameLst>
+                                          <p:attrName>style.visibility</p:attrName>
+                                        </p:attrNameLst>
+                                      </p:cBhvr>
+                                      <p:to>
+                                        <p:strVal val="visible"/>
+                                      </p:to>
+                                    </p:set>
+                                    <p:animEffect transition="in" filter="fade">
+                                      <p:cBhvr>
+                                        <p:cTn id="16" dur="500"/>
+                                        <p:tgtEl>
+                                          <p:spTgt spid="38"/>
+                                        </p:tgtEl>
+                                      </p:cBhvr>
+                                    </p:animEffect>
+                                  </p:childTnLst>
+                                </p:cTn>
+                              </p:par>
+                            </p:childTnLst>
+                          </p:cTn>
+                        </p:par>
+                      </p:childTnLst>
+                    </p:cTn>
+                  </p:par>
+                </p:childTnLst>
+              </p:cTn>
+              <p:prevCondLst>
+                <p:cond evt="onPrev" delay="0">
+                  <p:tgtEl>
+                    <p:sldTgt/>
+                  </p:tgtEl>
+                </p:cond>
+              </p:prevCondLst>
+              <p:nextCondLst>
+                <p:cond evt="onNext" delay="0">
+                  <p:tgtEl>
+                    <p:sldTgt/>
+                  </p:tgtEl>
+                </p:cond>
+              </p:nextCondLst>
+            </p:seq>
+          </p:childTnLst>
+        </p:cTn>
+      </p:par>
+    </p:tnLst>
+    <p:bldLst>
+      <p:bldP spid="3" grpId="0"/>
+      <p:bldP spid="3" grpId="1"/>
+      <p:bldP spid="38" grpId="0"/>
+    </p:bldLst>
+  </p:timing>
 </p:sld>
 </file>
 

--- a/Патерн Міст.pptx
+++ b/Патерн Міст.pptx
@@ -228,7 +228,7 @@
           <a:p>
             <a:fld id="{C560C1DF-3166-4C9C-95C9-60CB59CA7F24}" type="datetimeFigureOut">
               <a:rPr lang="LID4096" smtClean="0"/>
-              <a:t>10/16/2024</a:t>
+              <a:t>10/17/2024</a:t>
             </a:fld>
             <a:endParaRPr lang="LID4096"/>
           </a:p>
@@ -645,7 +645,7 @@
           <a:p>
             <a:fld id="{A2A79ACF-89F3-43B0-BF53-FF6E26730473}" type="datetime1">
               <a:rPr lang="LID4096" smtClean="0"/>
-              <a:t>10/16/2024</a:t>
+              <a:t>10/17/2024</a:t>
             </a:fld>
             <a:endParaRPr lang="LID4096"/>
           </a:p>
@@ -845,7 +845,7 @@
           <a:p>
             <a:fld id="{18E88D69-1F13-4668-8399-3CC27CE11268}" type="datetime1">
               <a:rPr lang="LID4096" smtClean="0"/>
-              <a:t>10/16/2024</a:t>
+              <a:t>10/17/2024</a:t>
             </a:fld>
             <a:endParaRPr lang="LID4096"/>
           </a:p>
@@ -1055,7 +1055,7 @@
           <a:p>
             <a:fld id="{130E9ABA-88DA-42A4-AB48-B3CF45DF71D1}" type="datetime1">
               <a:rPr lang="LID4096" smtClean="0"/>
-              <a:t>10/16/2024</a:t>
+              <a:t>10/17/2024</a:t>
             </a:fld>
             <a:endParaRPr lang="LID4096"/>
           </a:p>
@@ -1255,7 +1255,7 @@
           <a:p>
             <a:fld id="{0F322E1C-77EF-469A-B515-6A43715BF74C}" type="datetime1">
               <a:rPr lang="LID4096" smtClean="0"/>
-              <a:t>10/16/2024</a:t>
+              <a:t>10/17/2024</a:t>
             </a:fld>
             <a:endParaRPr lang="LID4096"/>
           </a:p>
@@ -1531,7 +1531,7 @@
           <a:p>
             <a:fld id="{F1621DC9-88DC-4DAE-B6A9-79B2183A4DCB}" type="datetime1">
               <a:rPr lang="LID4096" smtClean="0"/>
-              <a:t>10/16/2024</a:t>
+              <a:t>10/17/2024</a:t>
             </a:fld>
             <a:endParaRPr lang="LID4096"/>
           </a:p>
@@ -1799,7 +1799,7 @@
           <a:p>
             <a:fld id="{4CE67422-9836-4A98-9A90-70AD7DED1E23}" type="datetime1">
               <a:rPr lang="LID4096" smtClean="0"/>
-              <a:t>10/16/2024</a:t>
+              <a:t>10/17/2024</a:t>
             </a:fld>
             <a:endParaRPr lang="LID4096"/>
           </a:p>
@@ -2214,7 +2214,7 @@
           <a:p>
             <a:fld id="{6411BE7B-F5A2-4D02-9F92-2DE9C15FFAAF}" type="datetime1">
               <a:rPr lang="LID4096" smtClean="0"/>
-              <a:t>10/16/2024</a:t>
+              <a:t>10/17/2024</a:t>
             </a:fld>
             <a:endParaRPr lang="LID4096"/>
           </a:p>
@@ -2356,7 +2356,7 @@
           <a:p>
             <a:fld id="{E947959C-C968-40E6-8F27-401559B5F027}" type="datetime1">
               <a:rPr lang="LID4096" smtClean="0"/>
-              <a:t>10/16/2024</a:t>
+              <a:t>10/17/2024</a:t>
             </a:fld>
             <a:endParaRPr lang="LID4096"/>
           </a:p>
@@ -2469,7 +2469,7 @@
           <a:p>
             <a:fld id="{C5C54262-79A5-4DB3-9ACC-BC6BCEE880BD}" type="datetime1">
               <a:rPr lang="LID4096" smtClean="0"/>
-              <a:t>10/16/2024</a:t>
+              <a:t>10/17/2024</a:t>
             </a:fld>
             <a:endParaRPr lang="LID4096"/>
           </a:p>
@@ -2782,7 +2782,7 @@
           <a:p>
             <a:fld id="{513F53A2-32BA-4999-8B11-FE4D3E2EB69A}" type="datetime1">
               <a:rPr lang="LID4096" smtClean="0"/>
-              <a:t>10/16/2024</a:t>
+              <a:t>10/17/2024</a:t>
             </a:fld>
             <a:endParaRPr lang="LID4096"/>
           </a:p>
@@ -3071,7 +3071,7 @@
           <a:p>
             <a:fld id="{0447D15D-0EB4-4640-B67D-DFCCE0F12FC1}" type="datetime1">
               <a:rPr lang="LID4096" smtClean="0"/>
-              <a:t>10/16/2024</a:t>
+              <a:t>10/17/2024</a:t>
             </a:fld>
             <a:endParaRPr lang="LID4096"/>
           </a:p>
@@ -3314,7 +3314,7 @@
           <a:p>
             <a:fld id="{51B5AB61-7795-4C10-8FE7-5535CEBCEFD8}" type="datetime1">
               <a:rPr lang="LID4096" smtClean="0"/>
-              <a:t>10/16/2024</a:t>
+              <a:t>10/17/2024</a:t>
             </a:fld>
             <a:endParaRPr lang="LID4096"/>
           </a:p>

--- a/Патерн Міст.pptx
+++ b/Патерн Міст.pptx
@@ -5,7 +5,7 @@
     <p:sldMasterId id="2147483648" r:id="rId1"/>
   </p:sldMasterIdLst>
   <p:notesMasterIdLst>
-    <p:notesMasterId r:id="rId14"/>
+    <p:notesMasterId r:id="rId13"/>
   </p:notesMasterIdLst>
   <p:sldIdLst>
     <p:sldId id="256" r:id="rId2"/>
@@ -16,10 +16,9 @@
     <p:sldId id="261" r:id="rId7"/>
     <p:sldId id="262" r:id="rId8"/>
     <p:sldId id="263" r:id="rId9"/>
-    <p:sldId id="264" r:id="rId10"/>
-    <p:sldId id="265" r:id="rId11"/>
-    <p:sldId id="266" r:id="rId12"/>
-    <p:sldId id="267" r:id="rId13"/>
+    <p:sldId id="265" r:id="rId10"/>
+    <p:sldId id="266" r:id="rId11"/>
+    <p:sldId id="267" r:id="rId12"/>
   </p:sldIdLst>
   <p:sldSz cx="12192000" cy="6858000"/>
   <p:notesSz cx="6858000" cy="9144000"/>
@@ -131,7 +130,6 @@
             <p14:sldId id="261"/>
             <p14:sldId id="262"/>
             <p14:sldId id="263"/>
-            <p14:sldId id="264"/>
             <p14:sldId id="265"/>
             <p14:sldId id="266"/>
             <p14:sldId id="267"/>
@@ -228,7 +226,7 @@
           <a:p>
             <a:fld id="{C560C1DF-3166-4C9C-95C9-60CB59CA7F24}" type="datetimeFigureOut">
               <a:rPr lang="LID4096" smtClean="0"/>
-              <a:t>10/17/2024</a:t>
+              <a:t>10/30/2024</a:t>
             </a:fld>
             <a:endParaRPr lang="LID4096"/>
           </a:p>
@@ -645,7 +643,7 @@
           <a:p>
             <a:fld id="{A2A79ACF-89F3-43B0-BF53-FF6E26730473}" type="datetime1">
               <a:rPr lang="LID4096" smtClean="0"/>
-              <a:t>10/17/2024</a:t>
+              <a:t>10/30/2024</a:t>
             </a:fld>
             <a:endParaRPr lang="LID4096"/>
           </a:p>
@@ -845,7 +843,7 @@
           <a:p>
             <a:fld id="{18E88D69-1F13-4668-8399-3CC27CE11268}" type="datetime1">
               <a:rPr lang="LID4096" smtClean="0"/>
-              <a:t>10/17/2024</a:t>
+              <a:t>10/30/2024</a:t>
             </a:fld>
             <a:endParaRPr lang="LID4096"/>
           </a:p>
@@ -1055,7 +1053,7 @@
           <a:p>
             <a:fld id="{130E9ABA-88DA-42A4-AB48-B3CF45DF71D1}" type="datetime1">
               <a:rPr lang="LID4096" smtClean="0"/>
-              <a:t>10/17/2024</a:t>
+              <a:t>10/30/2024</a:t>
             </a:fld>
             <a:endParaRPr lang="LID4096"/>
           </a:p>
@@ -1255,7 +1253,7 @@
           <a:p>
             <a:fld id="{0F322E1C-77EF-469A-B515-6A43715BF74C}" type="datetime1">
               <a:rPr lang="LID4096" smtClean="0"/>
-              <a:t>10/17/2024</a:t>
+              <a:t>10/30/2024</a:t>
             </a:fld>
             <a:endParaRPr lang="LID4096"/>
           </a:p>
@@ -1531,7 +1529,7 @@
           <a:p>
             <a:fld id="{F1621DC9-88DC-4DAE-B6A9-79B2183A4DCB}" type="datetime1">
               <a:rPr lang="LID4096" smtClean="0"/>
-              <a:t>10/17/2024</a:t>
+              <a:t>10/30/2024</a:t>
             </a:fld>
             <a:endParaRPr lang="LID4096"/>
           </a:p>
@@ -1799,7 +1797,7 @@
           <a:p>
             <a:fld id="{4CE67422-9836-4A98-9A90-70AD7DED1E23}" type="datetime1">
               <a:rPr lang="LID4096" smtClean="0"/>
-              <a:t>10/17/2024</a:t>
+              <a:t>10/30/2024</a:t>
             </a:fld>
             <a:endParaRPr lang="LID4096"/>
           </a:p>
@@ -2214,7 +2212,7 @@
           <a:p>
             <a:fld id="{6411BE7B-F5A2-4D02-9F92-2DE9C15FFAAF}" type="datetime1">
               <a:rPr lang="LID4096" smtClean="0"/>
-              <a:t>10/17/2024</a:t>
+              <a:t>10/30/2024</a:t>
             </a:fld>
             <a:endParaRPr lang="LID4096"/>
           </a:p>
@@ -2356,7 +2354,7 @@
           <a:p>
             <a:fld id="{E947959C-C968-40E6-8F27-401559B5F027}" type="datetime1">
               <a:rPr lang="LID4096" smtClean="0"/>
-              <a:t>10/17/2024</a:t>
+              <a:t>10/30/2024</a:t>
             </a:fld>
             <a:endParaRPr lang="LID4096"/>
           </a:p>
@@ -2469,7 +2467,7 @@
           <a:p>
             <a:fld id="{C5C54262-79A5-4DB3-9ACC-BC6BCEE880BD}" type="datetime1">
               <a:rPr lang="LID4096" smtClean="0"/>
-              <a:t>10/17/2024</a:t>
+              <a:t>10/30/2024</a:t>
             </a:fld>
             <a:endParaRPr lang="LID4096"/>
           </a:p>
@@ -2782,7 +2780,7 @@
           <a:p>
             <a:fld id="{513F53A2-32BA-4999-8B11-FE4D3E2EB69A}" type="datetime1">
               <a:rPr lang="LID4096" smtClean="0"/>
-              <a:t>10/17/2024</a:t>
+              <a:t>10/30/2024</a:t>
             </a:fld>
             <a:endParaRPr lang="LID4096"/>
           </a:p>
@@ -3071,7 +3069,7 @@
           <a:p>
             <a:fld id="{0447D15D-0EB4-4640-B67D-DFCCE0F12FC1}" type="datetime1">
               <a:rPr lang="LID4096" smtClean="0"/>
-              <a:t>10/17/2024</a:t>
+              <a:t>10/30/2024</a:t>
             </a:fld>
             <a:endParaRPr lang="LID4096"/>
           </a:p>
@@ -3314,7 +3312,7 @@
           <a:p>
             <a:fld id="{51B5AB61-7795-4C10-8FE7-5535CEBCEFD8}" type="datetime1">
               <a:rPr lang="LID4096" smtClean="0"/>
-              <a:t>10/17/2024</a:t>
+              <a:t>10/30/2024</a:t>
             </a:fld>
             <a:endParaRPr lang="LID4096"/>
           </a:p>
@@ -4442,1171 +4440,6 @@
           <p:cNvPr id="2" name="Заголовок 1">
             <a:extLst>
               <a:ext uri="{FF2B5EF4-FFF2-40B4-BE49-F238E27FC236}">
-                <a16:creationId xmlns:a16="http://schemas.microsoft.com/office/drawing/2014/main" id="{DE96AC73-B1CB-20C0-1006-8060662CE336}"/>
-              </a:ext>
-            </a:extLst>
-          </p:cNvPr>
-          <p:cNvSpPr>
-            <a:spLocks noGrp="1"/>
-          </p:cNvSpPr>
-          <p:nvPr>
-            <p:ph type="title"/>
-          </p:nvPr>
-        </p:nvSpPr>
-        <p:spPr/>
-        <p:txBody>
-          <a:bodyPr>
-            <a:normAutofit fontScale="90000"/>
-          </a:bodyPr>
-          <a:lstStyle/>
-          <a:p>
-            <a:pPr algn="ctr"/>
-            <a:r>
-              <a:rPr lang="uk-UA" sz="6000" b="1" i="0" dirty="0">
-                <a:solidFill>
-                  <a:schemeClr val="bg1"/>
-                </a:solidFill>
-                <a:effectLst/>
-                <a:latin typeface="Times New Roman" panose="02020603050405020304" pitchFamily="18" charset="0"/>
-                <a:cs typeface="Times New Roman" panose="02020603050405020304" pitchFamily="18" charset="0"/>
-              </a:rPr>
-              <a:t>Переваги та недоліки</a:t>
-            </a:r>
-            <a:br>
-              <a:rPr lang="uk-UA" b="1" i="0" dirty="0">
-                <a:solidFill>
-                  <a:srgbClr val="444444"/>
-                </a:solidFill>
-                <a:effectLst/>
-                <a:latin typeface="PT Sans" panose="020B0503020203020204" pitchFamily="34" charset="-52"/>
-              </a:rPr>
-            </a:br>
-            <a:endParaRPr lang="LID4096" dirty="0"/>
-          </a:p>
-        </p:txBody>
-      </p:sp>
-      <p:sp>
-        <p:nvSpPr>
-          <p:cNvPr id="4" name="Номер слайда 3">
-            <a:extLst>
-              <a:ext uri="{FF2B5EF4-FFF2-40B4-BE49-F238E27FC236}">
-                <a16:creationId xmlns:a16="http://schemas.microsoft.com/office/drawing/2014/main" id="{267AB902-64C8-F33D-E44E-D2DDEA0B6DC5}"/>
-              </a:ext>
-            </a:extLst>
-          </p:cNvPr>
-          <p:cNvSpPr>
-            <a:spLocks noGrp="1"/>
-          </p:cNvSpPr>
-          <p:nvPr>
-            <p:ph type="sldNum" sz="quarter" idx="12"/>
-          </p:nvPr>
-        </p:nvSpPr>
-        <p:spPr/>
-        <p:txBody>
-          <a:bodyPr/>
-          <a:lstStyle/>
-          <a:p>
-            <a:fld id="{FA761BB2-A0B4-4B39-8B51-96794B63880A}" type="slidenum">
-              <a:rPr lang="LID4096" smtClean="0"/>
-              <a:t>10</a:t>
-            </a:fld>
-            <a:endParaRPr lang="LID4096"/>
-          </a:p>
-        </p:txBody>
-      </p:sp>
-      <p:sp>
-        <p:nvSpPr>
-          <p:cNvPr id="5" name="Прямоугольник 4">
-            <a:extLst>
-              <a:ext uri="{FF2B5EF4-FFF2-40B4-BE49-F238E27FC236}">
-                <a16:creationId xmlns:a16="http://schemas.microsoft.com/office/drawing/2014/main" id="{34AEF7BF-33B8-4AD7-65F1-1C57731F51C3}"/>
-              </a:ext>
-            </a:extLst>
-          </p:cNvPr>
-          <p:cNvSpPr/>
-          <p:nvPr/>
-        </p:nvSpPr>
-        <p:spPr>
-          <a:xfrm>
-            <a:off x="5950004" y="1506071"/>
-            <a:ext cx="291993" cy="4449055"/>
-          </a:xfrm>
-          <a:prstGeom prst="rect">
-            <a:avLst/>
-          </a:prstGeom>
-          <a:solidFill>
-            <a:schemeClr val="bg1"/>
-          </a:solidFill>
-          <a:ln>
-            <a:solidFill>
-              <a:srgbClr val="FFFFFF"/>
-            </a:solidFill>
-          </a:ln>
-          <a:effectLst>
-            <a:glow rad="127000">
-              <a:schemeClr val="bg1">
-                <a:alpha val="14000"/>
-              </a:schemeClr>
-            </a:glow>
-            <a:softEdge rad="88900"/>
-          </a:effectLst>
-        </p:spPr>
-        <p:style>
-          <a:lnRef idx="2">
-            <a:schemeClr val="accent1">
-              <a:shade val="15000"/>
-            </a:schemeClr>
-          </a:lnRef>
-          <a:fillRef idx="1">
-            <a:schemeClr val="accent1"/>
-          </a:fillRef>
-          <a:effectRef idx="0">
-            <a:schemeClr val="accent1"/>
-          </a:effectRef>
-          <a:fontRef idx="minor">
-            <a:schemeClr val="lt1"/>
-          </a:fontRef>
-        </p:style>
-        <p:txBody>
-          <a:bodyPr rtlCol="0" anchor="ctr"/>
-          <a:lstStyle/>
-          <a:p>
-            <a:pPr algn="ctr"/>
-            <a:endParaRPr lang="LID4096" dirty="0"/>
-          </a:p>
-        </p:txBody>
-      </p:sp>
-      <p:grpSp>
-        <p:nvGrpSpPr>
-          <p:cNvPr id="20" name="Группа 19">
-            <a:extLst>
-              <a:ext uri="{FF2B5EF4-FFF2-40B4-BE49-F238E27FC236}">
-                <a16:creationId xmlns:a16="http://schemas.microsoft.com/office/drawing/2014/main" id="{A5B385AF-75B3-DB95-FF7F-924FA6C02759}"/>
-              </a:ext>
-            </a:extLst>
-          </p:cNvPr>
-          <p:cNvGrpSpPr/>
-          <p:nvPr/>
-        </p:nvGrpSpPr>
-        <p:grpSpPr>
-          <a:xfrm>
-            <a:off x="369473" y="1690688"/>
-            <a:ext cx="4504295" cy="2585323"/>
-            <a:chOff x="369473" y="1690688"/>
-            <a:chExt cx="4504295" cy="2585323"/>
-          </a:xfrm>
-        </p:grpSpPr>
-        <p:sp>
-          <p:nvSpPr>
-            <p:cNvPr id="6" name="TextBox 5">
-              <a:extLst>
-                <a:ext uri="{FF2B5EF4-FFF2-40B4-BE49-F238E27FC236}">
-                  <a16:creationId xmlns:a16="http://schemas.microsoft.com/office/drawing/2014/main" id="{85B31180-0C4A-E396-CB1F-53C07DB10147}"/>
-                </a:ext>
-              </a:extLst>
-            </p:cNvPr>
-            <p:cNvSpPr txBox="1"/>
-            <p:nvPr/>
-          </p:nvSpPr>
-          <p:spPr>
-            <a:xfrm>
-              <a:off x="965199" y="1690688"/>
-              <a:ext cx="3908569" cy="2585323"/>
-            </a:xfrm>
-            <a:prstGeom prst="rect">
-              <a:avLst/>
-            </a:prstGeom>
-            <a:noFill/>
-          </p:spPr>
-          <p:txBody>
-            <a:bodyPr wrap="square" rtlCol="0">
-              <a:spAutoFit/>
-            </a:bodyPr>
-            <a:lstStyle/>
-            <a:p>
-              <a:pPr algn="l"/>
-              <a:r>
-                <a:rPr lang="uk-UA" b="0" i="0" dirty="0">
-                  <a:solidFill>
-                    <a:schemeClr val="bg1"/>
-                  </a:solidFill>
-                  <a:effectLst/>
-                  <a:latin typeface="Times New Roman" panose="02020603050405020304" pitchFamily="18" charset="0"/>
-                  <a:cs typeface="Times New Roman" panose="02020603050405020304" pitchFamily="18" charset="0"/>
-                </a:rPr>
-                <a:t>Дозволяє будувати платформо-незалежні програми.</a:t>
-              </a:r>
-              <a:endParaRPr lang="en-GB" b="0" i="0" dirty="0">
-                <a:solidFill>
-                  <a:schemeClr val="bg1"/>
-                </a:solidFill>
-                <a:effectLst/>
-                <a:latin typeface="Times New Roman" panose="02020603050405020304" pitchFamily="18" charset="0"/>
-                <a:cs typeface="Times New Roman" panose="02020603050405020304" pitchFamily="18" charset="0"/>
-              </a:endParaRPr>
-            </a:p>
-            <a:p>
-              <a:pPr algn="l"/>
-              <a:endParaRPr lang="en-GB" b="0" i="0" dirty="0">
-                <a:solidFill>
-                  <a:schemeClr val="bg1"/>
-                </a:solidFill>
-                <a:effectLst/>
-                <a:latin typeface="Times New Roman" panose="02020603050405020304" pitchFamily="18" charset="0"/>
-                <a:cs typeface="Times New Roman" panose="02020603050405020304" pitchFamily="18" charset="0"/>
-              </a:endParaRPr>
-            </a:p>
-            <a:p>
-              <a:pPr algn="l"/>
-              <a:endParaRPr lang="en-GB" dirty="0">
-                <a:solidFill>
-                  <a:schemeClr val="bg1"/>
-                </a:solidFill>
-                <a:latin typeface="Times New Roman" panose="02020603050405020304" pitchFamily="18" charset="0"/>
-                <a:cs typeface="Times New Roman" panose="02020603050405020304" pitchFamily="18" charset="0"/>
-              </a:endParaRPr>
-            </a:p>
-            <a:p>
-              <a:pPr algn="l"/>
-              <a:endParaRPr lang="uk-UA" b="0" i="0" dirty="0">
-                <a:solidFill>
-                  <a:schemeClr val="bg1"/>
-                </a:solidFill>
-                <a:effectLst/>
-                <a:latin typeface="Times New Roman" panose="02020603050405020304" pitchFamily="18" charset="0"/>
-                <a:cs typeface="Times New Roman" panose="02020603050405020304" pitchFamily="18" charset="0"/>
-              </a:endParaRPr>
-            </a:p>
-            <a:p>
-              <a:pPr algn="l"/>
-              <a:endParaRPr lang="en-GB" dirty="0">
-                <a:solidFill>
-                  <a:schemeClr val="bg1"/>
-                </a:solidFill>
-                <a:latin typeface="Times New Roman" panose="02020603050405020304" pitchFamily="18" charset="0"/>
-                <a:cs typeface="Times New Roman" panose="02020603050405020304" pitchFamily="18" charset="0"/>
-              </a:endParaRPr>
-            </a:p>
-            <a:p>
-              <a:pPr algn="l"/>
-              <a:endParaRPr lang="en-GB" b="0" i="0" dirty="0">
-                <a:solidFill>
-                  <a:schemeClr val="bg1"/>
-                </a:solidFill>
-                <a:effectLst/>
-                <a:latin typeface="Times New Roman" panose="02020603050405020304" pitchFamily="18" charset="0"/>
-                <a:cs typeface="Times New Roman" panose="02020603050405020304" pitchFamily="18" charset="0"/>
-              </a:endParaRPr>
-            </a:p>
-            <a:p>
-              <a:pPr algn="l"/>
-              <a:endParaRPr lang="en-GB" dirty="0">
-                <a:solidFill>
-                  <a:schemeClr val="bg1"/>
-                </a:solidFill>
-                <a:latin typeface="Times New Roman" panose="02020603050405020304" pitchFamily="18" charset="0"/>
-                <a:cs typeface="Times New Roman" panose="02020603050405020304" pitchFamily="18" charset="0"/>
-              </a:endParaRPr>
-            </a:p>
-            <a:p>
-              <a:endParaRPr lang="LID4096" dirty="0">
-                <a:solidFill>
-                  <a:schemeClr val="bg1"/>
-                </a:solidFill>
-                <a:latin typeface="Times New Roman" panose="02020603050405020304" pitchFamily="18" charset="0"/>
-                <a:cs typeface="Times New Roman" panose="02020603050405020304" pitchFamily="18" charset="0"/>
-              </a:endParaRPr>
-            </a:p>
-          </p:txBody>
-        </p:sp>
-        <p:pic>
-          <p:nvPicPr>
-            <p:cNvPr id="4098" name="Picture 2">
-              <a:extLst>
-                <a:ext uri="{FF2B5EF4-FFF2-40B4-BE49-F238E27FC236}">
-                  <a16:creationId xmlns:a16="http://schemas.microsoft.com/office/drawing/2014/main" id="{E547EFEA-9337-16B8-DAB0-64FC77034554}"/>
-                </a:ext>
-              </a:extLst>
-            </p:cNvPr>
-            <p:cNvPicPr>
-              <a:picLocks noChangeAspect="1" noChangeArrowheads="1"/>
-            </p:cNvPicPr>
-            <p:nvPr/>
-          </p:nvPicPr>
-          <p:blipFill>
-            <a:blip r:embed="rId2">
-              <a:extLst>
-                <a:ext uri="{28A0092B-C50C-407E-A947-70E740481C1C}">
-                  <a14:useLocalDpi xmlns:a14="http://schemas.microsoft.com/office/drawing/2010/main" val="0"/>
-                </a:ext>
-              </a:extLst>
-            </a:blip>
-            <a:srcRect/>
-            <a:stretch>
-              <a:fillRect/>
-            </a:stretch>
-          </p:blipFill>
-          <p:spPr bwMode="auto">
-            <a:xfrm>
-              <a:off x="369473" y="1759003"/>
-              <a:ext cx="468727" cy="468727"/>
-            </a:xfrm>
-            <a:prstGeom prst="rect">
-              <a:avLst/>
-            </a:prstGeom>
-            <a:noFill/>
-            <a:extLst>
-              <a:ext uri="{909E8E84-426E-40DD-AFC4-6F175D3DCCD1}">
-                <a14:hiddenFill xmlns:a14="http://schemas.microsoft.com/office/drawing/2010/main">
-                  <a:solidFill>
-                    <a:srgbClr val="FFFFFF"/>
-                  </a:solidFill>
-                </a14:hiddenFill>
-              </a:ext>
-            </a:extLst>
-          </p:spPr>
-        </p:pic>
-      </p:grpSp>
-      <p:grpSp>
-        <p:nvGrpSpPr>
-          <p:cNvPr id="24" name="Группа 23">
-            <a:extLst>
-              <a:ext uri="{FF2B5EF4-FFF2-40B4-BE49-F238E27FC236}">
-                <a16:creationId xmlns:a16="http://schemas.microsoft.com/office/drawing/2014/main" id="{D49814F2-AA48-E97A-BD1D-FF5D9A564789}"/>
-              </a:ext>
-            </a:extLst>
-          </p:cNvPr>
-          <p:cNvGrpSpPr/>
-          <p:nvPr/>
-        </p:nvGrpSpPr>
-        <p:grpSpPr>
-          <a:xfrm>
-            <a:off x="7445232" y="1690688"/>
-            <a:ext cx="3402418" cy="923330"/>
-            <a:chOff x="7445232" y="1690688"/>
-            <a:chExt cx="3402418" cy="923330"/>
-          </a:xfrm>
-        </p:grpSpPr>
-        <p:sp>
-          <p:nvSpPr>
-            <p:cNvPr id="14" name="Овал 13">
-              <a:extLst>
-                <a:ext uri="{FF2B5EF4-FFF2-40B4-BE49-F238E27FC236}">
-                  <a16:creationId xmlns:a16="http://schemas.microsoft.com/office/drawing/2014/main" id="{FBE211B2-8F15-97AC-6D0C-57834431812E}"/>
-                </a:ext>
-              </a:extLst>
-            </p:cNvPr>
-            <p:cNvSpPr/>
-            <p:nvPr/>
-          </p:nvSpPr>
-          <p:spPr>
-            <a:xfrm>
-              <a:off x="7496984" y="1954353"/>
-              <a:ext cx="396000" cy="396000"/>
-            </a:xfrm>
-            <a:prstGeom prst="ellipse">
-              <a:avLst/>
-            </a:prstGeom>
-            <a:solidFill>
-              <a:schemeClr val="bg1"/>
-            </a:solidFill>
-            <a:ln>
-              <a:solidFill>
-                <a:schemeClr val="bg1"/>
-              </a:solidFill>
-            </a:ln>
-          </p:spPr>
-          <p:style>
-            <a:lnRef idx="2">
-              <a:schemeClr val="accent1">
-                <a:shade val="15000"/>
-              </a:schemeClr>
-            </a:lnRef>
-            <a:fillRef idx="1">
-              <a:schemeClr val="accent1"/>
-            </a:fillRef>
-            <a:effectRef idx="0">
-              <a:schemeClr val="accent1"/>
-            </a:effectRef>
-            <a:fontRef idx="minor">
-              <a:schemeClr val="lt1"/>
-            </a:fontRef>
-          </p:style>
-          <p:txBody>
-            <a:bodyPr rtlCol="0" anchor="ctr"/>
-            <a:lstStyle/>
-            <a:p>
-              <a:pPr algn="ctr"/>
-              <a:endParaRPr lang="LID4096"/>
-            </a:p>
-          </p:txBody>
-        </p:sp>
-        <p:grpSp>
-          <p:nvGrpSpPr>
-            <p:cNvPr id="23" name="Группа 22">
-              <a:extLst>
-                <a:ext uri="{FF2B5EF4-FFF2-40B4-BE49-F238E27FC236}">
-                  <a16:creationId xmlns:a16="http://schemas.microsoft.com/office/drawing/2014/main" id="{98A89596-B7A8-5C23-A670-5C4D466BDAA0}"/>
-                </a:ext>
-              </a:extLst>
-            </p:cNvPr>
-            <p:cNvGrpSpPr/>
-            <p:nvPr/>
-          </p:nvGrpSpPr>
-          <p:grpSpPr>
-            <a:xfrm>
-              <a:off x="7445232" y="1690688"/>
-              <a:ext cx="3402418" cy="923330"/>
-              <a:chOff x="7445232" y="1690688"/>
-              <a:chExt cx="3402418" cy="923330"/>
-            </a:xfrm>
-          </p:grpSpPr>
-          <p:sp>
-            <p:nvSpPr>
-              <p:cNvPr id="10" name="TextBox 9">
-                <a:extLst>
-                  <a:ext uri="{FF2B5EF4-FFF2-40B4-BE49-F238E27FC236}">
-                    <a16:creationId xmlns:a16="http://schemas.microsoft.com/office/drawing/2014/main" id="{7C57AF67-9E0E-4D69-E20F-A28463DC51BC}"/>
-                  </a:ext>
-                </a:extLst>
-              </p:cNvPr>
-              <p:cNvSpPr txBox="1"/>
-              <p:nvPr/>
-            </p:nvSpPr>
-            <p:spPr>
-              <a:xfrm>
-                <a:off x="7933480" y="1690688"/>
-                <a:ext cx="2914170" cy="923330"/>
-              </a:xfrm>
-              <a:prstGeom prst="rect">
-                <a:avLst/>
-              </a:prstGeom>
-              <a:noFill/>
-            </p:spPr>
-            <p:txBody>
-              <a:bodyPr wrap="square">
-                <a:spAutoFit/>
-              </a:bodyPr>
-              <a:lstStyle/>
-              <a:p>
-                <a:r>
-                  <a:rPr lang="ru-RU" b="0" i="0" dirty="0" err="1">
-                    <a:solidFill>
-                      <a:schemeClr val="bg1"/>
-                    </a:solidFill>
-                    <a:effectLst/>
-                    <a:latin typeface="Times New Roman" panose="02020603050405020304" pitchFamily="18" charset="0"/>
-                    <a:cs typeface="Times New Roman" panose="02020603050405020304" pitchFamily="18" charset="0"/>
-                  </a:rPr>
-                  <a:t>Ускладнює</a:t>
-                </a:r>
-                <a:r>
-                  <a:rPr lang="ru-RU" b="0" i="0" dirty="0">
-                    <a:solidFill>
-                      <a:schemeClr val="bg1"/>
-                    </a:solidFill>
-                    <a:effectLst/>
-                    <a:latin typeface="Times New Roman" panose="02020603050405020304" pitchFamily="18" charset="0"/>
-                    <a:cs typeface="Times New Roman" panose="02020603050405020304" pitchFamily="18" charset="0"/>
-                  </a:rPr>
-                  <a:t> код </a:t>
-                </a:r>
-                <a:r>
-                  <a:rPr lang="ru-RU" b="0" i="0" dirty="0" err="1">
-                    <a:solidFill>
-                      <a:schemeClr val="bg1"/>
-                    </a:solidFill>
-                    <a:effectLst/>
-                    <a:latin typeface="Times New Roman" panose="02020603050405020304" pitchFamily="18" charset="0"/>
-                    <a:cs typeface="Times New Roman" panose="02020603050405020304" pitchFamily="18" charset="0"/>
-                  </a:rPr>
-                  <a:t>програми</a:t>
-                </a:r>
-                <a:r>
-                  <a:rPr lang="ru-RU" b="0" i="0" dirty="0">
-                    <a:solidFill>
-                      <a:schemeClr val="bg1"/>
-                    </a:solidFill>
-                    <a:effectLst/>
-                    <a:latin typeface="Times New Roman" panose="02020603050405020304" pitchFamily="18" charset="0"/>
-                    <a:cs typeface="Times New Roman" panose="02020603050405020304" pitchFamily="18" charset="0"/>
-                  </a:rPr>
-                  <a:t> </a:t>
-                </a:r>
-                <a:r>
-                  <a:rPr lang="ru-RU" b="0" i="0" dirty="0" err="1">
-                    <a:solidFill>
-                      <a:schemeClr val="bg1"/>
-                    </a:solidFill>
-                    <a:effectLst/>
-                    <a:latin typeface="Times New Roman" panose="02020603050405020304" pitchFamily="18" charset="0"/>
-                    <a:cs typeface="Times New Roman" panose="02020603050405020304" pitchFamily="18" charset="0"/>
-                  </a:rPr>
-                  <a:t>внаслідок</a:t>
-                </a:r>
-                <a:r>
-                  <a:rPr lang="ru-RU" b="0" i="0" dirty="0">
-                    <a:solidFill>
-                      <a:schemeClr val="bg1"/>
-                    </a:solidFill>
-                    <a:effectLst/>
-                    <a:latin typeface="Times New Roman" panose="02020603050405020304" pitchFamily="18" charset="0"/>
-                    <a:cs typeface="Times New Roman" panose="02020603050405020304" pitchFamily="18" charset="0"/>
-                  </a:rPr>
-                  <a:t> </a:t>
-                </a:r>
-                <a:r>
-                  <a:rPr lang="ru-RU" b="0" i="0" dirty="0" err="1">
-                    <a:solidFill>
-                      <a:schemeClr val="bg1"/>
-                    </a:solidFill>
-                    <a:effectLst/>
-                    <a:latin typeface="Times New Roman" panose="02020603050405020304" pitchFamily="18" charset="0"/>
-                    <a:cs typeface="Times New Roman" panose="02020603050405020304" pitchFamily="18" charset="0"/>
-                  </a:rPr>
-                  <a:t>введення</a:t>
-                </a:r>
-                <a:r>
-                  <a:rPr lang="ru-RU" b="0" i="0" dirty="0">
-                    <a:solidFill>
-                      <a:schemeClr val="bg1"/>
-                    </a:solidFill>
-                    <a:effectLst/>
-                    <a:latin typeface="Times New Roman" panose="02020603050405020304" pitchFamily="18" charset="0"/>
-                    <a:cs typeface="Times New Roman" panose="02020603050405020304" pitchFamily="18" charset="0"/>
-                  </a:rPr>
-                  <a:t> </a:t>
-                </a:r>
-                <a:r>
-                  <a:rPr lang="ru-RU" b="0" i="0" dirty="0" err="1">
-                    <a:solidFill>
-                      <a:schemeClr val="bg1"/>
-                    </a:solidFill>
-                    <a:effectLst/>
-                    <a:latin typeface="Times New Roman" panose="02020603050405020304" pitchFamily="18" charset="0"/>
-                    <a:cs typeface="Times New Roman" panose="02020603050405020304" pitchFamily="18" charset="0"/>
-                  </a:rPr>
-                  <a:t>додаткових</a:t>
-                </a:r>
-                <a:r>
-                  <a:rPr lang="ru-RU" b="0" i="0" dirty="0">
-                    <a:solidFill>
-                      <a:schemeClr val="bg1"/>
-                    </a:solidFill>
-                    <a:effectLst/>
-                    <a:latin typeface="Times New Roman" panose="02020603050405020304" pitchFamily="18" charset="0"/>
-                    <a:cs typeface="Times New Roman" panose="02020603050405020304" pitchFamily="18" charset="0"/>
-                  </a:rPr>
-                  <a:t> </a:t>
-                </a:r>
-                <a:r>
-                  <a:rPr lang="ru-RU" b="0" i="0" dirty="0" err="1">
-                    <a:solidFill>
-                      <a:schemeClr val="bg1"/>
-                    </a:solidFill>
-                    <a:effectLst/>
-                    <a:latin typeface="Times New Roman" panose="02020603050405020304" pitchFamily="18" charset="0"/>
-                    <a:cs typeface="Times New Roman" panose="02020603050405020304" pitchFamily="18" charset="0"/>
-                  </a:rPr>
-                  <a:t>класів</a:t>
-                </a:r>
-                <a:r>
-                  <a:rPr lang="ru-RU" b="0" i="0" dirty="0">
-                    <a:solidFill>
-                      <a:schemeClr val="bg1"/>
-                    </a:solidFill>
-                    <a:effectLst/>
-                    <a:latin typeface="Times New Roman" panose="02020603050405020304" pitchFamily="18" charset="0"/>
-                    <a:cs typeface="Times New Roman" panose="02020603050405020304" pitchFamily="18" charset="0"/>
-                  </a:rPr>
-                  <a:t>.</a:t>
-                </a:r>
-                <a:endParaRPr lang="LID4096" dirty="0">
-                  <a:solidFill>
-                    <a:schemeClr val="bg1"/>
-                  </a:solidFill>
-                  <a:latin typeface="Times New Roman" panose="02020603050405020304" pitchFamily="18" charset="0"/>
-                  <a:cs typeface="Times New Roman" panose="02020603050405020304" pitchFamily="18" charset="0"/>
-                </a:endParaRPr>
-              </a:p>
-            </p:txBody>
-          </p:sp>
-          <p:pic>
-            <p:nvPicPr>
-              <p:cNvPr id="13" name="Рисунок 12">
-                <a:extLst>
-                  <a:ext uri="{FF2B5EF4-FFF2-40B4-BE49-F238E27FC236}">
-                    <a16:creationId xmlns:a16="http://schemas.microsoft.com/office/drawing/2014/main" id="{157CF92D-9BBC-968E-0995-D09555978A96}"/>
-                  </a:ext>
-                </a:extLst>
-              </p:cNvPr>
-              <p:cNvPicPr>
-                <a:picLocks noChangeAspect="1"/>
-              </p:cNvPicPr>
-              <p:nvPr/>
-            </p:nvPicPr>
-            <p:blipFill>
-              <a:blip r:embed="rId3">
-                <a:extLst>
-                  <a:ext uri="{28A0092B-C50C-407E-A947-70E740481C1C}">
-                    <a14:useLocalDpi xmlns:a14="http://schemas.microsoft.com/office/drawing/2010/main" val="0"/>
-                  </a:ext>
-                </a:extLst>
-              </a:blip>
-              <a:stretch>
-                <a:fillRect/>
-              </a:stretch>
-            </p:blipFill>
-            <p:spPr>
-              <a:xfrm>
-                <a:off x="7445232" y="1918353"/>
-                <a:ext cx="468000" cy="468000"/>
-              </a:xfrm>
-              <a:prstGeom prst="rect">
-                <a:avLst/>
-              </a:prstGeom>
-            </p:spPr>
-          </p:pic>
-        </p:grpSp>
-      </p:grpSp>
-      <p:grpSp>
-        <p:nvGrpSpPr>
-          <p:cNvPr id="21" name="Группа 20">
-            <a:extLst>
-              <a:ext uri="{FF2B5EF4-FFF2-40B4-BE49-F238E27FC236}">
-                <a16:creationId xmlns:a16="http://schemas.microsoft.com/office/drawing/2014/main" id="{86B7BECC-724A-C7C5-CB3B-8F399211486B}"/>
-              </a:ext>
-            </a:extLst>
-          </p:cNvPr>
-          <p:cNvGrpSpPr/>
-          <p:nvPr/>
-        </p:nvGrpSpPr>
-        <p:grpSpPr>
-          <a:xfrm>
-            <a:off x="369472" y="3016251"/>
-            <a:ext cx="3821527" cy="923330"/>
-            <a:chOff x="369472" y="3016251"/>
-            <a:chExt cx="3821527" cy="923330"/>
-          </a:xfrm>
-        </p:grpSpPr>
-        <p:pic>
-          <p:nvPicPr>
-            <p:cNvPr id="7" name="Picture 2">
-              <a:extLst>
-                <a:ext uri="{FF2B5EF4-FFF2-40B4-BE49-F238E27FC236}">
-                  <a16:creationId xmlns:a16="http://schemas.microsoft.com/office/drawing/2014/main" id="{CE34EFC3-1D91-D713-1CA7-A7766FA45BBD}"/>
-                </a:ext>
-              </a:extLst>
-            </p:cNvPr>
-            <p:cNvPicPr>
-              <a:picLocks noChangeAspect="1" noChangeArrowheads="1"/>
-            </p:cNvPicPr>
-            <p:nvPr/>
-          </p:nvPicPr>
-          <p:blipFill>
-            <a:blip r:embed="rId2">
-              <a:extLst>
-                <a:ext uri="{28A0092B-C50C-407E-A947-70E740481C1C}">
-                  <a14:useLocalDpi xmlns:a14="http://schemas.microsoft.com/office/drawing/2010/main" val="0"/>
-                </a:ext>
-              </a:extLst>
-            </a:blip>
-            <a:srcRect/>
-            <a:stretch>
-              <a:fillRect/>
-            </a:stretch>
-          </p:blipFill>
-          <p:spPr bwMode="auto">
-            <a:xfrm>
-              <a:off x="369472" y="3241277"/>
-              <a:ext cx="468727" cy="468727"/>
-            </a:xfrm>
-            <a:prstGeom prst="rect">
-              <a:avLst/>
-            </a:prstGeom>
-            <a:noFill/>
-            <a:extLst>
-              <a:ext uri="{909E8E84-426E-40DD-AFC4-6F175D3DCCD1}">
-                <a14:hiddenFill xmlns:a14="http://schemas.microsoft.com/office/drawing/2010/main">
-                  <a:solidFill>
-                    <a:srgbClr val="FFFFFF"/>
-                  </a:solidFill>
-                </a14:hiddenFill>
-              </a:ext>
-            </a:extLst>
-          </p:spPr>
-        </p:pic>
-        <p:sp>
-          <p:nvSpPr>
-            <p:cNvPr id="17" name="TextBox 16">
-              <a:extLst>
-                <a:ext uri="{FF2B5EF4-FFF2-40B4-BE49-F238E27FC236}">
-                  <a16:creationId xmlns:a16="http://schemas.microsoft.com/office/drawing/2014/main" id="{C25A93BF-8035-F9DF-3CD6-868F2A25A8BB}"/>
-                </a:ext>
-              </a:extLst>
-            </p:cNvPr>
-            <p:cNvSpPr txBox="1"/>
-            <p:nvPr/>
-          </p:nvSpPr>
-          <p:spPr>
-            <a:xfrm>
-              <a:off x="965199" y="3016251"/>
-              <a:ext cx="3225800" cy="923330"/>
-            </a:xfrm>
-            <a:prstGeom prst="rect">
-              <a:avLst/>
-            </a:prstGeom>
-            <a:noFill/>
-          </p:spPr>
-          <p:txBody>
-            <a:bodyPr wrap="square">
-              <a:spAutoFit/>
-            </a:bodyPr>
-            <a:lstStyle/>
-            <a:p>
-              <a:pPr algn="l"/>
-              <a:r>
-                <a:rPr lang="uk-UA" b="0" i="0" dirty="0">
-                  <a:solidFill>
-                    <a:schemeClr val="bg1"/>
-                  </a:solidFill>
-                  <a:effectLst/>
-                  <a:latin typeface="Times New Roman" panose="02020603050405020304" pitchFamily="18" charset="0"/>
-                  <a:cs typeface="Times New Roman" panose="02020603050405020304" pitchFamily="18" charset="0"/>
-                </a:rPr>
-                <a:t>Приховує зайві або небезпечні деталі реалізації від клієнтського коду.</a:t>
-              </a:r>
-              <a:endParaRPr lang="en-GB" b="0" i="0" dirty="0">
-                <a:solidFill>
-                  <a:schemeClr val="bg1"/>
-                </a:solidFill>
-                <a:effectLst/>
-                <a:latin typeface="Times New Roman" panose="02020603050405020304" pitchFamily="18" charset="0"/>
-                <a:cs typeface="Times New Roman" panose="02020603050405020304" pitchFamily="18" charset="0"/>
-              </a:endParaRPr>
-            </a:p>
-          </p:txBody>
-        </p:sp>
-      </p:grpSp>
-      <p:grpSp>
-        <p:nvGrpSpPr>
-          <p:cNvPr id="22" name="Группа 21">
-            <a:extLst>
-              <a:ext uri="{FF2B5EF4-FFF2-40B4-BE49-F238E27FC236}">
-                <a16:creationId xmlns:a16="http://schemas.microsoft.com/office/drawing/2014/main" id="{1E60B5E8-EAC0-9334-F540-D5C1658F04D6}"/>
-              </a:ext>
-            </a:extLst>
-          </p:cNvPr>
-          <p:cNvGrpSpPr/>
-          <p:nvPr/>
-        </p:nvGrpSpPr>
-        <p:grpSpPr>
-          <a:xfrm>
-            <a:off x="369471" y="4712400"/>
-            <a:ext cx="4067061" cy="646331"/>
-            <a:chOff x="369471" y="4712400"/>
-            <a:chExt cx="4067061" cy="646331"/>
-          </a:xfrm>
-        </p:grpSpPr>
-        <p:pic>
-          <p:nvPicPr>
-            <p:cNvPr id="8" name="Picture 2">
-              <a:extLst>
-                <a:ext uri="{FF2B5EF4-FFF2-40B4-BE49-F238E27FC236}">
-                  <a16:creationId xmlns:a16="http://schemas.microsoft.com/office/drawing/2014/main" id="{FDBAF2F4-8C6E-48CC-64B0-1669A890E313}"/>
-                </a:ext>
-              </a:extLst>
-            </p:cNvPr>
-            <p:cNvPicPr>
-              <a:picLocks noChangeAspect="1" noChangeArrowheads="1"/>
-            </p:cNvPicPr>
-            <p:nvPr/>
-          </p:nvPicPr>
-          <p:blipFill>
-            <a:blip r:embed="rId2">
-              <a:extLst>
-                <a:ext uri="{28A0092B-C50C-407E-A947-70E740481C1C}">
-                  <a14:useLocalDpi xmlns:a14="http://schemas.microsoft.com/office/drawing/2010/main" val="0"/>
-                </a:ext>
-              </a:extLst>
-            </a:blip>
-            <a:srcRect/>
-            <a:stretch>
-              <a:fillRect/>
-            </a:stretch>
-          </p:blipFill>
-          <p:spPr bwMode="auto">
-            <a:xfrm>
-              <a:off x="369471" y="4801203"/>
-              <a:ext cx="468727" cy="468727"/>
-            </a:xfrm>
-            <a:prstGeom prst="rect">
-              <a:avLst/>
-            </a:prstGeom>
-            <a:noFill/>
-            <a:extLst>
-              <a:ext uri="{909E8E84-426E-40DD-AFC4-6F175D3DCCD1}">
-                <a14:hiddenFill xmlns:a14="http://schemas.microsoft.com/office/drawing/2010/main">
-                  <a:solidFill>
-                    <a:srgbClr val="FFFFFF"/>
-                  </a:solidFill>
-                </a14:hiddenFill>
-              </a:ext>
-            </a:extLst>
-          </p:spPr>
-        </p:pic>
-        <p:sp>
-          <p:nvSpPr>
-            <p:cNvPr id="19" name="TextBox 18">
-              <a:extLst>
-                <a:ext uri="{FF2B5EF4-FFF2-40B4-BE49-F238E27FC236}">
-                  <a16:creationId xmlns:a16="http://schemas.microsoft.com/office/drawing/2014/main" id="{424AED2F-642E-5B3C-097C-F0110793FC2D}"/>
-                </a:ext>
-              </a:extLst>
-            </p:cNvPr>
-            <p:cNvSpPr txBox="1"/>
-            <p:nvPr/>
-          </p:nvSpPr>
-          <p:spPr>
-            <a:xfrm>
-              <a:off x="965199" y="4712400"/>
-              <a:ext cx="3471333" cy="646331"/>
-            </a:xfrm>
-            <a:prstGeom prst="rect">
-              <a:avLst/>
-            </a:prstGeom>
-            <a:noFill/>
-          </p:spPr>
-          <p:txBody>
-            <a:bodyPr wrap="square">
-              <a:spAutoFit/>
-            </a:bodyPr>
-            <a:lstStyle/>
-            <a:p>
-              <a:pPr algn="l"/>
-              <a:r>
-                <a:rPr lang="uk-UA" b="0" dirty="0">
-                  <a:solidFill>
-                    <a:schemeClr val="bg1"/>
-                  </a:solidFill>
-                  <a:effectLst/>
-                  <a:latin typeface="Times New Roman" panose="02020603050405020304" pitchFamily="18" charset="0"/>
-                  <a:cs typeface="Times New Roman" panose="02020603050405020304" pitchFamily="18" charset="0"/>
-                </a:rPr>
-                <a:t>Реалізує принцип   відкритості/закритості.</a:t>
-              </a:r>
-            </a:p>
-          </p:txBody>
-        </p:sp>
-      </p:grpSp>
-    </p:spTree>
-    <p:extLst>
-      <p:ext uri="{BB962C8B-B14F-4D97-AF65-F5344CB8AC3E}">
-        <p14:creationId xmlns:p14="http://schemas.microsoft.com/office/powerpoint/2010/main" val="3855915513"/>
-      </p:ext>
-    </p:extLst>
-  </p:cSld>
-  <p:clrMapOvr>
-    <a:masterClrMapping/>
-  </p:clrMapOvr>
-  <p:timing>
-    <p:tnLst>
-      <p:par>
-        <p:cTn id="1" dur="indefinite" restart="never" nodeType="tmRoot">
-          <p:childTnLst>
-            <p:seq concurrent="1" nextAc="seek">
-              <p:cTn id="2" dur="indefinite" nodeType="mainSeq">
-                <p:childTnLst>
-                  <p:par>
-                    <p:cTn id="3" fill="hold">
-                      <p:stCondLst>
-                        <p:cond delay="indefinite"/>
-                        <p:cond evt="onBegin" delay="0">
-                          <p:tn val="2"/>
-                        </p:cond>
-                      </p:stCondLst>
-                      <p:childTnLst>
-                        <p:par>
-                          <p:cTn id="4" fill="hold">
-                            <p:stCondLst>
-                              <p:cond delay="0"/>
-                            </p:stCondLst>
-                            <p:childTnLst>
-                              <p:par>
-                                <p:cTn id="5" presetID="10" presetClass="entr" presetSubtype="0" fill="hold" nodeType="withEffect">
-                                  <p:stCondLst>
-                                    <p:cond delay="0"/>
-                                  </p:stCondLst>
-                                  <p:childTnLst>
-                                    <p:set>
-                                      <p:cBhvr>
-                                        <p:cTn id="6" dur="1" fill="hold">
-                                          <p:stCondLst>
-                                            <p:cond delay="0"/>
-                                          </p:stCondLst>
-                                        </p:cTn>
-                                        <p:tgtEl>
-                                          <p:spTgt spid="20"/>
-                                        </p:tgtEl>
-                                        <p:attrNameLst>
-                                          <p:attrName>style.visibility</p:attrName>
-                                        </p:attrNameLst>
-                                      </p:cBhvr>
-                                      <p:to>
-                                        <p:strVal val="visible"/>
-                                      </p:to>
-                                    </p:set>
-                                    <p:animEffect transition="in" filter="fade">
-                                      <p:cBhvr>
-                                        <p:cTn id="7" dur="750"/>
-                                        <p:tgtEl>
-                                          <p:spTgt spid="20"/>
-                                        </p:tgtEl>
-                                      </p:cBhvr>
-                                    </p:animEffect>
-                                  </p:childTnLst>
-                                </p:cTn>
-                              </p:par>
-                            </p:childTnLst>
-                          </p:cTn>
-                        </p:par>
-                        <p:par>
-                          <p:cTn id="8" fill="hold">
-                            <p:stCondLst>
-                              <p:cond delay="750"/>
-                            </p:stCondLst>
-                            <p:childTnLst>
-                              <p:par>
-                                <p:cTn id="9" presetID="10" presetClass="entr" presetSubtype="0" fill="hold" nodeType="afterEffect">
-                                  <p:stCondLst>
-                                    <p:cond delay="0"/>
-                                  </p:stCondLst>
-                                  <p:childTnLst>
-                                    <p:set>
-                                      <p:cBhvr>
-                                        <p:cTn id="10" dur="1" fill="hold">
-                                          <p:stCondLst>
-                                            <p:cond delay="0"/>
-                                          </p:stCondLst>
-                                        </p:cTn>
-                                        <p:tgtEl>
-                                          <p:spTgt spid="21"/>
-                                        </p:tgtEl>
-                                        <p:attrNameLst>
-                                          <p:attrName>style.visibility</p:attrName>
-                                        </p:attrNameLst>
-                                      </p:cBhvr>
-                                      <p:to>
-                                        <p:strVal val="visible"/>
-                                      </p:to>
-                                    </p:set>
-                                    <p:animEffect transition="in" filter="fade">
-                                      <p:cBhvr>
-                                        <p:cTn id="11" dur="750"/>
-                                        <p:tgtEl>
-                                          <p:spTgt spid="21"/>
-                                        </p:tgtEl>
-                                      </p:cBhvr>
-                                    </p:animEffect>
-                                  </p:childTnLst>
-                                </p:cTn>
-                              </p:par>
-                            </p:childTnLst>
-                          </p:cTn>
-                        </p:par>
-                        <p:par>
-                          <p:cTn id="12" fill="hold">
-                            <p:stCondLst>
-                              <p:cond delay="1500"/>
-                            </p:stCondLst>
-                            <p:childTnLst>
-                              <p:par>
-                                <p:cTn id="13" presetID="10" presetClass="entr" presetSubtype="0" fill="hold" nodeType="afterEffect">
-                                  <p:stCondLst>
-                                    <p:cond delay="0"/>
-                                  </p:stCondLst>
-                                  <p:childTnLst>
-                                    <p:set>
-                                      <p:cBhvr>
-                                        <p:cTn id="14" dur="1" fill="hold">
-                                          <p:stCondLst>
-                                            <p:cond delay="0"/>
-                                          </p:stCondLst>
-                                        </p:cTn>
-                                        <p:tgtEl>
-                                          <p:spTgt spid="22"/>
-                                        </p:tgtEl>
-                                        <p:attrNameLst>
-                                          <p:attrName>style.visibility</p:attrName>
-                                        </p:attrNameLst>
-                                      </p:cBhvr>
-                                      <p:to>
-                                        <p:strVal val="visible"/>
-                                      </p:to>
-                                    </p:set>
-                                    <p:animEffect transition="in" filter="fade">
-                                      <p:cBhvr>
-                                        <p:cTn id="15" dur="750"/>
-                                        <p:tgtEl>
-                                          <p:spTgt spid="22"/>
-                                        </p:tgtEl>
-                                      </p:cBhvr>
-                                    </p:animEffect>
-                                  </p:childTnLst>
-                                </p:cTn>
-                              </p:par>
-                            </p:childTnLst>
-                          </p:cTn>
-                        </p:par>
-                        <p:par>
-                          <p:cTn id="16" fill="hold">
-                            <p:stCondLst>
-                              <p:cond delay="2250"/>
-                            </p:stCondLst>
-                            <p:childTnLst>
-                              <p:par>
-                                <p:cTn id="17" presetID="10" presetClass="entr" presetSubtype="0" fill="hold" grpId="0" nodeType="afterEffect">
-                                  <p:stCondLst>
-                                    <p:cond delay="0"/>
-                                  </p:stCondLst>
-                                  <p:childTnLst>
-                                    <p:set>
-                                      <p:cBhvr>
-                                        <p:cTn id="18" dur="1" fill="hold">
-                                          <p:stCondLst>
-                                            <p:cond delay="0"/>
-                                          </p:stCondLst>
-                                        </p:cTn>
-                                        <p:tgtEl>
-                                          <p:spTgt spid="5"/>
-                                        </p:tgtEl>
-                                        <p:attrNameLst>
-                                          <p:attrName>style.visibility</p:attrName>
-                                        </p:attrNameLst>
-                                      </p:cBhvr>
-                                      <p:to>
-                                        <p:strVal val="visible"/>
-                                      </p:to>
-                                    </p:set>
-                                    <p:animEffect transition="in" filter="fade">
-                                      <p:cBhvr>
-                                        <p:cTn id="19" dur="750"/>
-                                        <p:tgtEl>
-                                          <p:spTgt spid="5"/>
-                                        </p:tgtEl>
-                                      </p:cBhvr>
-                                    </p:animEffect>
-                                  </p:childTnLst>
-                                </p:cTn>
-                              </p:par>
-                            </p:childTnLst>
-                          </p:cTn>
-                        </p:par>
-                        <p:par>
-                          <p:cTn id="20" fill="hold">
-                            <p:stCondLst>
-                              <p:cond delay="3000"/>
-                            </p:stCondLst>
-                            <p:childTnLst>
-                              <p:par>
-                                <p:cTn id="21" presetID="10" presetClass="entr" presetSubtype="0" fill="hold" nodeType="afterEffect">
-                                  <p:stCondLst>
-                                    <p:cond delay="0"/>
-                                  </p:stCondLst>
-                                  <p:childTnLst>
-                                    <p:set>
-                                      <p:cBhvr>
-                                        <p:cTn id="22" dur="1" fill="hold">
-                                          <p:stCondLst>
-                                            <p:cond delay="0"/>
-                                          </p:stCondLst>
-                                        </p:cTn>
-                                        <p:tgtEl>
-                                          <p:spTgt spid="24"/>
-                                        </p:tgtEl>
-                                        <p:attrNameLst>
-                                          <p:attrName>style.visibility</p:attrName>
-                                        </p:attrNameLst>
-                                      </p:cBhvr>
-                                      <p:to>
-                                        <p:strVal val="visible"/>
-                                      </p:to>
-                                    </p:set>
-                                    <p:animEffect transition="in" filter="fade">
-                                      <p:cBhvr>
-                                        <p:cTn id="23" dur="750"/>
-                                        <p:tgtEl>
-                                          <p:spTgt spid="24"/>
-                                        </p:tgtEl>
-                                      </p:cBhvr>
-                                    </p:animEffect>
-                                  </p:childTnLst>
-                                </p:cTn>
-                              </p:par>
-                            </p:childTnLst>
-                          </p:cTn>
-                        </p:par>
-                      </p:childTnLst>
-                    </p:cTn>
-                  </p:par>
-                </p:childTnLst>
-              </p:cTn>
-              <p:prevCondLst>
-                <p:cond evt="onPrev" delay="0">
-                  <p:tgtEl>
-                    <p:sldTgt/>
-                  </p:tgtEl>
-                </p:cond>
-              </p:prevCondLst>
-              <p:nextCondLst>
-                <p:cond evt="onNext" delay="0">
-                  <p:tgtEl>
-                    <p:sldTgt/>
-                  </p:tgtEl>
-                </p:cond>
-              </p:nextCondLst>
-            </p:seq>
-          </p:childTnLst>
-        </p:cTn>
-      </p:par>
-    </p:tnLst>
-    <p:bldLst>
-      <p:bldP spid="5" grpId="0" animBg="1"/>
-    </p:bldLst>
-  </p:timing>
-</p:sld>
-</file>
-
-<file path=ppt/slides/slide11.xml><?xml version="1.0" encoding="utf-8"?>
-<p:sld xmlns:a="http://schemas.openxmlformats.org/drawingml/2006/main" xmlns:r="http://schemas.openxmlformats.org/officeDocument/2006/relationships" xmlns:p="http://schemas.openxmlformats.org/presentationml/2006/main">
-  <p:cSld>
-    <p:bg>
-      <p:bgPr>
-        <a:solidFill>
-          <a:schemeClr val="tx1"/>
-        </a:solidFill>
-        <a:effectLst/>
-      </p:bgPr>
-    </p:bg>
-    <p:spTree>
-      <p:nvGrpSpPr>
-        <p:cNvPr id="1" name=""/>
-        <p:cNvGrpSpPr/>
-        <p:nvPr/>
-      </p:nvGrpSpPr>
-      <p:grpSpPr>
-        <a:xfrm>
-          <a:off x="0" y="0"/>
-          <a:ext cx="0" cy="0"/>
-          <a:chOff x="0" y="0"/>
-          <a:chExt cx="0" cy="0"/>
-        </a:xfrm>
-      </p:grpSpPr>
-      <p:sp>
-        <p:nvSpPr>
-          <p:cNvPr id="2" name="Заголовок 1">
-            <a:extLst>
-              <a:ext uri="{FF2B5EF4-FFF2-40B4-BE49-F238E27FC236}">
                 <a16:creationId xmlns:a16="http://schemas.microsoft.com/office/drawing/2014/main" id="{59999F3D-4EC8-A8E1-02F1-FDDDE95E93B3}"/>
               </a:ext>
             </a:extLst>
@@ -5690,7 +4523,7 @@
           <a:p>
             <a:fld id="{FA761BB2-A0B4-4B39-8B51-96794B63880A}" type="slidenum">
               <a:rPr lang="LID4096" smtClean="0"/>
-              <a:t>11</a:t>
+              <a:t>10</a:t>
             </a:fld>
             <a:endParaRPr lang="LID4096"/>
           </a:p>
@@ -6519,7 +5352,7 @@
 </p:sld>
 </file>
 
-<file path=ppt/slides/slide12.xml><?xml version="1.0" encoding="utf-8"?>
+<file path=ppt/slides/slide11.xml><?xml version="1.0" encoding="utf-8"?>
 <p:sld xmlns:a="http://schemas.openxmlformats.org/drawingml/2006/main" xmlns:r="http://schemas.openxmlformats.org/officeDocument/2006/relationships" xmlns:p="http://schemas.openxmlformats.org/presentationml/2006/main">
   <p:cSld>
     <p:bg>
@@ -6616,7 +5449,7 @@
           <a:p>
             <a:fld id="{FA761BB2-A0B4-4B39-8B51-96794B63880A}" type="slidenum">
               <a:rPr lang="LID4096" smtClean="0"/>
-              <a:t>12</a:t>
+              <a:t>11</a:t>
             </a:fld>
             <a:endParaRPr lang="LID4096"/>
           </a:p>
@@ -7619,8 +6452,8 @@
         </p:nvSpPr>
         <p:spPr>
           <a:xfrm>
-            <a:off x="5529943" y="4263082"/>
-            <a:ext cx="6016598" cy="2031325"/>
+            <a:off x="5602301" y="5189692"/>
+            <a:ext cx="6016598" cy="646331"/>
           </a:xfrm>
           <a:prstGeom prst="rect">
             <a:avLst/>
@@ -7863,556 +6696,6 @@
                 <a:cs typeface="Times New Roman" panose="02020603050405020304" pitchFamily="18" charset="0"/>
               </a:rPr>
               <a:t>. </a:t>
-            </a:r>
-            <a:r>
-              <a:rPr lang="ru-RU" b="0" i="0" dirty="0" err="1">
-                <a:solidFill>
-                  <a:schemeClr val="bg1"/>
-                </a:solidFill>
-                <a:effectLst/>
-                <a:latin typeface="Times New Roman" panose="02020603050405020304" pitchFamily="18" charset="0"/>
-                <a:cs typeface="Times New Roman" panose="02020603050405020304" pitchFamily="18" charset="0"/>
-              </a:rPr>
-              <a:t>Наприклад</a:t>
-            </a:r>
-            <a:r>
-              <a:rPr lang="ru-RU" b="0" i="0" dirty="0">
-                <a:solidFill>
-                  <a:schemeClr val="bg1"/>
-                </a:solidFill>
-                <a:effectLst/>
-                <a:latin typeface="Times New Roman" panose="02020603050405020304" pitchFamily="18" charset="0"/>
-                <a:cs typeface="Times New Roman" panose="02020603050405020304" pitchFamily="18" charset="0"/>
-              </a:rPr>
-              <a:t>, </a:t>
-            </a:r>
-            <a:r>
-              <a:rPr lang="ru-RU" b="0" i="0" dirty="0" err="1">
-                <a:solidFill>
-                  <a:schemeClr val="bg1"/>
-                </a:solidFill>
-                <a:effectLst/>
-                <a:latin typeface="Times New Roman" panose="02020603050405020304" pitchFamily="18" charset="0"/>
-                <a:cs typeface="Times New Roman" panose="02020603050405020304" pitchFamily="18" charset="0"/>
-              </a:rPr>
-              <a:t>щоб</a:t>
-            </a:r>
-            <a:r>
-              <a:rPr lang="ru-RU" b="0" i="0" dirty="0">
-                <a:solidFill>
-                  <a:schemeClr val="bg1"/>
-                </a:solidFill>
-                <a:effectLst/>
-                <a:latin typeface="Times New Roman" panose="02020603050405020304" pitchFamily="18" charset="0"/>
-                <a:cs typeface="Times New Roman" panose="02020603050405020304" pitchFamily="18" charset="0"/>
-              </a:rPr>
-              <a:t> ввести в </a:t>
-            </a:r>
-            <a:r>
-              <a:rPr lang="ru-RU" b="0" i="0" dirty="0" err="1">
-                <a:solidFill>
-                  <a:schemeClr val="bg1"/>
-                </a:solidFill>
-                <a:effectLst/>
-                <a:latin typeface="Times New Roman" panose="02020603050405020304" pitchFamily="18" charset="0"/>
-                <a:cs typeface="Times New Roman" panose="02020603050405020304" pitchFamily="18" charset="0"/>
-              </a:rPr>
-              <a:t>програму</a:t>
-            </a:r>
-            <a:r>
-              <a:rPr lang="ru-RU" b="0" i="0" dirty="0">
-                <a:solidFill>
-                  <a:schemeClr val="bg1"/>
-                </a:solidFill>
-                <a:effectLst/>
-                <a:latin typeface="Times New Roman" panose="02020603050405020304" pitchFamily="18" charset="0"/>
-                <a:cs typeface="Times New Roman" panose="02020603050405020304" pitchFamily="18" charset="0"/>
-              </a:rPr>
-              <a:t> </a:t>
-            </a:r>
-            <a:r>
-              <a:rPr lang="ru-RU" b="0" i="0" dirty="0" err="1">
-                <a:solidFill>
-                  <a:schemeClr val="bg1"/>
-                </a:solidFill>
-                <a:effectLst/>
-                <a:latin typeface="Times New Roman" panose="02020603050405020304" pitchFamily="18" charset="0"/>
-                <a:cs typeface="Times New Roman" panose="02020603050405020304" pitchFamily="18" charset="0"/>
-              </a:rPr>
-              <a:t>фігури</a:t>
-            </a:r>
-            <a:r>
-              <a:rPr lang="ru-RU" b="0" i="0" dirty="0">
-                <a:solidFill>
-                  <a:schemeClr val="bg1"/>
-                </a:solidFill>
-                <a:effectLst/>
-                <a:latin typeface="Times New Roman" panose="02020603050405020304" pitchFamily="18" charset="0"/>
-                <a:cs typeface="Times New Roman" panose="02020603050405020304" pitchFamily="18" charset="0"/>
-              </a:rPr>
-              <a:t> </a:t>
-            </a:r>
-            <a:r>
-              <a:rPr lang="ru-RU" b="0" i="0" dirty="0" err="1">
-                <a:solidFill>
-                  <a:schemeClr val="bg1"/>
-                </a:solidFill>
-                <a:effectLst/>
-                <a:latin typeface="Times New Roman" panose="02020603050405020304" pitchFamily="18" charset="0"/>
-                <a:cs typeface="Times New Roman" panose="02020603050405020304" pitchFamily="18" charset="0"/>
-              </a:rPr>
-              <a:t>трикутників</a:t>
-            </a:r>
-            <a:r>
-              <a:rPr lang="ru-RU" b="0" i="0" dirty="0">
-                <a:solidFill>
-                  <a:schemeClr val="bg1"/>
-                </a:solidFill>
-                <a:effectLst/>
-                <a:latin typeface="Times New Roman" panose="02020603050405020304" pitchFamily="18" charset="0"/>
-                <a:cs typeface="Times New Roman" panose="02020603050405020304" pitchFamily="18" charset="0"/>
-              </a:rPr>
-              <a:t>, </a:t>
-            </a:r>
-            <a:r>
-              <a:rPr lang="ru-RU" b="0" i="0" dirty="0" err="1">
-                <a:solidFill>
-                  <a:schemeClr val="bg1"/>
-                </a:solidFill>
-                <a:effectLst/>
-                <a:latin typeface="Times New Roman" panose="02020603050405020304" pitchFamily="18" charset="0"/>
-                <a:cs typeface="Times New Roman" panose="02020603050405020304" pitchFamily="18" charset="0"/>
-              </a:rPr>
-              <a:t>доведеться</a:t>
-            </a:r>
-            <a:r>
-              <a:rPr lang="ru-RU" b="0" i="0" dirty="0">
-                <a:solidFill>
-                  <a:schemeClr val="bg1"/>
-                </a:solidFill>
-                <a:effectLst/>
-                <a:latin typeface="Times New Roman" panose="02020603050405020304" pitchFamily="18" charset="0"/>
-                <a:cs typeface="Times New Roman" panose="02020603050405020304" pitchFamily="18" charset="0"/>
-              </a:rPr>
-              <a:t> </a:t>
-            </a:r>
-            <a:r>
-              <a:rPr lang="ru-RU" b="0" i="0" dirty="0" err="1">
-                <a:solidFill>
-                  <a:schemeClr val="bg1"/>
-                </a:solidFill>
-                <a:effectLst/>
-                <a:latin typeface="Times New Roman" panose="02020603050405020304" pitchFamily="18" charset="0"/>
-                <a:cs typeface="Times New Roman" panose="02020603050405020304" pitchFamily="18" charset="0"/>
-              </a:rPr>
-              <a:t>створити</a:t>
-            </a:r>
-            <a:r>
-              <a:rPr lang="ru-RU" b="0" i="0" dirty="0">
-                <a:solidFill>
-                  <a:schemeClr val="bg1"/>
-                </a:solidFill>
-                <a:effectLst/>
-                <a:latin typeface="Times New Roman" panose="02020603050405020304" pitchFamily="18" charset="0"/>
-                <a:cs typeface="Times New Roman" panose="02020603050405020304" pitchFamily="18" charset="0"/>
-              </a:rPr>
-              <a:t> </a:t>
-            </a:r>
-            <a:r>
-              <a:rPr lang="ru-RU" b="0" i="0" dirty="0" err="1">
-                <a:solidFill>
-                  <a:schemeClr val="bg1"/>
-                </a:solidFill>
-                <a:effectLst/>
-                <a:latin typeface="Times New Roman" panose="02020603050405020304" pitchFamily="18" charset="0"/>
-                <a:cs typeface="Times New Roman" panose="02020603050405020304" pitchFamily="18" charset="0"/>
-              </a:rPr>
-              <a:t>відразу</a:t>
-            </a:r>
-            <a:r>
-              <a:rPr lang="ru-RU" b="0" i="0" dirty="0">
-                <a:solidFill>
-                  <a:schemeClr val="bg1"/>
-                </a:solidFill>
-                <a:effectLst/>
-                <a:latin typeface="Times New Roman" panose="02020603050405020304" pitchFamily="18" charset="0"/>
-                <a:cs typeface="Times New Roman" panose="02020603050405020304" pitchFamily="18" charset="0"/>
-              </a:rPr>
-              <a:t> два </a:t>
-            </a:r>
-            <a:r>
-              <a:rPr lang="ru-RU" b="0" i="0" dirty="0" err="1">
-                <a:solidFill>
-                  <a:schemeClr val="bg1"/>
-                </a:solidFill>
-                <a:effectLst/>
-                <a:latin typeface="Times New Roman" panose="02020603050405020304" pitchFamily="18" charset="0"/>
-                <a:cs typeface="Times New Roman" panose="02020603050405020304" pitchFamily="18" charset="0"/>
-              </a:rPr>
-              <a:t>нових</a:t>
-            </a:r>
-            <a:r>
-              <a:rPr lang="ru-RU" b="0" i="0" dirty="0">
-                <a:solidFill>
-                  <a:schemeClr val="bg1"/>
-                </a:solidFill>
-                <a:effectLst/>
-                <a:latin typeface="Times New Roman" panose="02020603050405020304" pitchFamily="18" charset="0"/>
-                <a:cs typeface="Times New Roman" panose="02020603050405020304" pitchFamily="18" charset="0"/>
-              </a:rPr>
-              <a:t> </a:t>
-            </a:r>
-            <a:r>
-              <a:rPr lang="ru-RU" b="0" i="0" dirty="0" err="1">
-                <a:solidFill>
-                  <a:schemeClr val="bg1"/>
-                </a:solidFill>
-                <a:effectLst/>
-                <a:latin typeface="Times New Roman" panose="02020603050405020304" pitchFamily="18" charset="0"/>
-                <a:cs typeface="Times New Roman" panose="02020603050405020304" pitchFamily="18" charset="0"/>
-              </a:rPr>
-              <a:t>класи</a:t>
-            </a:r>
-            <a:r>
-              <a:rPr lang="ru-RU" b="0" i="0" dirty="0">
-                <a:solidFill>
-                  <a:schemeClr val="bg1"/>
-                </a:solidFill>
-                <a:effectLst/>
-                <a:latin typeface="Times New Roman" panose="02020603050405020304" pitchFamily="18" charset="0"/>
-                <a:cs typeface="Times New Roman" panose="02020603050405020304" pitchFamily="18" charset="0"/>
-              </a:rPr>
-              <a:t> </a:t>
-            </a:r>
-            <a:r>
-              <a:rPr lang="ru-RU" b="0" i="0" dirty="0" err="1">
-                <a:solidFill>
-                  <a:schemeClr val="bg1"/>
-                </a:solidFill>
-                <a:effectLst/>
-                <a:latin typeface="Times New Roman" panose="02020603050405020304" pitchFamily="18" charset="0"/>
-                <a:cs typeface="Times New Roman" panose="02020603050405020304" pitchFamily="18" charset="0"/>
-              </a:rPr>
-              <a:t>трикутників</a:t>
-            </a:r>
-            <a:r>
-              <a:rPr lang="ru-RU" b="0" i="0" dirty="0">
-                <a:solidFill>
-                  <a:schemeClr val="bg1"/>
-                </a:solidFill>
-                <a:effectLst/>
-                <a:latin typeface="Times New Roman" panose="02020603050405020304" pitchFamily="18" charset="0"/>
-                <a:cs typeface="Times New Roman" panose="02020603050405020304" pitchFamily="18" charset="0"/>
-              </a:rPr>
-              <a:t>, по одному для кожного </a:t>
-            </a:r>
-            <a:r>
-              <a:rPr lang="ru-RU" b="0" i="0" dirty="0" err="1">
-                <a:solidFill>
-                  <a:schemeClr val="bg1"/>
-                </a:solidFill>
-                <a:effectLst/>
-                <a:latin typeface="Times New Roman" panose="02020603050405020304" pitchFamily="18" charset="0"/>
-                <a:cs typeface="Times New Roman" panose="02020603050405020304" pitchFamily="18" charset="0"/>
-              </a:rPr>
-              <a:t>кольору</a:t>
-            </a:r>
-            <a:r>
-              <a:rPr lang="ru-RU" b="0" i="0" dirty="0">
-                <a:solidFill>
-                  <a:schemeClr val="bg1"/>
-                </a:solidFill>
-                <a:effectLst/>
-                <a:latin typeface="Times New Roman" panose="02020603050405020304" pitchFamily="18" charset="0"/>
-                <a:cs typeface="Times New Roman" panose="02020603050405020304" pitchFamily="18" charset="0"/>
-              </a:rPr>
-              <a:t>. </a:t>
-            </a:r>
-            <a:r>
-              <a:rPr lang="ru-RU" b="0" i="0" dirty="0" err="1">
-                <a:solidFill>
-                  <a:schemeClr val="bg1"/>
-                </a:solidFill>
-                <a:effectLst/>
-                <a:latin typeface="Times New Roman" panose="02020603050405020304" pitchFamily="18" charset="0"/>
-                <a:cs typeface="Times New Roman" panose="02020603050405020304" pitchFamily="18" charset="0"/>
-              </a:rPr>
-              <a:t>Після</a:t>
-            </a:r>
-            <a:r>
-              <a:rPr lang="ru-RU" b="0" i="0" dirty="0">
-                <a:solidFill>
-                  <a:schemeClr val="bg1"/>
-                </a:solidFill>
-                <a:effectLst/>
-                <a:latin typeface="Times New Roman" panose="02020603050405020304" pitchFamily="18" charset="0"/>
-                <a:cs typeface="Times New Roman" panose="02020603050405020304" pitchFamily="18" charset="0"/>
-              </a:rPr>
-              <a:t> </a:t>
-            </a:r>
-            <a:r>
-              <a:rPr lang="ru-RU" b="0" i="0" dirty="0" err="1">
-                <a:solidFill>
-                  <a:schemeClr val="bg1"/>
-                </a:solidFill>
-                <a:effectLst/>
-                <a:latin typeface="Times New Roman" panose="02020603050405020304" pitchFamily="18" charset="0"/>
-                <a:cs typeface="Times New Roman" panose="02020603050405020304" pitchFamily="18" charset="0"/>
-              </a:rPr>
-              <a:t>цього</a:t>
-            </a:r>
-            <a:r>
-              <a:rPr lang="ru-RU" b="0" i="0" dirty="0">
-                <a:solidFill>
-                  <a:schemeClr val="bg1"/>
-                </a:solidFill>
-                <a:effectLst/>
-                <a:latin typeface="Times New Roman" panose="02020603050405020304" pitchFamily="18" charset="0"/>
-                <a:cs typeface="Times New Roman" panose="02020603050405020304" pitchFamily="18" charset="0"/>
-              </a:rPr>
-              <a:t> </a:t>
-            </a:r>
-            <a:r>
-              <a:rPr lang="ru-RU" b="0" i="0" dirty="0" err="1">
-                <a:solidFill>
-                  <a:schemeClr val="bg1"/>
-                </a:solidFill>
-                <a:effectLst/>
-                <a:latin typeface="Times New Roman" panose="02020603050405020304" pitchFamily="18" charset="0"/>
-                <a:cs typeface="Times New Roman" panose="02020603050405020304" pitchFamily="18" charset="0"/>
-              </a:rPr>
-              <a:t>введення</a:t>
-            </a:r>
-            <a:r>
-              <a:rPr lang="ru-RU" b="0" i="0" dirty="0">
-                <a:solidFill>
-                  <a:schemeClr val="bg1"/>
-                </a:solidFill>
-                <a:effectLst/>
-                <a:latin typeface="Times New Roman" panose="02020603050405020304" pitchFamily="18" charset="0"/>
-                <a:cs typeface="Times New Roman" panose="02020603050405020304" pitchFamily="18" charset="0"/>
-              </a:rPr>
-              <a:t> нового </a:t>
-            </a:r>
-            <a:r>
-              <a:rPr lang="ru-RU" b="0" i="0" dirty="0" err="1">
-                <a:solidFill>
-                  <a:schemeClr val="bg1"/>
-                </a:solidFill>
-                <a:effectLst/>
-                <a:latin typeface="Times New Roman" panose="02020603050405020304" pitchFamily="18" charset="0"/>
-                <a:cs typeface="Times New Roman" panose="02020603050405020304" pitchFamily="18" charset="0"/>
-              </a:rPr>
-              <a:t>кольору</a:t>
-            </a:r>
-            <a:r>
-              <a:rPr lang="ru-RU" b="0" i="0" dirty="0">
-                <a:solidFill>
-                  <a:schemeClr val="bg1"/>
-                </a:solidFill>
-                <a:effectLst/>
-                <a:latin typeface="Times New Roman" panose="02020603050405020304" pitchFamily="18" charset="0"/>
-                <a:cs typeface="Times New Roman" panose="02020603050405020304" pitchFamily="18" charset="0"/>
-              </a:rPr>
-              <a:t> </a:t>
-            </a:r>
-            <a:r>
-              <a:rPr lang="ru-RU" b="0" i="0" dirty="0" err="1">
-                <a:solidFill>
-                  <a:schemeClr val="bg1"/>
-                </a:solidFill>
-                <a:effectLst/>
-                <a:latin typeface="Times New Roman" panose="02020603050405020304" pitchFamily="18" charset="0"/>
-                <a:cs typeface="Times New Roman" panose="02020603050405020304" pitchFamily="18" charset="0"/>
-              </a:rPr>
-              <a:t>вимагатиме</a:t>
-            </a:r>
-            <a:r>
-              <a:rPr lang="ru-RU" b="0" i="0" dirty="0">
-                <a:solidFill>
-                  <a:schemeClr val="bg1"/>
-                </a:solidFill>
-                <a:effectLst/>
-                <a:latin typeface="Times New Roman" panose="02020603050405020304" pitchFamily="18" charset="0"/>
-                <a:cs typeface="Times New Roman" panose="02020603050405020304" pitchFamily="18" charset="0"/>
-              </a:rPr>
-              <a:t> </a:t>
-            </a:r>
-            <a:r>
-              <a:rPr lang="ru-RU" b="0" i="0" dirty="0" err="1">
-                <a:solidFill>
-                  <a:schemeClr val="bg1"/>
-                </a:solidFill>
-                <a:effectLst/>
-                <a:latin typeface="Times New Roman" panose="02020603050405020304" pitchFamily="18" charset="0"/>
-                <a:cs typeface="Times New Roman" panose="02020603050405020304" pitchFamily="18" charset="0"/>
-              </a:rPr>
-              <a:t>створення</a:t>
-            </a:r>
-            <a:r>
-              <a:rPr lang="ru-RU" b="0" i="0" dirty="0">
-                <a:solidFill>
-                  <a:schemeClr val="bg1"/>
-                </a:solidFill>
-                <a:effectLst/>
-                <a:latin typeface="Times New Roman" panose="02020603050405020304" pitchFamily="18" charset="0"/>
-                <a:cs typeface="Times New Roman" panose="02020603050405020304" pitchFamily="18" charset="0"/>
-              </a:rPr>
-              <a:t> </a:t>
-            </a:r>
-            <a:r>
-              <a:rPr lang="ru-RU" b="0" i="0" dirty="0" err="1">
-                <a:solidFill>
-                  <a:schemeClr val="bg1"/>
-                </a:solidFill>
-                <a:effectLst/>
-                <a:latin typeface="Times New Roman" panose="02020603050405020304" pitchFamily="18" charset="0"/>
-                <a:cs typeface="Times New Roman" panose="02020603050405020304" pitchFamily="18" charset="0"/>
-              </a:rPr>
-              <a:t>вже</a:t>
-            </a:r>
-            <a:r>
-              <a:rPr lang="ru-RU" b="0" i="0" dirty="0">
-                <a:solidFill>
-                  <a:schemeClr val="bg1"/>
-                </a:solidFill>
-                <a:effectLst/>
-                <a:latin typeface="Times New Roman" panose="02020603050405020304" pitchFamily="18" charset="0"/>
-                <a:cs typeface="Times New Roman" panose="02020603050405020304" pitchFamily="18" charset="0"/>
-              </a:rPr>
-              <a:t> </a:t>
-            </a:r>
-            <a:r>
-              <a:rPr lang="ru-RU" b="0" i="0" dirty="0" err="1">
-                <a:solidFill>
-                  <a:schemeClr val="bg1"/>
-                </a:solidFill>
-                <a:effectLst/>
-                <a:latin typeface="Times New Roman" panose="02020603050405020304" pitchFamily="18" charset="0"/>
-                <a:cs typeface="Times New Roman" panose="02020603050405020304" pitchFamily="18" charset="0"/>
-              </a:rPr>
-              <a:t>трьох</a:t>
-            </a:r>
-            <a:r>
-              <a:rPr lang="ru-RU" b="0" i="0" dirty="0">
-                <a:solidFill>
-                  <a:schemeClr val="bg1"/>
-                </a:solidFill>
-                <a:effectLst/>
-                <a:latin typeface="Times New Roman" panose="02020603050405020304" pitchFamily="18" charset="0"/>
-                <a:cs typeface="Times New Roman" panose="02020603050405020304" pitchFamily="18" charset="0"/>
-              </a:rPr>
-              <a:t> </a:t>
-            </a:r>
-            <a:r>
-              <a:rPr lang="ru-RU" b="0" i="0" dirty="0" err="1">
-                <a:solidFill>
-                  <a:schemeClr val="bg1"/>
-                </a:solidFill>
-                <a:effectLst/>
-                <a:latin typeface="Times New Roman" panose="02020603050405020304" pitchFamily="18" charset="0"/>
-                <a:cs typeface="Times New Roman" panose="02020603050405020304" pitchFamily="18" charset="0"/>
-              </a:rPr>
-              <a:t>класів</a:t>
-            </a:r>
-            <a:r>
-              <a:rPr lang="ru-RU" b="0" i="0" dirty="0">
-                <a:solidFill>
-                  <a:schemeClr val="bg1"/>
-                </a:solidFill>
-                <a:effectLst/>
-                <a:latin typeface="Times New Roman" panose="02020603050405020304" pitchFamily="18" charset="0"/>
-                <a:cs typeface="Times New Roman" panose="02020603050405020304" pitchFamily="18" charset="0"/>
-              </a:rPr>
-              <a:t>, по одному для кожного виду </a:t>
-            </a:r>
-            <a:r>
-              <a:rPr lang="ru-RU" b="0" i="0" dirty="0" err="1">
-                <a:solidFill>
-                  <a:schemeClr val="bg1"/>
-                </a:solidFill>
-                <a:effectLst/>
-                <a:latin typeface="Times New Roman" panose="02020603050405020304" pitchFamily="18" charset="0"/>
-                <a:cs typeface="Times New Roman" panose="02020603050405020304" pitchFamily="18" charset="0"/>
-              </a:rPr>
-              <a:t>фігур</a:t>
-            </a:r>
-            <a:r>
-              <a:rPr lang="ru-RU" b="0" i="0" dirty="0">
-                <a:solidFill>
-                  <a:schemeClr val="bg1"/>
-                </a:solidFill>
-                <a:effectLst/>
-                <a:latin typeface="Times New Roman" panose="02020603050405020304" pitchFamily="18" charset="0"/>
-                <a:cs typeface="Times New Roman" panose="02020603050405020304" pitchFamily="18" charset="0"/>
-              </a:rPr>
-              <a:t>. Чим </a:t>
-            </a:r>
-            <a:r>
-              <a:rPr lang="ru-RU" b="0" i="0" dirty="0" err="1">
-                <a:solidFill>
-                  <a:schemeClr val="bg1"/>
-                </a:solidFill>
-                <a:effectLst/>
-                <a:latin typeface="Times New Roman" panose="02020603050405020304" pitchFamily="18" charset="0"/>
-                <a:cs typeface="Times New Roman" panose="02020603050405020304" pitchFamily="18" charset="0"/>
-              </a:rPr>
-              <a:t>далі</a:t>
-            </a:r>
-            <a:r>
-              <a:rPr lang="ru-RU" b="0" i="0" dirty="0">
-                <a:solidFill>
-                  <a:schemeClr val="bg1"/>
-                </a:solidFill>
-                <a:effectLst/>
-                <a:latin typeface="Times New Roman" panose="02020603050405020304" pitchFamily="18" charset="0"/>
-                <a:cs typeface="Times New Roman" panose="02020603050405020304" pitchFamily="18" charset="0"/>
-              </a:rPr>
-              <a:t>, </a:t>
-            </a:r>
-            <a:r>
-              <a:rPr lang="ru-RU" b="0" i="0" dirty="0" err="1">
-                <a:solidFill>
-                  <a:schemeClr val="bg1"/>
-                </a:solidFill>
-                <a:effectLst/>
-                <a:latin typeface="Times New Roman" panose="02020603050405020304" pitchFamily="18" charset="0"/>
-                <a:cs typeface="Times New Roman" panose="02020603050405020304" pitchFamily="18" charset="0"/>
-              </a:rPr>
-              <a:t>тим</a:t>
-            </a:r>
-            <a:r>
-              <a:rPr lang="ru-RU" b="0" i="0" dirty="0">
-                <a:solidFill>
-                  <a:schemeClr val="bg1"/>
-                </a:solidFill>
-                <a:effectLst/>
-                <a:latin typeface="Times New Roman" panose="02020603050405020304" pitchFamily="18" charset="0"/>
-                <a:cs typeface="Times New Roman" panose="02020603050405020304" pitchFamily="18" charset="0"/>
-              </a:rPr>
-              <a:t> </a:t>
-            </a:r>
-            <a:r>
-              <a:rPr lang="ru-RU" b="0" i="0" dirty="0" err="1">
-                <a:solidFill>
-                  <a:schemeClr val="bg1"/>
-                </a:solidFill>
-                <a:effectLst/>
-                <a:latin typeface="Times New Roman" panose="02020603050405020304" pitchFamily="18" charset="0"/>
-                <a:cs typeface="Times New Roman" panose="02020603050405020304" pitchFamily="18" charset="0"/>
-              </a:rPr>
-              <a:t>гірше</a:t>
-            </a:r>
-            <a:r>
-              <a:rPr lang="ru-RU" b="0" i="0" dirty="0">
-                <a:solidFill>
-                  <a:schemeClr val="bg1"/>
-                </a:solidFill>
-                <a:effectLst/>
-                <a:latin typeface="Times New Roman" panose="02020603050405020304" pitchFamily="18" charset="0"/>
-                <a:cs typeface="Times New Roman" panose="02020603050405020304" pitchFamily="18" charset="0"/>
-              </a:rPr>
-              <a:t>.</a:t>
             </a:r>
             <a:endParaRPr lang="LID4096" dirty="0">
               <a:solidFill>
@@ -8991,7 +7274,7 @@
         <p:spPr>
           <a:xfrm>
             <a:off x="645459" y="2585428"/>
-            <a:ext cx="3895805" cy="3970318"/>
+            <a:ext cx="3895805" cy="2031325"/>
           </a:xfrm>
           <a:prstGeom prst="rect">
             <a:avLst/>
@@ -9037,55 +7320,6 @@
           </a:p>
           <a:p>
             <a:endParaRPr lang="uk-UA" dirty="0">
-              <a:solidFill>
-                <a:schemeClr val="bg1"/>
-              </a:solidFill>
-              <a:latin typeface="Times New Roman" panose="02020603050405020304" pitchFamily="18" charset="0"/>
-              <a:cs typeface="Times New Roman" panose="02020603050405020304" pitchFamily="18" charset="0"/>
-            </a:endParaRPr>
-          </a:p>
-          <a:p>
-            <a:r>
-              <a:rPr lang="uk-UA" dirty="0" err="1">
-                <a:solidFill>
-                  <a:schemeClr val="bg1"/>
-                </a:solidFill>
-                <a:latin typeface="Times New Roman" panose="02020603050405020304" pitchFamily="18" charset="0"/>
-                <a:cs typeface="Times New Roman" panose="02020603050405020304" pitchFamily="18" charset="0"/>
-              </a:rPr>
-              <a:t>Патерн</a:t>
-            </a:r>
-            <a:r>
-              <a:rPr lang="uk-UA" dirty="0">
-                <a:solidFill>
-                  <a:schemeClr val="bg1"/>
-                </a:solidFill>
-                <a:latin typeface="Times New Roman" panose="02020603050405020304" pitchFamily="18" charset="0"/>
-                <a:cs typeface="Times New Roman" panose="02020603050405020304" pitchFamily="18" charset="0"/>
-              </a:rPr>
-              <a:t> Міст пропонує замінити спадкування на делегування. Для цього потрібно виділити одну з таких «</a:t>
-            </a:r>
-            <a:r>
-              <a:rPr lang="uk-UA" dirty="0" err="1">
-                <a:solidFill>
-                  <a:schemeClr val="bg1"/>
-                </a:solidFill>
-                <a:latin typeface="Times New Roman" panose="02020603050405020304" pitchFamily="18" charset="0"/>
-                <a:cs typeface="Times New Roman" panose="02020603050405020304" pitchFamily="18" charset="0"/>
-              </a:rPr>
-              <a:t>площин</a:t>
-            </a:r>
-            <a:r>
-              <a:rPr lang="uk-UA" dirty="0">
-                <a:solidFill>
-                  <a:schemeClr val="bg1"/>
-                </a:solidFill>
-                <a:latin typeface="Times New Roman" panose="02020603050405020304" pitchFamily="18" charset="0"/>
-                <a:cs typeface="Times New Roman" panose="02020603050405020304" pitchFamily="18" charset="0"/>
-              </a:rPr>
-              <a:t>» в окрему ієрархію і посилатися на об’єкт цієї ієрархії, замість зберігання його стану та поведінки всередині одного класу.</a:t>
-            </a:r>
-            <a:endParaRPr lang="LID4096" dirty="0">
               <a:solidFill>
                 <a:schemeClr val="bg1"/>
               </a:solidFill>
@@ -10101,7 +8335,7 @@
                             </p:stCondLst>
                             <p:childTnLst>
                               <p:par>
-                                <p:cTn id="22" presetID="22" presetClass="entr" presetSubtype="4" fill="hold" nodeType="afterEffect">
+                                <p:cTn id="22" presetID="10" presetClass="entr" presetSubtype="0" fill="hold" nodeType="afterEffect">
                                   <p:stCondLst>
                                     <p:cond delay="0"/>
                                   </p:stCondLst>
@@ -10109,58 +8343,6 @@
                                     <p:set>
                                       <p:cBhvr>
                                         <p:cTn id="23" dur="1" fill="hold">
-                                          <p:stCondLst>
-                                            <p:cond delay="0"/>
-                                          </p:stCondLst>
-                                        </p:cTn>
-                                        <p:tgtEl>
-                                          <p:spTgt spid="15">
-                                            <p:txEl>
-                                              <p:pRg st="2" end="2"/>
-                                            </p:txEl>
-                                          </p:spTgt>
-                                        </p:tgtEl>
-                                        <p:attrNameLst>
-                                          <p:attrName>style.visibility</p:attrName>
-                                        </p:attrNameLst>
-                                      </p:cBhvr>
-                                      <p:to>
-                                        <p:strVal val="visible"/>
-                                      </p:to>
-                                    </p:set>
-                                    <p:animEffect transition="in" filter="wipe(down)">
-                                      <p:cBhvr>
-                                        <p:cTn id="24" dur="500"/>
-                                        <p:tgtEl>
-                                          <p:spTgt spid="15">
-                                            <p:txEl>
-                                              <p:pRg st="2" end="2"/>
-                                            </p:txEl>
-                                          </p:spTgt>
-                                        </p:tgtEl>
-                                      </p:cBhvr>
-                                    </p:animEffect>
-                                  </p:childTnLst>
-                                </p:cTn>
-                              </p:par>
-                            </p:childTnLst>
-                          </p:cTn>
-                        </p:par>
-                        <p:par>
-                          <p:cTn id="25" fill="hold">
-                            <p:stCondLst>
-                              <p:cond delay="4750"/>
-                            </p:stCondLst>
-                            <p:childTnLst>
-                              <p:par>
-                                <p:cTn id="26" presetID="10" presetClass="entr" presetSubtype="0" fill="hold" nodeType="afterEffect">
-                                  <p:stCondLst>
-                                    <p:cond delay="0"/>
-                                  </p:stCondLst>
-                                  <p:childTnLst>
-                                    <p:set>
-                                      <p:cBhvr>
-                                        <p:cTn id="27" dur="1" fill="hold">
                                           <p:stCondLst>
                                             <p:cond delay="0"/>
                                           </p:stCondLst>
@@ -10178,7 +8360,7 @@
                                     </p:set>
                                     <p:animEffect transition="in" filter="fade">
                                       <p:cBhvr>
-                                        <p:cTn id="28" dur="750"/>
+                                        <p:cTn id="24" dur="750"/>
                                         <p:tgtEl>
                                           <p:spTgt spid="7"/>
                                         </p:tgtEl>
@@ -10191,20 +8373,20 @@
                           </p:cTn>
                         </p:par>
                         <p:par>
-                          <p:cTn id="29" fill="hold">
+                          <p:cTn id="25" fill="hold">
                             <p:stCondLst>
-                              <p:cond delay="5500"/>
+                              <p:cond delay="5000"/>
                             </p:stCondLst>
                             <p:childTnLst>
                               <p:par>
-                                <p:cTn id="30" presetID="22" presetClass="entr" presetSubtype="4" fill="hold" nodeType="afterEffect">
+                                <p:cTn id="26" presetID="22" presetClass="entr" presetSubtype="4" fill="hold" nodeType="afterEffect">
                                   <p:stCondLst>
                                     <p:cond delay="0"/>
                                   </p:stCondLst>
                                   <p:childTnLst>
                                     <p:set>
                                       <p:cBhvr>
-                                        <p:cTn id="31" dur="1" fill="hold">
+                                        <p:cTn id="27" dur="1" fill="hold">
                                           <p:stCondLst>
                                             <p:cond delay="0"/>
                                           </p:stCondLst>
@@ -10226,7 +8408,7 @@
                                     </p:set>
                                     <p:animEffect transition="in" filter="wipe(down)">
                                       <p:cBhvr>
-                                        <p:cTn id="32" dur="500"/>
+                                        <p:cTn id="28" dur="500"/>
                                         <p:tgtEl>
                                           <p:spTgt spid="18">
                                             <p:txEl>
@@ -10522,10 +8704,10 @@
       </p:sp>
       <p:sp>
         <p:nvSpPr>
-          <p:cNvPr id="8" name="TextBox 7">
+          <p:cNvPr id="9" name="TextBox 8">
             <a:extLst>
               <a:ext uri="{FF2B5EF4-FFF2-40B4-BE49-F238E27FC236}">
-                <a16:creationId xmlns:a16="http://schemas.microsoft.com/office/drawing/2014/main" id="{1C8F5928-1845-76BB-394C-53D57E0F268C}"/>
+                <a16:creationId xmlns:a16="http://schemas.microsoft.com/office/drawing/2014/main" id="{2C7822B1-6F3C-C698-B7D8-6E86A18DC541}"/>
               </a:ext>
             </a:extLst>
           </p:cNvPr>
@@ -10534,122 +8716,7 @@
         </p:nvSpPr>
         <p:spPr>
           <a:xfrm>
-            <a:off x="760719" y="3859178"/>
-            <a:ext cx="4087906" cy="2031325"/>
-          </a:xfrm>
-          <a:prstGeom prst="rect">
-            <a:avLst/>
-          </a:prstGeom>
-          <a:noFill/>
-        </p:spPr>
-        <p:txBody>
-          <a:bodyPr wrap="square" rtlCol="0">
-            <a:spAutoFit/>
-          </a:bodyPr>
-          <a:lstStyle/>
-          <a:p>
-            <a:r>
-              <a:rPr lang="uk-UA" b="0" i="0" dirty="0">
-                <a:solidFill>
-                  <a:schemeClr val="bg1"/>
-                </a:solidFill>
-                <a:effectLst/>
-                <a:latin typeface="Times New Roman" panose="02020603050405020304" pitchFamily="18" charset="0"/>
-                <a:cs typeface="Times New Roman" panose="02020603050405020304" pitchFamily="18" charset="0"/>
-              </a:rPr>
-              <a:t>Якщо говорити про реальні програми, то абстракцією може виступати графічний інтерфейс програми (</a:t>
-            </a:r>
-            <a:r>
-              <a:rPr lang="en-US" b="0" i="0" dirty="0">
-                <a:solidFill>
-                  <a:schemeClr val="bg1"/>
-                </a:solidFill>
-                <a:effectLst/>
-                <a:latin typeface="Times New Roman" panose="02020603050405020304" pitchFamily="18" charset="0"/>
-                <a:cs typeface="Times New Roman" panose="02020603050405020304" pitchFamily="18" charset="0"/>
-              </a:rPr>
-              <a:t>GUI), </a:t>
-            </a:r>
-            <a:r>
-              <a:rPr lang="uk-UA" b="0" i="0" dirty="0">
-                <a:solidFill>
-                  <a:schemeClr val="bg1"/>
-                </a:solidFill>
-                <a:effectLst/>
-                <a:latin typeface="Times New Roman" panose="02020603050405020304" pitchFamily="18" charset="0"/>
-                <a:cs typeface="Times New Roman" panose="02020603050405020304" pitchFamily="18" charset="0"/>
-              </a:rPr>
-              <a:t>а реалізацією — </a:t>
-            </a:r>
-            <a:r>
-              <a:rPr lang="uk-UA" b="0" i="0" dirty="0" err="1">
-                <a:solidFill>
-                  <a:schemeClr val="bg1"/>
-                </a:solidFill>
-                <a:effectLst/>
-                <a:latin typeface="Times New Roman" panose="02020603050405020304" pitchFamily="18" charset="0"/>
-                <a:cs typeface="Times New Roman" panose="02020603050405020304" pitchFamily="18" charset="0"/>
-              </a:rPr>
-              <a:t>низькорівневий</a:t>
-            </a:r>
-            <a:r>
-              <a:rPr lang="uk-UA" b="0" i="0" dirty="0">
-                <a:solidFill>
-                  <a:schemeClr val="bg1"/>
-                </a:solidFill>
-                <a:effectLst/>
-                <a:latin typeface="Times New Roman" panose="02020603050405020304" pitchFamily="18" charset="0"/>
-                <a:cs typeface="Times New Roman" panose="02020603050405020304" pitchFamily="18" charset="0"/>
-              </a:rPr>
-              <a:t> код операційної системи (</a:t>
-            </a:r>
-            <a:r>
-              <a:rPr lang="en-US" b="0" i="0" dirty="0">
-                <a:solidFill>
-                  <a:schemeClr val="bg1"/>
-                </a:solidFill>
-                <a:effectLst/>
-                <a:latin typeface="Times New Roman" panose="02020603050405020304" pitchFamily="18" charset="0"/>
-                <a:cs typeface="Times New Roman" panose="02020603050405020304" pitchFamily="18" charset="0"/>
-              </a:rPr>
-              <a:t>API), </a:t>
-            </a:r>
-            <a:r>
-              <a:rPr lang="uk-UA" b="0" i="0" dirty="0">
-                <a:solidFill>
-                  <a:schemeClr val="bg1"/>
-                </a:solidFill>
-                <a:effectLst/>
-                <a:latin typeface="Times New Roman" panose="02020603050405020304" pitchFamily="18" charset="0"/>
-                <a:cs typeface="Times New Roman" panose="02020603050405020304" pitchFamily="18" charset="0"/>
-              </a:rPr>
-              <a:t>до якого графічний інтерфейс звертається, реагуючи на дії користувача.</a:t>
-            </a:r>
-            <a:endParaRPr lang="LID4096" dirty="0">
-              <a:solidFill>
-                <a:schemeClr val="bg1"/>
-              </a:solidFill>
-              <a:latin typeface="Times New Roman" panose="02020603050405020304" pitchFamily="18" charset="0"/>
-              <a:cs typeface="Times New Roman" panose="02020603050405020304" pitchFamily="18" charset="0"/>
-            </a:endParaRPr>
-          </a:p>
-        </p:txBody>
-      </p:sp>
-      <p:sp>
-        <p:nvSpPr>
-          <p:cNvPr id="9" name="TextBox 8">
-            <a:extLst>
-              <a:ext uri="{FF2B5EF4-FFF2-40B4-BE49-F238E27FC236}">
-                <a16:creationId xmlns:a16="http://schemas.microsoft.com/office/drawing/2014/main" id="{2C7822B1-6F3C-C698-B7D8-6E86A18DC541}"/>
-              </a:ext>
-            </a:extLst>
-          </p:cNvPr>
-          <p:cNvSpPr txBox="1"/>
-          <p:nvPr/>
-        </p:nvSpPr>
-        <p:spPr>
-          <a:xfrm>
-            <a:off x="5271567" y="2036269"/>
+            <a:off x="768403" y="3873359"/>
             <a:ext cx="6678065" cy="2308324"/>
           </a:xfrm>
           <a:prstGeom prst="rect">
@@ -10883,7 +8950,7 @@
         </p:blipFill>
         <p:spPr>
           <a:xfrm>
-            <a:off x="5271567" y="4181448"/>
+            <a:off x="7256484" y="2285740"/>
             <a:ext cx="4349803" cy="2174902"/>
           </a:xfrm>
           <a:prstGeom prst="rect">
@@ -11140,7 +9207,7 @@
         </p:nvSpPr>
         <p:spPr>
           <a:xfrm>
-            <a:off x="6642847" y="319088"/>
+            <a:off x="5460818" y="564415"/>
             <a:ext cx="5294299" cy="3496200"/>
           </a:xfrm>
           <a:prstGeom prst="ellipse">
@@ -11204,8 +9271,8 @@
         </p:nvSpPr>
         <p:spPr>
           <a:xfrm>
-            <a:off x="423262" y="733959"/>
-            <a:ext cx="6361740" cy="1609672"/>
+            <a:off x="694985" y="1902286"/>
+            <a:ext cx="3919186" cy="1609672"/>
           </a:xfrm>
         </p:spPr>
         <p:txBody>
@@ -11214,6 +9281,10 @@
           </a:bodyPr>
           <a:lstStyle/>
           <a:p>
+            <a:pPr marL="285750" indent="-285750">
+              <a:buFont typeface="Arial" panose="020B0604020202020204" pitchFamily="34" charset="0"/>
+              <a:buChar char="•"/>
+            </a:pPr>
             <a:r>
               <a:rPr lang="uk-UA" sz="1800" b="0" i="0" dirty="0">
                 <a:solidFill>
@@ -11245,39 +9316,6 @@
                 <a:cs typeface="Times New Roman" panose="02020603050405020304" pitchFamily="18" charset="0"/>
               </a:rPr>
             </a:br>
-            <a:r>
-              <a:rPr lang="uk-UA" sz="1800" b="0" i="0" dirty="0">
-                <a:solidFill>
-                  <a:schemeClr val="bg1"/>
-                </a:solidFill>
-                <a:effectLst/>
-                <a:latin typeface="Times New Roman" panose="02020603050405020304" pitchFamily="18" charset="0"/>
-                <a:cs typeface="Times New Roman" panose="02020603050405020304" pitchFamily="18" charset="0"/>
-              </a:rPr>
-              <a:t>Ми можемо вирішити цю проблему, застосувавши Міст. </a:t>
-            </a:r>
-            <a:r>
-              <a:rPr lang="uk-UA" sz="1800" b="0" i="0" dirty="0" err="1">
-                <a:solidFill>
-                  <a:schemeClr val="bg1"/>
-                </a:solidFill>
-                <a:effectLst/>
-                <a:latin typeface="Times New Roman" panose="02020603050405020304" pitchFamily="18" charset="0"/>
-                <a:cs typeface="Times New Roman" panose="02020603050405020304" pitchFamily="18" charset="0"/>
-              </a:rPr>
-              <a:t>Патерн</a:t>
-            </a:r>
-            <a:r>
-              <a:rPr lang="uk-UA" sz="1800" b="0" i="0" dirty="0">
-                <a:solidFill>
-                  <a:schemeClr val="bg1"/>
-                </a:solidFill>
-                <a:effectLst/>
-                <a:latin typeface="Times New Roman" panose="02020603050405020304" pitchFamily="18" charset="0"/>
-                <a:cs typeface="Times New Roman" panose="02020603050405020304" pitchFamily="18" charset="0"/>
-              </a:rPr>
-              <a:t> пропонує розплутати цей код, розділивши його на дві частини:</a:t>
-            </a:r>
             <a:br>
               <a:rPr lang="uk-UA" sz="1800" b="0" i="0" dirty="0">
                 <a:solidFill>
@@ -11327,12 +9365,59 @@
           </a:p>
         </p:txBody>
       </p:sp>
+      <p:pic>
+        <p:nvPicPr>
+          <p:cNvPr id="1026" name="Picture 2" descr="Варіант крос-платформової архітектури">
+            <a:extLst>
+              <a:ext uri="{FF2B5EF4-FFF2-40B4-BE49-F238E27FC236}">
+                <a16:creationId xmlns:a16="http://schemas.microsoft.com/office/drawing/2014/main" id="{C6CE99AC-753E-584D-DB10-3EF95EA5F873}"/>
+              </a:ext>
+            </a:extLst>
+          </p:cNvPr>
+          <p:cNvPicPr>
+            <a:picLocks noChangeAspect="1" noChangeArrowheads="1"/>
+          </p:cNvPicPr>
+          <p:nvPr/>
+        </p:nvPicPr>
+        <p:blipFill>
+          <a:blip r:embed="rId2">
+            <a:extLst>
+              <a:ext uri="{28A0092B-C50C-407E-A947-70E740481C1C}">
+                <a14:useLocalDpi xmlns:a14="http://schemas.microsoft.com/office/drawing/2010/main" val="0"/>
+              </a:ext>
+            </a:extLst>
+          </a:blip>
+          <a:srcRect/>
+          <a:stretch>
+            <a:fillRect/>
+          </a:stretch>
+        </p:blipFill>
+        <p:spPr bwMode="auto">
+          <a:xfrm>
+            <a:off x="5836879" y="892164"/>
+            <a:ext cx="4499458" cy="2812161"/>
+          </a:xfrm>
+          <a:prstGeom prst="rect">
+            <a:avLst/>
+          </a:prstGeom>
+          <a:noFill/>
+          <a:extLst>
+            <a:ext uri="{909E8E84-426E-40DD-AFC4-6F175D3DCCD1}">
+              <a14:hiddenFill xmlns:a14="http://schemas.microsoft.com/office/drawing/2010/main">
+                <a:solidFill>
+                  <a:srgbClr val="FFFFFF"/>
+                </a:solidFill>
+              </a14:hiddenFill>
+            </a:ext>
+          </a:extLst>
+        </p:spPr>
+      </p:pic>
       <p:sp>
         <p:nvSpPr>
-          <p:cNvPr id="5" name="TextBox 4">
+          <p:cNvPr id="6" name="TextBox 5">
             <a:extLst>
               <a:ext uri="{FF2B5EF4-FFF2-40B4-BE49-F238E27FC236}">
-                <a16:creationId xmlns:a16="http://schemas.microsoft.com/office/drawing/2014/main" id="{F0FD1BCA-5246-6544-409D-50318F4C76E0}"/>
+                <a16:creationId xmlns:a16="http://schemas.microsoft.com/office/drawing/2014/main" id="{54D24A96-94AE-0B9F-DB02-DE38B5811172}"/>
               </a:ext>
             </a:extLst>
           </p:cNvPr>
@@ -11341,8 +9426,8 @@
         </p:nvSpPr>
         <p:spPr>
           <a:xfrm>
-            <a:off x="423262" y="2581835"/>
-            <a:ext cx="4733364" cy="1754326"/>
+            <a:off x="576038" y="4682651"/>
+            <a:ext cx="7430538" cy="1200329"/>
           </a:xfrm>
           <a:prstGeom prst="rect">
             <a:avLst/>
@@ -11356,11 +9441,11 @@
           <a:lstStyle/>
           <a:p>
             <a:pPr marL="285750" indent="-285750">
-              <a:buFont typeface="Arial" panose="020B0604020202020204" pitchFamily="34" charset="0"/>
-              <a:buChar char="•"/>
+              <a:buFont typeface="Wingdings" panose="05000000000000000000" pitchFamily="2" charset="2"/>
+              <a:buChar char="§"/>
             </a:pPr>
             <a:r>
-              <a:rPr lang="uk-UA" sz="1800" b="0" i="0" dirty="0">
+              <a:rPr lang="uk-UA" b="0" i="0" dirty="0">
                 <a:solidFill>
                   <a:schemeClr val="bg1"/>
                 </a:solidFill>
@@ -11368,10 +9453,10 @@
                 <a:latin typeface="Times New Roman" panose="02020603050405020304" pitchFamily="18" charset="0"/>
                 <a:cs typeface="Times New Roman" panose="02020603050405020304" pitchFamily="18" charset="0"/>
               </a:rPr>
-              <a:t>Абстракцію: рівень графічного інтерфейсу програми.</a:t>
-            </a:r>
-            <a:br>
-              <a:rPr lang="uk-UA" sz="1800" b="0" i="0" dirty="0">
+              <a:t>Абстракція делегуватиме роботу одному з об’єктів реалізації. Причому, реалізації можна буде </a:t>
+            </a:r>
+            <a:r>
+              <a:rPr lang="uk-UA" b="0" i="0" dirty="0" err="1">
                 <a:solidFill>
                   <a:schemeClr val="bg1"/>
                 </a:solidFill>
@@ -11379,23 +9464,10 @@
                 <a:latin typeface="Times New Roman" panose="02020603050405020304" pitchFamily="18" charset="0"/>
                 <a:cs typeface="Times New Roman" panose="02020603050405020304" pitchFamily="18" charset="0"/>
               </a:rPr>
-            </a:br>
-            <a:endParaRPr lang="en-GB" sz="1800" b="0" i="0" dirty="0">
-              <a:solidFill>
-                <a:schemeClr val="bg1"/>
-              </a:solidFill>
-              <a:effectLst/>
-              <a:latin typeface="Times New Roman" panose="02020603050405020304" pitchFamily="18" charset="0"/>
-              <a:cs typeface="Times New Roman" panose="02020603050405020304" pitchFamily="18" charset="0"/>
-            </a:endParaRPr>
-          </a:p>
-          <a:p>
-            <a:pPr marL="285750" indent="-285750">
-              <a:buFont typeface="Arial" panose="020B0604020202020204" pitchFamily="34" charset="0"/>
-              <a:buChar char="•"/>
-            </a:pPr>
-            <a:r>
-              <a:rPr lang="uk-UA" sz="1800" b="0" i="0" dirty="0">
+              <a:t>взаємозаміняти</a:t>
+            </a:r>
+            <a:r>
+              <a:rPr lang="uk-UA" b="0" i="0" dirty="0">
                 <a:solidFill>
                   <a:schemeClr val="bg1"/>
                 </a:solidFill>
@@ -11403,166 +9475,7 @@
                 <a:latin typeface="Times New Roman" panose="02020603050405020304" pitchFamily="18" charset="0"/>
                 <a:cs typeface="Times New Roman" panose="02020603050405020304" pitchFamily="18" charset="0"/>
               </a:rPr>
-              <a:t>Реалізацію: рівень взаємодії з операційною системою.</a:t>
-            </a:r>
-            <a:br>
-              <a:rPr lang="uk-UA" sz="1800" b="0" i="0" dirty="0">
-                <a:solidFill>
-                  <a:schemeClr val="bg1"/>
-                </a:solidFill>
-                <a:effectLst/>
-                <a:latin typeface="Times New Roman" panose="02020603050405020304" pitchFamily="18" charset="0"/>
-                <a:cs typeface="Times New Roman" panose="02020603050405020304" pitchFamily="18" charset="0"/>
-              </a:rPr>
-            </a:br>
-            <a:endParaRPr lang="LID4096" dirty="0"/>
-          </a:p>
-        </p:txBody>
-      </p:sp>
-      <p:pic>
-        <p:nvPicPr>
-          <p:cNvPr id="1026" name="Picture 2" descr="Варіант крос-платформової архітектури">
-            <a:extLst>
-              <a:ext uri="{FF2B5EF4-FFF2-40B4-BE49-F238E27FC236}">
-                <a16:creationId xmlns:a16="http://schemas.microsoft.com/office/drawing/2014/main" id="{C6CE99AC-753E-584D-DB10-3EF95EA5F873}"/>
-              </a:ext>
-            </a:extLst>
-          </p:cNvPr>
-          <p:cNvPicPr>
-            <a:picLocks noChangeAspect="1" noChangeArrowheads="1"/>
-          </p:cNvPicPr>
-          <p:nvPr/>
-        </p:nvPicPr>
-        <p:blipFill>
-          <a:blip r:embed="rId2">
-            <a:extLst>
-              <a:ext uri="{28A0092B-C50C-407E-A947-70E740481C1C}">
-                <a14:useLocalDpi xmlns:a14="http://schemas.microsoft.com/office/drawing/2010/main" val="0"/>
-              </a:ext>
-            </a:extLst>
-          </a:blip>
-          <a:srcRect/>
-          <a:stretch>
-            <a:fillRect/>
-          </a:stretch>
-        </p:blipFill>
-        <p:spPr bwMode="auto">
-          <a:xfrm>
-            <a:off x="7018908" y="646837"/>
-            <a:ext cx="4499458" cy="2812161"/>
-          </a:xfrm>
-          <a:prstGeom prst="rect">
-            <a:avLst/>
-          </a:prstGeom>
-          <a:noFill/>
-          <a:extLst>
-            <a:ext uri="{909E8E84-426E-40DD-AFC4-6F175D3DCCD1}">
-              <a14:hiddenFill xmlns:a14="http://schemas.microsoft.com/office/drawing/2010/main">
-                <a:solidFill>
-                  <a:srgbClr val="FFFFFF"/>
-                </a:solidFill>
-              </a14:hiddenFill>
-            </a:ext>
-          </a:extLst>
-        </p:spPr>
-      </p:pic>
-      <p:sp>
-        <p:nvSpPr>
-          <p:cNvPr id="6" name="TextBox 5">
-            <a:extLst>
-              <a:ext uri="{FF2B5EF4-FFF2-40B4-BE49-F238E27FC236}">
-                <a16:creationId xmlns:a16="http://schemas.microsoft.com/office/drawing/2014/main" id="{54D24A96-94AE-0B9F-DB02-DE38B5811172}"/>
-              </a:ext>
-            </a:extLst>
-          </p:cNvPr>
-          <p:cNvSpPr txBox="1"/>
-          <p:nvPr/>
-        </p:nvSpPr>
-        <p:spPr>
-          <a:xfrm>
-            <a:off x="1627094" y="4230588"/>
-            <a:ext cx="8687440" cy="2308324"/>
-          </a:xfrm>
-          <a:prstGeom prst="rect">
-            <a:avLst/>
-          </a:prstGeom>
-          <a:noFill/>
-        </p:spPr>
-        <p:txBody>
-          <a:bodyPr wrap="square" rtlCol="0">
-            <a:spAutoFit/>
-          </a:bodyPr>
-          <a:lstStyle/>
-          <a:p>
-            <a:pPr algn="ctr"/>
-            <a:r>
-              <a:rPr lang="uk-UA" b="0" i="0" dirty="0">
-                <a:solidFill>
-                  <a:schemeClr val="bg1"/>
-                </a:solidFill>
-                <a:effectLst/>
-                <a:latin typeface="Times New Roman" panose="02020603050405020304" pitchFamily="18" charset="0"/>
-                <a:cs typeface="Times New Roman" panose="02020603050405020304" pitchFamily="18" charset="0"/>
-              </a:rPr>
-              <a:t>Абстракція делегуватиме роботу одному з об’єктів реалізації. Причому, реалізації можна буде </a:t>
-            </a:r>
-            <a:r>
-              <a:rPr lang="uk-UA" b="0" i="0" dirty="0" err="1">
-                <a:solidFill>
-                  <a:schemeClr val="bg1"/>
-                </a:solidFill>
-                <a:effectLst/>
-                <a:latin typeface="Times New Roman" panose="02020603050405020304" pitchFamily="18" charset="0"/>
-                <a:cs typeface="Times New Roman" panose="02020603050405020304" pitchFamily="18" charset="0"/>
-              </a:rPr>
-              <a:t>взаємозаміняти</a:t>
-            </a:r>
-            <a:r>
-              <a:rPr lang="uk-UA" b="0" i="0" dirty="0">
-                <a:solidFill>
-                  <a:schemeClr val="bg1"/>
-                </a:solidFill>
-                <a:effectLst/>
-                <a:latin typeface="Times New Roman" panose="02020603050405020304" pitchFamily="18" charset="0"/>
-                <a:cs typeface="Times New Roman" panose="02020603050405020304" pitchFamily="18" charset="0"/>
-              </a:rPr>
               <a:t>, але тільки за умови, що всі вони слідуватимуть єдиному інтерфейсу.</a:t>
-            </a:r>
-          </a:p>
-          <a:p>
-            <a:pPr algn="ctr"/>
-            <a:r>
-              <a:rPr lang="uk-UA" b="0" i="0" dirty="0">
-                <a:solidFill>
-                  <a:schemeClr val="bg1"/>
-                </a:solidFill>
-                <a:effectLst/>
-                <a:latin typeface="Times New Roman" panose="02020603050405020304" pitchFamily="18" charset="0"/>
-                <a:cs typeface="Times New Roman" panose="02020603050405020304" pitchFamily="18" charset="0"/>
-              </a:rPr>
-              <a:t>Таким чином, ви зможете змінювати графічний інтерфейс програми, не чіпаючи </a:t>
-            </a:r>
-            <a:r>
-              <a:rPr lang="uk-UA" b="0" i="0" dirty="0" err="1">
-                <a:solidFill>
-                  <a:schemeClr val="bg1"/>
-                </a:solidFill>
-                <a:effectLst/>
-                <a:latin typeface="Times New Roman" panose="02020603050405020304" pitchFamily="18" charset="0"/>
-                <a:cs typeface="Times New Roman" panose="02020603050405020304" pitchFamily="18" charset="0"/>
-              </a:rPr>
-              <a:t>низькорівневий</a:t>
-            </a:r>
-            <a:r>
-              <a:rPr lang="uk-UA" b="0" i="0" dirty="0">
-                <a:solidFill>
-                  <a:schemeClr val="bg1"/>
-                </a:solidFill>
-                <a:effectLst/>
-                <a:latin typeface="Times New Roman" panose="02020603050405020304" pitchFamily="18" charset="0"/>
-                <a:cs typeface="Times New Roman" panose="02020603050405020304" pitchFamily="18" charset="0"/>
-              </a:rPr>
-              <a:t> код роботи з операційною системою. І навпаки, ви зможете додавати підтримку нових операційних систем, створюючи нові підкласи реалізації, без необхідності правити код у класах графічного інтерфейсу.</a:t>
             </a:r>
           </a:p>
           <a:p>
@@ -12024,8 +9937,8 @@
         </p:nvGrpSpPr>
         <p:grpSpPr>
           <a:xfrm>
-            <a:off x="9136628" y="1323020"/>
-            <a:ext cx="2765939" cy="3812437"/>
+            <a:off x="9151496" y="1425018"/>
+            <a:ext cx="2765939" cy="1122814"/>
             <a:chOff x="9136628" y="1323020"/>
             <a:chExt cx="2765939" cy="3812437"/>
           </a:xfrm>
@@ -12101,7 +10014,7 @@
           <p:spPr>
             <a:xfrm>
               <a:off x="9448449" y="1793613"/>
-              <a:ext cx="2286166" cy="3108543"/>
+              <a:ext cx="2286166" cy="738664"/>
             </a:xfrm>
             <a:prstGeom prst="rect">
               <a:avLst/>
@@ -12138,24 +10051,7 @@
                   <a:latin typeface="Times New Roman" panose="02020603050405020304" pitchFamily="18" charset="0"/>
                   <a:cs typeface="Times New Roman" panose="02020603050405020304" pitchFamily="18" charset="0"/>
                 </a:rPr>
-                <a:t> описує загальний інтерфейс для всіх реалізацій. Всі методи, які тут описані, будуть доступні з класу абстракції та його підкласів.</a:t>
-              </a:r>
-            </a:p>
-            <a:p>
-              <a:pPr algn="l">
-                <a:buFont typeface="+mj-lt"/>
-                <a:buAutoNum type="arabicPeriod"/>
-              </a:pPr>
-              <a:r>
-                <a:rPr lang="uk-UA" sz="1400" b="0" i="0" dirty="0">
-                  <a:solidFill>
-                    <a:schemeClr val="bg1"/>
-                  </a:solidFill>
-                  <a:effectLst/>
-                  <a:latin typeface="Times New Roman" panose="02020603050405020304" pitchFamily="18" charset="0"/>
-                  <a:cs typeface="Times New Roman" panose="02020603050405020304" pitchFamily="18" charset="0"/>
-                </a:rPr>
-                <a:t>Інтерфейси абстракції та реалізації можуть або збігатися, або бути абсолютно різними. Проте, зазвичай в реалізації живуть базові операції, на яких будуються складні операції абстракції.</a:t>
+                <a:t> описує загальний інтерфейс для всіх реалізацій. </a:t>
               </a:r>
             </a:p>
           </p:txBody>
@@ -12221,9 +10117,9 @@
         <p:grpSpPr>
           <a:xfrm>
             <a:off x="533089" y="1415036"/>
-            <a:ext cx="2317687" cy="2102448"/>
+            <a:ext cx="2317687" cy="822642"/>
             <a:chOff x="533089" y="1415036"/>
-            <a:chExt cx="2317687" cy="2102448"/>
+            <a:chExt cx="2317687" cy="2013964"/>
           </a:xfrm>
         </p:grpSpPr>
         <p:sp>
@@ -12340,7 +10236,7 @@
           <p:spPr>
             <a:xfrm>
               <a:off x="911082" y="1917046"/>
-              <a:ext cx="1790380" cy="1600438"/>
+              <a:ext cx="1790380" cy="523220"/>
             </a:xfrm>
             <a:prstGeom prst="rect">
               <a:avLst/>
@@ -12373,10 +10269,8 @@
                   <a:latin typeface="Times New Roman" panose="02020603050405020304" pitchFamily="18" charset="0"/>
                   <a:cs typeface="Times New Roman" panose="02020603050405020304" pitchFamily="18" charset="0"/>
                 </a:rPr>
-                <a:t> містить керуючу логіку. Код абстракції делегує реальну роботу пов’язаному об’єктові реалізації.</a:t>
+                <a:t> містить керуючу логіку</a:t>
               </a:r>
-            </a:p>
-            <a:p>
               <a:endParaRPr lang="LID4096" sz="1400" dirty="0">
                 <a:solidFill>
                   <a:schemeClr val="bg1"/>
@@ -12402,10 +10296,10 @@
         </p:nvGrpSpPr>
         <p:grpSpPr>
           <a:xfrm>
-            <a:off x="4945711" y="-109293"/>
-            <a:ext cx="5420051" cy="1275195"/>
+            <a:off x="4866557" y="-124512"/>
+            <a:ext cx="4360682" cy="720255"/>
             <a:chOff x="4945711" y="-109293"/>
-            <a:chExt cx="5420051" cy="1275195"/>
+            <a:chExt cx="5531750" cy="1196577"/>
           </a:xfrm>
         </p:grpSpPr>
         <p:sp>
@@ -12521,8 +10415,8 @@
           </p:nvSpPr>
           <p:spPr>
             <a:xfrm>
-              <a:off x="5336016" y="211795"/>
-              <a:ext cx="5029746" cy="954107"/>
+              <a:off x="5447715" y="267637"/>
+              <a:ext cx="5029746" cy="523221"/>
             </a:xfrm>
             <a:prstGeom prst="rect">
               <a:avLst/>
@@ -12555,7 +10449,7 @@
                   <a:latin typeface="Times New Roman" panose="02020603050405020304" pitchFamily="18" charset="0"/>
                   <a:cs typeface="Times New Roman" panose="02020603050405020304" pitchFamily="18" charset="0"/>
                 </a:rPr>
-                <a:t> працює тільки з об’єктами абстракції. Не рахуючи початкового зв’язування абстракції з однією із реалізацій, клієнтський код не має прямого доступу до об’єктів реалізації.</a:t>
+                <a:t> працює тільки з об’єктами абстракції. </a:t>
               </a:r>
             </a:p>
             <a:p>
@@ -12584,10 +10478,10 @@
         </p:nvGrpSpPr>
         <p:grpSpPr>
           <a:xfrm>
-            <a:off x="361122" y="5186204"/>
-            <a:ext cx="5317380" cy="1411952"/>
+            <a:off x="361122" y="5427623"/>
+            <a:ext cx="5317380" cy="764016"/>
             <a:chOff x="361122" y="5186204"/>
-            <a:chExt cx="5317380" cy="1411952"/>
+            <a:chExt cx="5317380" cy="1308258"/>
           </a:xfrm>
         </p:grpSpPr>
         <p:sp>
@@ -12704,7 +10598,7 @@
           <p:spPr>
             <a:xfrm>
               <a:off x="701042" y="5644049"/>
-              <a:ext cx="4977460" cy="954107"/>
+              <a:ext cx="4977460" cy="307777"/>
             </a:xfrm>
             <a:prstGeom prst="rect">
               <a:avLst/>
@@ -12737,32 +10631,8 @@
                   <a:latin typeface="Times New Roman" panose="02020603050405020304" pitchFamily="18" charset="0"/>
                   <a:cs typeface="Times New Roman" panose="02020603050405020304" pitchFamily="18" charset="0"/>
                 </a:rPr>
-                <a:t> містять різні варіації керуючої логіки. Як і </a:t>
+                <a:t> містять різні варіації керуючої логіки. </a:t>
               </a:r>
-              <a:r>
-                <a:rPr lang="uk-UA" sz="1400" b="0" i="0" dirty="0" err="1">
-                  <a:solidFill>
-                    <a:schemeClr val="bg1"/>
-                  </a:solidFill>
-                  <a:effectLst/>
-                  <a:latin typeface="Times New Roman" panose="02020603050405020304" pitchFamily="18" charset="0"/>
-                  <a:cs typeface="Times New Roman" panose="02020603050405020304" pitchFamily="18" charset="0"/>
-                </a:rPr>
-                <a:t>батьківский</a:t>
-              </a:r>
-              <a:r>
-                <a:rPr lang="uk-UA" sz="1400" b="0" i="0" dirty="0">
-                  <a:solidFill>
-                    <a:schemeClr val="bg1"/>
-                  </a:solidFill>
-                  <a:effectLst/>
-                  <a:latin typeface="Times New Roman" panose="02020603050405020304" pitchFamily="18" charset="0"/>
-                  <a:cs typeface="Times New Roman" panose="02020603050405020304" pitchFamily="18" charset="0"/>
-                </a:rPr>
-                <a:t> клас, працює з реалізаціями тільки через загальний інтерфейс реалізацій.</a:t>
-              </a:r>
-            </a:p>
-            <a:p>
               <a:endParaRPr lang="LID4096" sz="1400" dirty="0">
                 <a:solidFill>
                   <a:schemeClr val="bg1"/>
@@ -13907,7 +11777,7 @@
           <p:cNvPr id="2" name="Заголовок 1">
             <a:extLst>
               <a:ext uri="{FF2B5EF4-FFF2-40B4-BE49-F238E27FC236}">
-                <a16:creationId xmlns:a16="http://schemas.microsoft.com/office/drawing/2014/main" id="{A516A090-C1D0-28A2-FC08-5DCC28B811E0}"/>
+                <a16:creationId xmlns:a16="http://schemas.microsoft.com/office/drawing/2014/main" id="{DE96AC73-B1CB-20C0-1006-8060662CE336}"/>
               </a:ext>
             </a:extLst>
           </p:cNvPr>
@@ -13925,6 +11795,7 @@
           </a:bodyPr>
           <a:lstStyle/>
           <a:p>
+            <a:pPr algn="ctr"/>
             <a:r>
               <a:rPr lang="uk-UA" sz="6000" b="1" i="0" dirty="0">
                 <a:solidFill>
@@ -13934,7 +11805,7 @@
                 <a:latin typeface="Times New Roman" panose="02020603050405020304" pitchFamily="18" charset="0"/>
                 <a:cs typeface="Times New Roman" panose="02020603050405020304" pitchFamily="18" charset="0"/>
               </a:rPr>
-              <a:t>Кроки реалізації</a:t>
+              <a:t>Переваги та недоліки</a:t>
             </a:r>
             <a:br>
               <a:rPr lang="uk-UA" b="1" i="0" dirty="0">
@@ -13954,7 +11825,7 @@
           <p:cNvPr id="4" name="Номер слайда 3">
             <a:extLst>
               <a:ext uri="{FF2B5EF4-FFF2-40B4-BE49-F238E27FC236}">
-                <a16:creationId xmlns:a16="http://schemas.microsoft.com/office/drawing/2014/main" id="{E2E4F299-7BC4-A9D6-9582-AA8856EF8BBA}"/>
+                <a16:creationId xmlns:a16="http://schemas.microsoft.com/office/drawing/2014/main" id="{267AB902-64C8-F33D-E44E-D2DDEA0B6DC5}"/>
               </a:ext>
             </a:extLst>
           </p:cNvPr>
@@ -13980,1736 +11851,10 @@
       </p:sp>
       <p:sp>
         <p:nvSpPr>
-          <p:cNvPr id="11" name="TextBox 10">
+          <p:cNvPr id="5" name="Прямоугольник 4">
             <a:extLst>
               <a:ext uri="{FF2B5EF4-FFF2-40B4-BE49-F238E27FC236}">
-                <a16:creationId xmlns:a16="http://schemas.microsoft.com/office/drawing/2014/main" id="{3DB5EE57-F1C8-20DD-23F5-B19CD5B67334}"/>
-              </a:ext>
-            </a:extLst>
-          </p:cNvPr>
-          <p:cNvSpPr txBox="1"/>
-          <p:nvPr/>
-        </p:nvSpPr>
-        <p:spPr>
-          <a:xfrm>
-            <a:off x="861252" y="1244813"/>
-            <a:ext cx="4471468" cy="1600438"/>
-          </a:xfrm>
-          <a:prstGeom prst="rect">
-            <a:avLst/>
-          </a:prstGeom>
-          <a:noFill/>
-        </p:spPr>
-        <p:txBody>
-          <a:bodyPr wrap="square" rtlCol="0">
-            <a:spAutoFit/>
-          </a:bodyPr>
-          <a:lstStyle/>
-          <a:p>
-            <a:r>
-              <a:rPr lang="en-GB" sz="1600" b="0" i="0" dirty="0">
-                <a:solidFill>
-                  <a:schemeClr val="bg1"/>
-                </a:solidFill>
-                <a:effectLst/>
-                <a:latin typeface="Times New Roman" panose="02020603050405020304" pitchFamily="18" charset="0"/>
-                <a:cs typeface="Times New Roman" panose="02020603050405020304" pitchFamily="18" charset="0"/>
-              </a:rPr>
-              <a:t>1. </a:t>
-            </a:r>
-            <a:r>
-              <a:rPr lang="ru-RU" sz="1600" b="0" i="0" dirty="0" err="1">
-                <a:solidFill>
-                  <a:schemeClr val="bg1"/>
-                </a:solidFill>
-                <a:effectLst/>
-                <a:latin typeface="Times New Roman" panose="02020603050405020304" pitchFamily="18" charset="0"/>
-                <a:cs typeface="Times New Roman" panose="02020603050405020304" pitchFamily="18" charset="0"/>
-              </a:rPr>
-              <a:t>Визначте</a:t>
-            </a:r>
-            <a:r>
-              <a:rPr lang="ru-RU" sz="1600" b="0" i="0" dirty="0">
-                <a:solidFill>
-                  <a:schemeClr val="bg1"/>
-                </a:solidFill>
-                <a:effectLst/>
-                <a:latin typeface="Times New Roman" panose="02020603050405020304" pitchFamily="18" charset="0"/>
-                <a:cs typeface="Times New Roman" panose="02020603050405020304" pitchFamily="18" charset="0"/>
-              </a:rPr>
-              <a:t>, </a:t>
-            </a:r>
-            <a:r>
-              <a:rPr lang="ru-RU" sz="1600" b="0" i="0" dirty="0" err="1">
-                <a:solidFill>
-                  <a:schemeClr val="bg1"/>
-                </a:solidFill>
-                <a:effectLst/>
-                <a:latin typeface="Times New Roman" panose="02020603050405020304" pitchFamily="18" charset="0"/>
-                <a:cs typeface="Times New Roman" panose="02020603050405020304" pitchFamily="18" charset="0"/>
-              </a:rPr>
-              <a:t>чи</a:t>
-            </a:r>
-            <a:r>
-              <a:rPr lang="ru-RU" sz="1600" b="0" i="0" dirty="0">
-                <a:solidFill>
-                  <a:schemeClr val="bg1"/>
-                </a:solidFill>
-                <a:effectLst/>
-                <a:latin typeface="Times New Roman" panose="02020603050405020304" pitchFamily="18" charset="0"/>
-                <a:cs typeface="Times New Roman" panose="02020603050405020304" pitchFamily="18" charset="0"/>
-              </a:rPr>
-              <a:t> </a:t>
-            </a:r>
-            <a:r>
-              <a:rPr lang="ru-RU" sz="1600" b="0" i="0" dirty="0" err="1">
-                <a:solidFill>
-                  <a:schemeClr val="bg1"/>
-                </a:solidFill>
-                <a:effectLst/>
-                <a:latin typeface="Times New Roman" panose="02020603050405020304" pitchFamily="18" charset="0"/>
-                <a:cs typeface="Times New Roman" panose="02020603050405020304" pitchFamily="18" charset="0"/>
-              </a:rPr>
-              <a:t>існують</a:t>
-            </a:r>
-            <a:r>
-              <a:rPr lang="ru-RU" sz="1600" b="0" i="0" dirty="0">
-                <a:solidFill>
-                  <a:schemeClr val="bg1"/>
-                </a:solidFill>
-                <a:effectLst/>
-                <a:latin typeface="Times New Roman" panose="02020603050405020304" pitchFamily="18" charset="0"/>
-                <a:cs typeface="Times New Roman" panose="02020603050405020304" pitchFamily="18" charset="0"/>
-              </a:rPr>
-              <a:t> у ваших </a:t>
-            </a:r>
-            <a:r>
-              <a:rPr lang="ru-RU" sz="1600" b="0" i="0" dirty="0" err="1">
-                <a:solidFill>
-                  <a:schemeClr val="bg1"/>
-                </a:solidFill>
-                <a:effectLst/>
-                <a:latin typeface="Times New Roman" panose="02020603050405020304" pitchFamily="18" charset="0"/>
-                <a:cs typeface="Times New Roman" panose="02020603050405020304" pitchFamily="18" charset="0"/>
-              </a:rPr>
-              <a:t>класах</a:t>
-            </a:r>
-            <a:r>
-              <a:rPr lang="ru-RU" sz="1600" b="0" i="0" dirty="0">
-                <a:solidFill>
-                  <a:schemeClr val="bg1"/>
-                </a:solidFill>
-                <a:effectLst/>
-                <a:latin typeface="Times New Roman" panose="02020603050405020304" pitchFamily="18" charset="0"/>
-                <a:cs typeface="Times New Roman" panose="02020603050405020304" pitchFamily="18" charset="0"/>
-              </a:rPr>
-              <a:t> два </a:t>
-            </a:r>
-            <a:r>
-              <a:rPr lang="ru-RU" sz="1600" b="0" i="0" dirty="0" err="1">
-                <a:solidFill>
-                  <a:schemeClr val="bg1"/>
-                </a:solidFill>
-                <a:effectLst/>
-                <a:latin typeface="Times New Roman" panose="02020603050405020304" pitchFamily="18" charset="0"/>
-                <a:cs typeface="Times New Roman" panose="02020603050405020304" pitchFamily="18" charset="0"/>
-              </a:rPr>
-              <a:t>непересічних</a:t>
-            </a:r>
-            <a:r>
-              <a:rPr lang="ru-RU" sz="1600" b="0" i="0" dirty="0">
-                <a:solidFill>
-                  <a:schemeClr val="bg1"/>
-                </a:solidFill>
-                <a:effectLst/>
-                <a:latin typeface="Times New Roman" panose="02020603050405020304" pitchFamily="18" charset="0"/>
-                <a:cs typeface="Times New Roman" panose="02020603050405020304" pitchFamily="18" charset="0"/>
-              </a:rPr>
-              <a:t> </a:t>
-            </a:r>
-            <a:r>
-              <a:rPr lang="ru-RU" sz="1600" b="0" i="0" dirty="0" err="1">
-                <a:solidFill>
-                  <a:schemeClr val="bg1"/>
-                </a:solidFill>
-                <a:effectLst/>
-                <a:latin typeface="Times New Roman" panose="02020603050405020304" pitchFamily="18" charset="0"/>
-                <a:cs typeface="Times New Roman" panose="02020603050405020304" pitchFamily="18" charset="0"/>
-              </a:rPr>
-              <a:t>виміри</a:t>
-            </a:r>
-            <a:r>
-              <a:rPr lang="ru-RU" sz="1600" b="0" i="0" dirty="0">
-                <a:solidFill>
-                  <a:schemeClr val="bg1"/>
-                </a:solidFill>
-                <a:effectLst/>
-                <a:latin typeface="Times New Roman" panose="02020603050405020304" pitchFamily="18" charset="0"/>
-                <a:cs typeface="Times New Roman" panose="02020603050405020304" pitchFamily="18" charset="0"/>
-              </a:rPr>
-              <a:t>. </a:t>
-            </a:r>
-            <a:r>
-              <a:rPr lang="ru-RU" sz="1600" b="0" i="0" dirty="0" err="1">
-                <a:solidFill>
-                  <a:schemeClr val="bg1"/>
-                </a:solidFill>
-                <a:effectLst/>
-                <a:latin typeface="Times New Roman" panose="02020603050405020304" pitchFamily="18" charset="0"/>
-                <a:cs typeface="Times New Roman" panose="02020603050405020304" pitchFamily="18" charset="0"/>
-              </a:rPr>
-              <a:t>Це</a:t>
-            </a:r>
-            <a:r>
-              <a:rPr lang="ru-RU" sz="1600" b="0" i="0" dirty="0">
-                <a:solidFill>
-                  <a:schemeClr val="bg1"/>
-                </a:solidFill>
-                <a:effectLst/>
-                <a:latin typeface="Times New Roman" panose="02020603050405020304" pitchFamily="18" charset="0"/>
-                <a:cs typeface="Times New Roman" panose="02020603050405020304" pitchFamily="18" charset="0"/>
-              </a:rPr>
-              <a:t> </a:t>
-            </a:r>
-            <a:r>
-              <a:rPr lang="ru-RU" sz="1600" b="0" i="0" dirty="0" err="1">
-                <a:solidFill>
-                  <a:schemeClr val="bg1"/>
-                </a:solidFill>
-                <a:effectLst/>
-                <a:latin typeface="Times New Roman" panose="02020603050405020304" pitchFamily="18" charset="0"/>
-                <a:cs typeface="Times New Roman" panose="02020603050405020304" pitchFamily="18" charset="0"/>
-              </a:rPr>
-              <a:t>може</a:t>
-            </a:r>
-            <a:r>
-              <a:rPr lang="ru-RU" sz="1600" b="0" i="0" dirty="0">
-                <a:solidFill>
-                  <a:schemeClr val="bg1"/>
-                </a:solidFill>
-                <a:effectLst/>
-                <a:latin typeface="Times New Roman" panose="02020603050405020304" pitchFamily="18" charset="0"/>
-                <a:cs typeface="Times New Roman" panose="02020603050405020304" pitchFamily="18" charset="0"/>
-              </a:rPr>
-              <a:t> бути </a:t>
-            </a:r>
-            <a:r>
-              <a:rPr lang="ru-RU" sz="1600" b="0" i="0" dirty="0" err="1">
-                <a:solidFill>
-                  <a:schemeClr val="bg1"/>
-                </a:solidFill>
-                <a:effectLst/>
-                <a:latin typeface="Times New Roman" panose="02020603050405020304" pitchFamily="18" charset="0"/>
-                <a:cs typeface="Times New Roman" panose="02020603050405020304" pitchFamily="18" charset="0"/>
-              </a:rPr>
-              <a:t>функціональність</a:t>
-            </a:r>
-            <a:r>
-              <a:rPr lang="ru-RU" sz="1600" b="0" i="0" dirty="0">
-                <a:solidFill>
-                  <a:schemeClr val="bg1"/>
-                </a:solidFill>
-                <a:effectLst/>
-                <a:latin typeface="Times New Roman" panose="02020603050405020304" pitchFamily="18" charset="0"/>
-                <a:cs typeface="Times New Roman" panose="02020603050405020304" pitchFamily="18" charset="0"/>
-              </a:rPr>
-              <a:t>/платформа, предметна область/</a:t>
-            </a:r>
-            <a:r>
-              <a:rPr lang="ru-RU" sz="1600" b="0" i="0" dirty="0" err="1">
-                <a:solidFill>
-                  <a:schemeClr val="bg1"/>
-                </a:solidFill>
-                <a:effectLst/>
-                <a:latin typeface="Times New Roman" panose="02020603050405020304" pitchFamily="18" charset="0"/>
-                <a:cs typeface="Times New Roman" panose="02020603050405020304" pitchFamily="18" charset="0"/>
-              </a:rPr>
-              <a:t>інфраструктура</a:t>
-            </a:r>
-            <a:r>
-              <a:rPr lang="ru-RU" sz="1600" b="0" i="0" dirty="0">
-                <a:solidFill>
-                  <a:schemeClr val="bg1"/>
-                </a:solidFill>
-                <a:effectLst/>
-                <a:latin typeface="Times New Roman" panose="02020603050405020304" pitchFamily="18" charset="0"/>
-                <a:cs typeface="Times New Roman" panose="02020603050405020304" pitchFamily="18" charset="0"/>
-              </a:rPr>
-              <a:t>, фронт-</a:t>
-            </a:r>
-            <a:r>
-              <a:rPr lang="ru-RU" sz="1600" b="0" i="0" dirty="0" err="1">
-                <a:solidFill>
-                  <a:schemeClr val="bg1"/>
-                </a:solidFill>
-                <a:effectLst/>
-                <a:latin typeface="Times New Roman" panose="02020603050405020304" pitchFamily="18" charset="0"/>
-                <a:cs typeface="Times New Roman" panose="02020603050405020304" pitchFamily="18" charset="0"/>
-              </a:rPr>
-              <a:t>енд</a:t>
-            </a:r>
-            <a:r>
-              <a:rPr lang="ru-RU" sz="1600" b="0" i="0" dirty="0">
-                <a:solidFill>
-                  <a:schemeClr val="bg1"/>
-                </a:solidFill>
-                <a:effectLst/>
-                <a:latin typeface="Times New Roman" panose="02020603050405020304" pitchFamily="18" charset="0"/>
-                <a:cs typeface="Times New Roman" panose="02020603050405020304" pitchFamily="18" charset="0"/>
-              </a:rPr>
-              <a:t>/бек-</a:t>
-            </a:r>
-            <a:r>
-              <a:rPr lang="ru-RU" sz="1600" b="0" i="0" dirty="0" err="1">
-                <a:solidFill>
-                  <a:schemeClr val="bg1"/>
-                </a:solidFill>
-                <a:effectLst/>
-                <a:latin typeface="Times New Roman" panose="02020603050405020304" pitchFamily="18" charset="0"/>
-                <a:cs typeface="Times New Roman" panose="02020603050405020304" pitchFamily="18" charset="0"/>
-              </a:rPr>
-              <a:t>енд</a:t>
-            </a:r>
-            <a:r>
-              <a:rPr lang="ru-RU" sz="1600" b="0" i="0" dirty="0">
-                <a:solidFill>
-                  <a:schemeClr val="bg1"/>
-                </a:solidFill>
-                <a:effectLst/>
-                <a:latin typeface="Times New Roman" panose="02020603050405020304" pitchFamily="18" charset="0"/>
-                <a:cs typeface="Times New Roman" panose="02020603050405020304" pitchFamily="18" charset="0"/>
-              </a:rPr>
-              <a:t> </a:t>
-            </a:r>
-            <a:r>
-              <a:rPr lang="ru-RU" sz="1600" b="0" i="0" dirty="0" err="1">
-                <a:solidFill>
-                  <a:schemeClr val="bg1"/>
-                </a:solidFill>
-                <a:effectLst/>
-                <a:latin typeface="Times New Roman" panose="02020603050405020304" pitchFamily="18" charset="0"/>
-                <a:cs typeface="Times New Roman" panose="02020603050405020304" pitchFamily="18" charset="0"/>
-              </a:rPr>
-              <a:t>або</a:t>
-            </a:r>
-            <a:r>
-              <a:rPr lang="ru-RU" sz="1600" b="0" i="0" dirty="0">
-                <a:solidFill>
-                  <a:schemeClr val="bg1"/>
-                </a:solidFill>
-                <a:effectLst/>
-                <a:latin typeface="Times New Roman" panose="02020603050405020304" pitchFamily="18" charset="0"/>
-                <a:cs typeface="Times New Roman" panose="02020603050405020304" pitchFamily="18" charset="0"/>
-              </a:rPr>
-              <a:t> </a:t>
-            </a:r>
-            <a:r>
-              <a:rPr lang="ru-RU" sz="1600" b="0" i="0" dirty="0" err="1">
-                <a:solidFill>
-                  <a:schemeClr val="bg1"/>
-                </a:solidFill>
-                <a:effectLst/>
-                <a:latin typeface="Times New Roman" panose="02020603050405020304" pitchFamily="18" charset="0"/>
-                <a:cs typeface="Times New Roman" panose="02020603050405020304" pitchFamily="18" charset="0"/>
-              </a:rPr>
-              <a:t>інтерфейс</a:t>
-            </a:r>
-            <a:r>
-              <a:rPr lang="ru-RU" sz="1600" b="0" i="0" dirty="0">
-                <a:solidFill>
-                  <a:schemeClr val="bg1"/>
-                </a:solidFill>
-                <a:effectLst/>
-                <a:latin typeface="Times New Roman" panose="02020603050405020304" pitchFamily="18" charset="0"/>
-                <a:cs typeface="Times New Roman" panose="02020603050405020304" pitchFamily="18" charset="0"/>
-              </a:rPr>
-              <a:t>/</a:t>
-            </a:r>
-            <a:r>
-              <a:rPr lang="ru-RU" sz="1600" b="0" i="0" dirty="0" err="1">
-                <a:solidFill>
-                  <a:schemeClr val="bg1"/>
-                </a:solidFill>
-                <a:effectLst/>
-                <a:latin typeface="Times New Roman" panose="02020603050405020304" pitchFamily="18" charset="0"/>
-                <a:cs typeface="Times New Roman" panose="02020603050405020304" pitchFamily="18" charset="0"/>
-              </a:rPr>
-              <a:t>реалізація</a:t>
-            </a:r>
-            <a:r>
-              <a:rPr lang="ru-RU" sz="1600" b="0" i="0" dirty="0">
-                <a:solidFill>
-                  <a:schemeClr val="bg1"/>
-                </a:solidFill>
-                <a:effectLst/>
-                <a:latin typeface="Times New Roman" panose="02020603050405020304" pitchFamily="18" charset="0"/>
-                <a:cs typeface="Times New Roman" panose="02020603050405020304" pitchFamily="18" charset="0"/>
-              </a:rPr>
-              <a:t>.</a:t>
-            </a:r>
-          </a:p>
-          <a:p>
-            <a:endParaRPr lang="LID4096" dirty="0">
-              <a:solidFill>
-                <a:schemeClr val="bg1"/>
-              </a:solidFill>
-              <a:latin typeface="Times New Roman" panose="02020603050405020304" pitchFamily="18" charset="0"/>
-              <a:cs typeface="Times New Roman" panose="02020603050405020304" pitchFamily="18" charset="0"/>
-            </a:endParaRPr>
-          </a:p>
-        </p:txBody>
-      </p:sp>
-      <p:sp>
-        <p:nvSpPr>
-          <p:cNvPr id="12" name="TextBox 11">
-            <a:extLst>
-              <a:ext uri="{FF2B5EF4-FFF2-40B4-BE49-F238E27FC236}">
-                <a16:creationId xmlns:a16="http://schemas.microsoft.com/office/drawing/2014/main" id="{4100C1C3-E2B9-14F9-5FC1-BCA686AE7902}"/>
-              </a:ext>
-            </a:extLst>
-          </p:cNvPr>
-          <p:cNvSpPr txBox="1"/>
-          <p:nvPr/>
-        </p:nvSpPr>
-        <p:spPr>
-          <a:xfrm>
-            <a:off x="6467990" y="1027906"/>
-            <a:ext cx="3158779" cy="1077218"/>
-          </a:xfrm>
-          <a:prstGeom prst="rect">
-            <a:avLst/>
-          </a:prstGeom>
-          <a:noFill/>
-        </p:spPr>
-        <p:txBody>
-          <a:bodyPr wrap="square" rtlCol="0">
-            <a:spAutoFit/>
-          </a:bodyPr>
-          <a:lstStyle/>
-          <a:p>
-            <a:pPr algn="l"/>
-            <a:r>
-              <a:rPr lang="en-GB" sz="1600" b="0" i="0" dirty="0">
-                <a:solidFill>
-                  <a:schemeClr val="bg1"/>
-                </a:solidFill>
-                <a:effectLst/>
-                <a:latin typeface="Times New Roman" panose="02020603050405020304" pitchFamily="18" charset="0"/>
-                <a:cs typeface="Times New Roman" panose="02020603050405020304" pitchFamily="18" charset="0"/>
-              </a:rPr>
-              <a:t>2. </a:t>
-            </a:r>
-            <a:r>
-              <a:rPr lang="ru-RU" sz="1600" b="0" i="0" dirty="0">
-                <a:solidFill>
-                  <a:schemeClr val="bg1"/>
-                </a:solidFill>
-                <a:effectLst/>
-                <a:latin typeface="Times New Roman" panose="02020603050405020304" pitchFamily="18" charset="0"/>
-                <a:cs typeface="Times New Roman" panose="02020603050405020304" pitchFamily="18" charset="0"/>
-              </a:rPr>
-              <a:t>Продумайте, </a:t>
-            </a:r>
-            <a:r>
-              <a:rPr lang="ru-RU" sz="1600" b="0" i="0" dirty="0" err="1">
-                <a:solidFill>
-                  <a:schemeClr val="bg1"/>
-                </a:solidFill>
-                <a:effectLst/>
-                <a:latin typeface="Times New Roman" panose="02020603050405020304" pitchFamily="18" charset="0"/>
-                <a:cs typeface="Times New Roman" panose="02020603050405020304" pitchFamily="18" charset="0"/>
-              </a:rPr>
-              <a:t>які</a:t>
-            </a:r>
-            <a:r>
-              <a:rPr lang="ru-RU" sz="1600" b="0" i="0" dirty="0">
-                <a:solidFill>
-                  <a:schemeClr val="bg1"/>
-                </a:solidFill>
-                <a:effectLst/>
-                <a:latin typeface="Times New Roman" panose="02020603050405020304" pitchFamily="18" charset="0"/>
-                <a:cs typeface="Times New Roman" panose="02020603050405020304" pitchFamily="18" charset="0"/>
-              </a:rPr>
-              <a:t> </a:t>
-            </a:r>
-            <a:r>
-              <a:rPr lang="ru-RU" sz="1600" b="0" i="0" dirty="0" err="1">
-                <a:solidFill>
-                  <a:schemeClr val="bg1"/>
-                </a:solidFill>
-                <a:effectLst/>
-                <a:latin typeface="Times New Roman" panose="02020603050405020304" pitchFamily="18" charset="0"/>
-                <a:cs typeface="Times New Roman" panose="02020603050405020304" pitchFamily="18" charset="0"/>
-              </a:rPr>
-              <a:t>операції</a:t>
-            </a:r>
-            <a:r>
-              <a:rPr lang="ru-RU" sz="1600" b="0" i="0" dirty="0">
-                <a:solidFill>
-                  <a:schemeClr val="bg1"/>
-                </a:solidFill>
-                <a:effectLst/>
-                <a:latin typeface="Times New Roman" panose="02020603050405020304" pitchFamily="18" charset="0"/>
-                <a:cs typeface="Times New Roman" panose="02020603050405020304" pitchFamily="18" charset="0"/>
-              </a:rPr>
-              <a:t> </a:t>
-            </a:r>
-            <a:r>
-              <a:rPr lang="ru-RU" sz="1600" b="0" i="0" dirty="0" err="1">
-                <a:solidFill>
-                  <a:schemeClr val="bg1"/>
-                </a:solidFill>
-                <a:effectLst/>
-                <a:latin typeface="Times New Roman" panose="02020603050405020304" pitchFamily="18" charset="0"/>
-                <a:cs typeface="Times New Roman" panose="02020603050405020304" pitchFamily="18" charset="0"/>
-              </a:rPr>
-              <a:t>будуть</a:t>
-            </a:r>
-            <a:r>
-              <a:rPr lang="ru-RU" sz="1600" b="0" i="0" dirty="0">
-                <a:solidFill>
-                  <a:schemeClr val="bg1"/>
-                </a:solidFill>
-                <a:effectLst/>
-                <a:latin typeface="Times New Roman" panose="02020603050405020304" pitchFamily="18" charset="0"/>
-                <a:cs typeface="Times New Roman" panose="02020603050405020304" pitchFamily="18" charset="0"/>
-              </a:rPr>
-              <a:t> </a:t>
-            </a:r>
-            <a:r>
-              <a:rPr lang="ru-RU" sz="1600" b="0" i="0" dirty="0" err="1">
-                <a:solidFill>
-                  <a:schemeClr val="bg1"/>
-                </a:solidFill>
-                <a:effectLst/>
-                <a:latin typeface="Times New Roman" panose="02020603050405020304" pitchFamily="18" charset="0"/>
-                <a:cs typeface="Times New Roman" panose="02020603050405020304" pitchFamily="18" charset="0"/>
-              </a:rPr>
-              <a:t>потрібні</a:t>
-            </a:r>
-            <a:r>
-              <a:rPr lang="ru-RU" sz="1600" b="0" i="0" dirty="0">
-                <a:solidFill>
-                  <a:schemeClr val="bg1"/>
-                </a:solidFill>
-                <a:effectLst/>
-                <a:latin typeface="Times New Roman" panose="02020603050405020304" pitchFamily="18" charset="0"/>
-                <a:cs typeface="Times New Roman" panose="02020603050405020304" pitchFamily="18" charset="0"/>
-              </a:rPr>
-              <a:t> </a:t>
-            </a:r>
-            <a:r>
-              <a:rPr lang="ru-RU" sz="1600" b="0" i="0" dirty="0" err="1">
-                <a:solidFill>
-                  <a:schemeClr val="bg1"/>
-                </a:solidFill>
-                <a:effectLst/>
-                <a:latin typeface="Times New Roman" panose="02020603050405020304" pitchFamily="18" charset="0"/>
-                <a:cs typeface="Times New Roman" panose="02020603050405020304" pitchFamily="18" charset="0"/>
-              </a:rPr>
-              <a:t>клієнтам</a:t>
-            </a:r>
-            <a:r>
-              <a:rPr lang="ru-RU" sz="1600" b="0" i="0" dirty="0">
-                <a:solidFill>
-                  <a:schemeClr val="bg1"/>
-                </a:solidFill>
-                <a:effectLst/>
-                <a:latin typeface="Times New Roman" panose="02020603050405020304" pitchFamily="18" charset="0"/>
-                <a:cs typeface="Times New Roman" panose="02020603050405020304" pitchFamily="18" charset="0"/>
-              </a:rPr>
-              <a:t>, і </a:t>
-            </a:r>
-            <a:r>
-              <a:rPr lang="ru-RU" sz="1600" b="0" i="0" dirty="0" err="1">
-                <a:solidFill>
-                  <a:schemeClr val="bg1"/>
-                </a:solidFill>
-                <a:effectLst/>
-                <a:latin typeface="Times New Roman" panose="02020603050405020304" pitchFamily="18" charset="0"/>
-                <a:cs typeface="Times New Roman" panose="02020603050405020304" pitchFamily="18" charset="0"/>
-              </a:rPr>
-              <a:t>опишіть</a:t>
-            </a:r>
-            <a:r>
-              <a:rPr lang="ru-RU" sz="1600" b="0" i="0" dirty="0">
-                <a:solidFill>
-                  <a:schemeClr val="bg1"/>
-                </a:solidFill>
-                <a:effectLst/>
-                <a:latin typeface="Times New Roman" panose="02020603050405020304" pitchFamily="18" charset="0"/>
-                <a:cs typeface="Times New Roman" panose="02020603050405020304" pitchFamily="18" charset="0"/>
-              </a:rPr>
-              <a:t> </a:t>
-            </a:r>
-            <a:r>
-              <a:rPr lang="ru-RU" sz="1600" b="0" i="0" dirty="0" err="1">
-                <a:solidFill>
-                  <a:schemeClr val="bg1"/>
-                </a:solidFill>
-                <a:effectLst/>
-                <a:latin typeface="Times New Roman" panose="02020603050405020304" pitchFamily="18" charset="0"/>
-                <a:cs typeface="Times New Roman" panose="02020603050405020304" pitchFamily="18" charset="0"/>
-              </a:rPr>
-              <a:t>їх</a:t>
-            </a:r>
-            <a:r>
-              <a:rPr lang="ru-RU" sz="1600" b="0" i="0" dirty="0">
-                <a:solidFill>
-                  <a:schemeClr val="bg1"/>
-                </a:solidFill>
-                <a:effectLst/>
-                <a:latin typeface="Times New Roman" panose="02020603050405020304" pitchFamily="18" charset="0"/>
-                <a:cs typeface="Times New Roman" panose="02020603050405020304" pitchFamily="18" charset="0"/>
-              </a:rPr>
-              <a:t> у базовому </a:t>
-            </a:r>
-            <a:r>
-              <a:rPr lang="ru-RU" sz="1600" b="0" i="0" dirty="0" err="1">
-                <a:solidFill>
-                  <a:schemeClr val="bg1"/>
-                </a:solidFill>
-                <a:effectLst/>
-                <a:latin typeface="Times New Roman" panose="02020603050405020304" pitchFamily="18" charset="0"/>
-                <a:cs typeface="Times New Roman" panose="02020603050405020304" pitchFamily="18" charset="0"/>
-              </a:rPr>
-              <a:t>класі</a:t>
-            </a:r>
-            <a:r>
-              <a:rPr lang="ru-RU" sz="1600" b="0" i="0" dirty="0">
-                <a:solidFill>
-                  <a:schemeClr val="bg1"/>
-                </a:solidFill>
-                <a:effectLst/>
-                <a:latin typeface="Times New Roman" panose="02020603050405020304" pitchFamily="18" charset="0"/>
-                <a:cs typeface="Times New Roman" panose="02020603050405020304" pitchFamily="18" charset="0"/>
-              </a:rPr>
-              <a:t> </a:t>
-            </a:r>
-            <a:r>
-              <a:rPr lang="ru-RU" sz="1600" b="0" i="1" dirty="0" err="1">
-                <a:solidFill>
-                  <a:schemeClr val="bg1"/>
-                </a:solidFill>
-                <a:effectLst/>
-                <a:latin typeface="Times New Roman" panose="02020603050405020304" pitchFamily="18" charset="0"/>
-                <a:cs typeface="Times New Roman" panose="02020603050405020304" pitchFamily="18" charset="0"/>
-              </a:rPr>
-              <a:t>абстракції</a:t>
-            </a:r>
-            <a:r>
-              <a:rPr lang="ru-RU" sz="1600" b="0" i="0" dirty="0">
-                <a:solidFill>
-                  <a:schemeClr val="bg1"/>
-                </a:solidFill>
-                <a:effectLst/>
-                <a:latin typeface="Times New Roman" panose="02020603050405020304" pitchFamily="18" charset="0"/>
-                <a:cs typeface="Times New Roman" panose="02020603050405020304" pitchFamily="18" charset="0"/>
-              </a:rPr>
-              <a:t>.</a:t>
-            </a:r>
-          </a:p>
-        </p:txBody>
-      </p:sp>
-      <p:sp>
-        <p:nvSpPr>
-          <p:cNvPr id="13" name="TextBox 12">
-            <a:extLst>
-              <a:ext uri="{FF2B5EF4-FFF2-40B4-BE49-F238E27FC236}">
-                <a16:creationId xmlns:a16="http://schemas.microsoft.com/office/drawing/2014/main" id="{FB442CCB-3C29-F57D-8A61-089FA962B0C8}"/>
-              </a:ext>
-            </a:extLst>
-          </p:cNvPr>
-          <p:cNvSpPr txBox="1"/>
-          <p:nvPr/>
-        </p:nvSpPr>
-        <p:spPr>
-          <a:xfrm>
-            <a:off x="768725" y="2833940"/>
-            <a:ext cx="3272759" cy="1569660"/>
-          </a:xfrm>
-          <a:prstGeom prst="rect">
-            <a:avLst/>
-          </a:prstGeom>
-          <a:noFill/>
-        </p:spPr>
-        <p:txBody>
-          <a:bodyPr wrap="square" rtlCol="0">
-            <a:spAutoFit/>
-          </a:bodyPr>
-          <a:lstStyle/>
-          <a:p>
-            <a:pPr algn="l"/>
-            <a:r>
-              <a:rPr lang="en-GB" sz="1600" b="0" i="0" dirty="0">
-                <a:solidFill>
-                  <a:schemeClr val="bg1"/>
-                </a:solidFill>
-                <a:effectLst/>
-                <a:latin typeface="Times New Roman" panose="02020603050405020304" pitchFamily="18" charset="0"/>
-                <a:cs typeface="Times New Roman" panose="02020603050405020304" pitchFamily="18" charset="0"/>
-              </a:rPr>
-              <a:t>3. </a:t>
-            </a:r>
-            <a:r>
-              <a:rPr lang="uk-UA" sz="1600" b="0" i="0" dirty="0">
-                <a:solidFill>
-                  <a:schemeClr val="bg1"/>
-                </a:solidFill>
-                <a:effectLst/>
-                <a:latin typeface="Times New Roman" panose="02020603050405020304" pitchFamily="18" charset="0"/>
-                <a:cs typeface="Times New Roman" panose="02020603050405020304" pitchFamily="18" charset="0"/>
-              </a:rPr>
-              <a:t>Визначте поведінки, які доступні на всіх платформах, та виберіть з них ту частину, яка буде потрібна для абстракції. На підставі цього опишіть загальний інтерфейс </a:t>
-            </a:r>
-            <a:r>
-              <a:rPr lang="uk-UA" sz="1600" b="0" i="1" dirty="0">
-                <a:solidFill>
-                  <a:schemeClr val="bg1"/>
-                </a:solidFill>
-                <a:effectLst/>
-                <a:latin typeface="Times New Roman" panose="02020603050405020304" pitchFamily="18" charset="0"/>
-                <a:cs typeface="Times New Roman" panose="02020603050405020304" pitchFamily="18" charset="0"/>
-              </a:rPr>
-              <a:t>реалізації</a:t>
-            </a:r>
-            <a:r>
-              <a:rPr lang="uk-UA" sz="1600" b="0" i="0" dirty="0">
-                <a:solidFill>
-                  <a:schemeClr val="bg1"/>
-                </a:solidFill>
-                <a:effectLst/>
-                <a:latin typeface="Times New Roman" panose="02020603050405020304" pitchFamily="18" charset="0"/>
-                <a:cs typeface="Times New Roman" panose="02020603050405020304" pitchFamily="18" charset="0"/>
-              </a:rPr>
-              <a:t>.</a:t>
-            </a:r>
-          </a:p>
-        </p:txBody>
-      </p:sp>
-      <p:sp>
-        <p:nvSpPr>
-          <p:cNvPr id="14" name="TextBox 13">
-            <a:extLst>
-              <a:ext uri="{FF2B5EF4-FFF2-40B4-BE49-F238E27FC236}">
-                <a16:creationId xmlns:a16="http://schemas.microsoft.com/office/drawing/2014/main" id="{6D432F26-9F69-EBF9-585A-7A00A333DB6A}"/>
-              </a:ext>
-            </a:extLst>
-          </p:cNvPr>
-          <p:cNvSpPr txBox="1"/>
-          <p:nvPr/>
-        </p:nvSpPr>
-        <p:spPr>
-          <a:xfrm>
-            <a:off x="8541124" y="2083539"/>
-            <a:ext cx="2882151" cy="1815882"/>
-          </a:xfrm>
-          <a:prstGeom prst="rect">
-            <a:avLst/>
-          </a:prstGeom>
-          <a:noFill/>
-        </p:spPr>
-        <p:txBody>
-          <a:bodyPr wrap="square" rtlCol="0">
-            <a:spAutoFit/>
-          </a:bodyPr>
-          <a:lstStyle/>
-          <a:p>
-            <a:r>
-              <a:rPr lang="en-GB" sz="1600" b="0" i="0" dirty="0">
-                <a:solidFill>
-                  <a:schemeClr val="bg1"/>
-                </a:solidFill>
-                <a:effectLst/>
-                <a:latin typeface="Times New Roman" panose="02020603050405020304" pitchFamily="18" charset="0"/>
-                <a:cs typeface="Times New Roman" panose="02020603050405020304" pitchFamily="18" charset="0"/>
-              </a:rPr>
-              <a:t>4. </a:t>
-            </a:r>
-            <a:r>
-              <a:rPr lang="ru-RU" sz="1600" b="0" i="0" dirty="0">
-                <a:solidFill>
-                  <a:schemeClr val="bg1"/>
-                </a:solidFill>
-                <a:effectLst/>
-                <a:latin typeface="Times New Roman" panose="02020603050405020304" pitchFamily="18" charset="0"/>
-                <a:cs typeface="Times New Roman" panose="02020603050405020304" pitchFamily="18" charset="0"/>
-              </a:rPr>
-              <a:t>Для </a:t>
-            </a:r>
-            <a:r>
-              <a:rPr lang="ru-RU" sz="1600" b="0" i="0" dirty="0" err="1">
-                <a:solidFill>
-                  <a:schemeClr val="bg1"/>
-                </a:solidFill>
-                <a:effectLst/>
-                <a:latin typeface="Times New Roman" panose="02020603050405020304" pitchFamily="18" charset="0"/>
-                <a:cs typeface="Times New Roman" panose="02020603050405020304" pitchFamily="18" charset="0"/>
-              </a:rPr>
-              <a:t>кожної</a:t>
-            </a:r>
-            <a:r>
-              <a:rPr lang="ru-RU" sz="1600" b="0" i="0" dirty="0">
-                <a:solidFill>
-                  <a:schemeClr val="bg1"/>
-                </a:solidFill>
-                <a:effectLst/>
-                <a:latin typeface="Times New Roman" panose="02020603050405020304" pitchFamily="18" charset="0"/>
-                <a:cs typeface="Times New Roman" panose="02020603050405020304" pitchFamily="18" charset="0"/>
-              </a:rPr>
-              <a:t> </a:t>
-            </a:r>
-            <a:r>
-              <a:rPr lang="ru-RU" sz="1600" b="0" i="0" dirty="0" err="1">
-                <a:solidFill>
-                  <a:schemeClr val="bg1"/>
-                </a:solidFill>
-                <a:effectLst/>
-                <a:latin typeface="Times New Roman" panose="02020603050405020304" pitchFamily="18" charset="0"/>
-                <a:cs typeface="Times New Roman" panose="02020603050405020304" pitchFamily="18" charset="0"/>
-              </a:rPr>
-              <a:t>платформи</a:t>
-            </a:r>
-            <a:r>
-              <a:rPr lang="ru-RU" sz="1600" b="0" i="0" dirty="0">
-                <a:solidFill>
-                  <a:schemeClr val="bg1"/>
-                </a:solidFill>
-                <a:effectLst/>
-                <a:latin typeface="Times New Roman" panose="02020603050405020304" pitchFamily="18" charset="0"/>
-                <a:cs typeface="Times New Roman" panose="02020603050405020304" pitchFamily="18" charset="0"/>
-              </a:rPr>
-              <a:t> </a:t>
-            </a:r>
-            <a:r>
-              <a:rPr lang="ru-RU" sz="1600" b="0" i="0" dirty="0" err="1">
-                <a:solidFill>
-                  <a:schemeClr val="bg1"/>
-                </a:solidFill>
-                <a:effectLst/>
-                <a:latin typeface="Times New Roman" panose="02020603050405020304" pitchFamily="18" charset="0"/>
-                <a:cs typeface="Times New Roman" panose="02020603050405020304" pitchFamily="18" charset="0"/>
-              </a:rPr>
-              <a:t>створіть</a:t>
-            </a:r>
-            <a:r>
-              <a:rPr lang="ru-RU" sz="1600" b="0" i="0" dirty="0">
-                <a:solidFill>
-                  <a:schemeClr val="bg1"/>
-                </a:solidFill>
-                <a:effectLst/>
-                <a:latin typeface="Times New Roman" panose="02020603050405020304" pitchFamily="18" charset="0"/>
-                <a:cs typeface="Times New Roman" panose="02020603050405020304" pitchFamily="18" charset="0"/>
-              </a:rPr>
-              <a:t> </a:t>
-            </a:r>
-            <a:r>
-              <a:rPr lang="ru-RU" sz="1600" b="0" i="0" dirty="0" err="1">
-                <a:solidFill>
-                  <a:schemeClr val="bg1"/>
-                </a:solidFill>
-                <a:effectLst/>
-                <a:latin typeface="Times New Roman" panose="02020603050405020304" pitchFamily="18" charset="0"/>
-                <a:cs typeface="Times New Roman" panose="02020603050405020304" pitchFamily="18" charset="0"/>
-              </a:rPr>
-              <a:t>власний</a:t>
-            </a:r>
-            <a:r>
-              <a:rPr lang="ru-RU" sz="1600" b="0" i="0" dirty="0">
-                <a:solidFill>
-                  <a:schemeClr val="bg1"/>
-                </a:solidFill>
-                <a:effectLst/>
-                <a:latin typeface="Times New Roman" panose="02020603050405020304" pitchFamily="18" charset="0"/>
-                <a:cs typeface="Times New Roman" panose="02020603050405020304" pitchFamily="18" charset="0"/>
-              </a:rPr>
-              <a:t> </a:t>
-            </a:r>
-            <a:r>
-              <a:rPr lang="ru-RU" sz="1600" b="0" i="0" dirty="0" err="1">
-                <a:solidFill>
-                  <a:schemeClr val="bg1"/>
-                </a:solidFill>
-                <a:effectLst/>
-                <a:latin typeface="Times New Roman" panose="02020603050405020304" pitchFamily="18" charset="0"/>
-                <a:cs typeface="Times New Roman" panose="02020603050405020304" pitchFamily="18" charset="0"/>
-              </a:rPr>
-              <a:t>клас</a:t>
-            </a:r>
-            <a:r>
-              <a:rPr lang="ru-RU" sz="1600" b="0" i="0" dirty="0">
-                <a:solidFill>
-                  <a:schemeClr val="bg1"/>
-                </a:solidFill>
-                <a:effectLst/>
-                <a:latin typeface="Times New Roman" panose="02020603050405020304" pitchFamily="18" charset="0"/>
-                <a:cs typeface="Times New Roman" panose="02020603050405020304" pitchFamily="18" charset="0"/>
-              </a:rPr>
-              <a:t> </a:t>
-            </a:r>
-            <a:r>
-              <a:rPr lang="ru-RU" sz="1600" b="0" i="0" dirty="0" err="1">
-                <a:solidFill>
-                  <a:schemeClr val="bg1"/>
-                </a:solidFill>
-                <a:effectLst/>
-                <a:latin typeface="Times New Roman" panose="02020603050405020304" pitchFamily="18" charset="0"/>
-                <a:cs typeface="Times New Roman" panose="02020603050405020304" pitchFamily="18" charset="0"/>
-              </a:rPr>
-              <a:t>конкретної</a:t>
-            </a:r>
-            <a:r>
-              <a:rPr lang="ru-RU" sz="1600" b="0" i="0" dirty="0">
-                <a:solidFill>
-                  <a:schemeClr val="bg1"/>
-                </a:solidFill>
-                <a:effectLst/>
-                <a:latin typeface="Times New Roman" panose="02020603050405020304" pitchFamily="18" charset="0"/>
-                <a:cs typeface="Times New Roman" panose="02020603050405020304" pitchFamily="18" charset="0"/>
-              </a:rPr>
-              <a:t> </a:t>
-            </a:r>
-            <a:r>
-              <a:rPr lang="ru-RU" sz="1600" b="0" i="0" dirty="0" err="1">
-                <a:solidFill>
-                  <a:schemeClr val="bg1"/>
-                </a:solidFill>
-                <a:effectLst/>
-                <a:latin typeface="Times New Roman" panose="02020603050405020304" pitchFamily="18" charset="0"/>
-                <a:cs typeface="Times New Roman" panose="02020603050405020304" pitchFamily="18" charset="0"/>
-              </a:rPr>
-              <a:t>реалізації</a:t>
-            </a:r>
-            <a:r>
-              <a:rPr lang="ru-RU" sz="1600" b="0" i="0" dirty="0">
-                <a:solidFill>
-                  <a:schemeClr val="bg1"/>
-                </a:solidFill>
-                <a:effectLst/>
-                <a:latin typeface="Times New Roman" panose="02020603050405020304" pitchFamily="18" charset="0"/>
-                <a:cs typeface="Times New Roman" panose="02020603050405020304" pitchFamily="18" charset="0"/>
-              </a:rPr>
-              <a:t>. </a:t>
-            </a:r>
-            <a:r>
-              <a:rPr lang="ru-RU" sz="1600" b="0" i="0" dirty="0" err="1">
-                <a:solidFill>
-                  <a:schemeClr val="bg1"/>
-                </a:solidFill>
-                <a:effectLst/>
-                <a:latin typeface="Times New Roman" panose="02020603050405020304" pitchFamily="18" charset="0"/>
-                <a:cs typeface="Times New Roman" panose="02020603050405020304" pitchFamily="18" charset="0"/>
-              </a:rPr>
-              <a:t>Всі</a:t>
-            </a:r>
-            <a:r>
-              <a:rPr lang="ru-RU" sz="1600" b="0" i="0" dirty="0">
-                <a:solidFill>
-                  <a:schemeClr val="bg1"/>
-                </a:solidFill>
-                <a:effectLst/>
-                <a:latin typeface="Times New Roman" panose="02020603050405020304" pitchFamily="18" charset="0"/>
-                <a:cs typeface="Times New Roman" panose="02020603050405020304" pitchFamily="18" charset="0"/>
-              </a:rPr>
-              <a:t> вони </a:t>
-            </a:r>
-            <a:r>
-              <a:rPr lang="ru-RU" sz="1600" b="0" i="0" dirty="0" err="1">
-                <a:solidFill>
-                  <a:schemeClr val="bg1"/>
-                </a:solidFill>
-                <a:effectLst/>
-                <a:latin typeface="Times New Roman" panose="02020603050405020304" pitchFamily="18" charset="0"/>
-                <a:cs typeface="Times New Roman" panose="02020603050405020304" pitchFamily="18" charset="0"/>
-              </a:rPr>
-              <a:t>повинні</a:t>
-            </a:r>
-            <a:r>
-              <a:rPr lang="ru-RU" sz="1600" b="0" i="0" dirty="0">
-                <a:solidFill>
-                  <a:schemeClr val="bg1"/>
-                </a:solidFill>
-                <a:effectLst/>
-                <a:latin typeface="Times New Roman" panose="02020603050405020304" pitchFamily="18" charset="0"/>
-                <a:cs typeface="Times New Roman" panose="02020603050405020304" pitchFamily="18" charset="0"/>
-              </a:rPr>
-              <a:t> </a:t>
-            </a:r>
-            <a:r>
-              <a:rPr lang="ru-RU" sz="1600" b="0" i="0" dirty="0" err="1">
-                <a:solidFill>
-                  <a:schemeClr val="bg1"/>
-                </a:solidFill>
-                <a:effectLst/>
-                <a:latin typeface="Times New Roman" panose="02020603050405020304" pitchFamily="18" charset="0"/>
-                <a:cs typeface="Times New Roman" panose="02020603050405020304" pitchFamily="18" charset="0"/>
-              </a:rPr>
-              <a:t>дотримуватися</a:t>
-            </a:r>
-            <a:r>
-              <a:rPr lang="ru-RU" sz="1600" b="0" i="0" dirty="0">
-                <a:solidFill>
-                  <a:schemeClr val="bg1"/>
-                </a:solidFill>
-                <a:effectLst/>
-                <a:latin typeface="Times New Roman" panose="02020603050405020304" pitchFamily="18" charset="0"/>
-                <a:cs typeface="Times New Roman" panose="02020603050405020304" pitchFamily="18" charset="0"/>
-              </a:rPr>
-              <a:t> </a:t>
-            </a:r>
-            <a:r>
-              <a:rPr lang="ru-RU" sz="1600" b="0" i="0" dirty="0" err="1">
-                <a:solidFill>
-                  <a:schemeClr val="bg1"/>
-                </a:solidFill>
-                <a:effectLst/>
-                <a:latin typeface="Times New Roman" panose="02020603050405020304" pitchFamily="18" charset="0"/>
-                <a:cs typeface="Times New Roman" panose="02020603050405020304" pitchFamily="18" charset="0"/>
-              </a:rPr>
-              <a:t>загального</a:t>
-            </a:r>
-            <a:r>
-              <a:rPr lang="ru-RU" sz="1600" b="0" i="0" dirty="0">
-                <a:solidFill>
-                  <a:schemeClr val="bg1"/>
-                </a:solidFill>
-                <a:effectLst/>
-                <a:latin typeface="Times New Roman" panose="02020603050405020304" pitchFamily="18" charset="0"/>
-                <a:cs typeface="Times New Roman" panose="02020603050405020304" pitchFamily="18" charset="0"/>
-              </a:rPr>
-              <a:t> </a:t>
-            </a:r>
-            <a:r>
-              <a:rPr lang="ru-RU" sz="1600" b="0" i="0" dirty="0" err="1">
-                <a:solidFill>
-                  <a:schemeClr val="bg1"/>
-                </a:solidFill>
-                <a:effectLst/>
-                <a:latin typeface="Times New Roman" panose="02020603050405020304" pitchFamily="18" charset="0"/>
-                <a:cs typeface="Times New Roman" panose="02020603050405020304" pitchFamily="18" charset="0"/>
-              </a:rPr>
-              <a:t>інтерфейсу</a:t>
-            </a:r>
-            <a:r>
-              <a:rPr lang="ru-RU" sz="1600" b="0" i="0" dirty="0">
-                <a:solidFill>
-                  <a:schemeClr val="bg1"/>
-                </a:solidFill>
-                <a:effectLst/>
-                <a:latin typeface="Times New Roman" panose="02020603050405020304" pitchFamily="18" charset="0"/>
-                <a:cs typeface="Times New Roman" panose="02020603050405020304" pitchFamily="18" charset="0"/>
-              </a:rPr>
-              <a:t>, </a:t>
-            </a:r>
-            <a:r>
-              <a:rPr lang="ru-RU" sz="1600" b="0" i="0" dirty="0" err="1">
-                <a:solidFill>
-                  <a:schemeClr val="bg1"/>
-                </a:solidFill>
-                <a:effectLst/>
-                <a:latin typeface="Times New Roman" panose="02020603050405020304" pitchFamily="18" charset="0"/>
-                <a:cs typeface="Times New Roman" panose="02020603050405020304" pitchFamily="18" charset="0"/>
-              </a:rPr>
-              <a:t>який</a:t>
-            </a:r>
-            <a:r>
-              <a:rPr lang="ru-RU" sz="1600" b="0" i="0" dirty="0">
-                <a:solidFill>
-                  <a:schemeClr val="bg1"/>
-                </a:solidFill>
-                <a:effectLst/>
-                <a:latin typeface="Times New Roman" panose="02020603050405020304" pitchFamily="18" charset="0"/>
-                <a:cs typeface="Times New Roman" panose="02020603050405020304" pitchFamily="18" charset="0"/>
-              </a:rPr>
-              <a:t> ми </a:t>
-            </a:r>
-            <a:r>
-              <a:rPr lang="ru-RU" sz="1600" b="0" i="0" dirty="0" err="1">
-                <a:solidFill>
-                  <a:schemeClr val="bg1"/>
-                </a:solidFill>
-                <a:effectLst/>
-                <a:latin typeface="Times New Roman" panose="02020603050405020304" pitchFamily="18" charset="0"/>
-                <a:cs typeface="Times New Roman" panose="02020603050405020304" pitchFamily="18" charset="0"/>
-              </a:rPr>
-              <a:t>виділили</a:t>
-            </a:r>
-            <a:r>
-              <a:rPr lang="ru-RU" sz="1600" b="0" i="0" dirty="0">
-                <a:solidFill>
-                  <a:schemeClr val="bg1"/>
-                </a:solidFill>
-                <a:effectLst/>
-                <a:latin typeface="Times New Roman" panose="02020603050405020304" pitchFamily="18" charset="0"/>
-                <a:cs typeface="Times New Roman" panose="02020603050405020304" pitchFamily="18" charset="0"/>
-              </a:rPr>
-              <a:t> перед </a:t>
-            </a:r>
-            <a:r>
-              <a:rPr lang="ru-RU" sz="1600" b="0" i="0" dirty="0" err="1">
-                <a:solidFill>
-                  <a:schemeClr val="bg1"/>
-                </a:solidFill>
-                <a:effectLst/>
-                <a:latin typeface="Times New Roman" panose="02020603050405020304" pitchFamily="18" charset="0"/>
-                <a:cs typeface="Times New Roman" panose="02020603050405020304" pitchFamily="18" charset="0"/>
-              </a:rPr>
-              <a:t>цим</a:t>
-            </a:r>
-            <a:r>
-              <a:rPr lang="ru-RU" sz="1600" b="0" i="0" dirty="0">
-                <a:solidFill>
-                  <a:schemeClr val="bg1"/>
-                </a:solidFill>
-                <a:effectLst/>
-                <a:latin typeface="Times New Roman" panose="02020603050405020304" pitchFamily="18" charset="0"/>
-                <a:cs typeface="Times New Roman" panose="02020603050405020304" pitchFamily="18" charset="0"/>
-              </a:rPr>
-              <a:t>.</a:t>
-            </a:r>
-          </a:p>
-          <a:p>
-            <a:endParaRPr lang="LID4096" sz="1600" dirty="0">
-              <a:solidFill>
-                <a:schemeClr val="bg1"/>
-              </a:solidFill>
-              <a:latin typeface="Times New Roman" panose="02020603050405020304" pitchFamily="18" charset="0"/>
-              <a:cs typeface="Times New Roman" panose="02020603050405020304" pitchFamily="18" charset="0"/>
-            </a:endParaRPr>
-          </a:p>
-        </p:txBody>
-      </p:sp>
-      <p:sp>
-        <p:nvSpPr>
-          <p:cNvPr id="15" name="TextBox 14">
-            <a:extLst>
-              <a:ext uri="{FF2B5EF4-FFF2-40B4-BE49-F238E27FC236}">
-                <a16:creationId xmlns:a16="http://schemas.microsoft.com/office/drawing/2014/main" id="{C9490C87-0BEC-35E1-9486-BCB6DF6D0A90}"/>
-              </a:ext>
-            </a:extLst>
-          </p:cNvPr>
-          <p:cNvSpPr txBox="1"/>
-          <p:nvPr/>
-        </p:nvSpPr>
-        <p:spPr>
-          <a:xfrm>
-            <a:off x="4312185" y="3304863"/>
-            <a:ext cx="2624737" cy="2308324"/>
-          </a:xfrm>
-          <a:prstGeom prst="rect">
-            <a:avLst/>
-          </a:prstGeom>
-          <a:noFill/>
-        </p:spPr>
-        <p:txBody>
-          <a:bodyPr wrap="square" rtlCol="0">
-            <a:spAutoFit/>
-          </a:bodyPr>
-          <a:lstStyle/>
-          <a:p>
-            <a:r>
-              <a:rPr lang="en-GB" sz="1600" b="0" i="0" dirty="0">
-                <a:solidFill>
-                  <a:schemeClr val="bg1"/>
-                </a:solidFill>
-                <a:effectLst/>
-                <a:latin typeface="Times New Roman" panose="02020603050405020304" pitchFamily="18" charset="0"/>
-                <a:cs typeface="Times New Roman" panose="02020603050405020304" pitchFamily="18" charset="0"/>
-              </a:rPr>
-              <a:t>5. </a:t>
-            </a:r>
-            <a:r>
-              <a:rPr lang="ru-RU" sz="1600" b="0" i="0" dirty="0">
-                <a:solidFill>
-                  <a:schemeClr val="bg1"/>
-                </a:solidFill>
-                <a:effectLst/>
-                <a:latin typeface="Times New Roman" panose="02020603050405020304" pitchFamily="18" charset="0"/>
-                <a:cs typeface="Times New Roman" panose="02020603050405020304" pitchFamily="18" charset="0"/>
-              </a:rPr>
-              <a:t>Додайте до </a:t>
-            </a:r>
-            <a:r>
-              <a:rPr lang="ru-RU" sz="1600" b="0" i="0" dirty="0" err="1">
-                <a:solidFill>
-                  <a:schemeClr val="bg1"/>
-                </a:solidFill>
-                <a:effectLst/>
-                <a:latin typeface="Times New Roman" panose="02020603050405020304" pitchFamily="18" charset="0"/>
-                <a:cs typeface="Times New Roman" panose="02020603050405020304" pitchFamily="18" charset="0"/>
-              </a:rPr>
-              <a:t>класу</a:t>
-            </a:r>
-            <a:r>
-              <a:rPr lang="ru-RU" sz="1600" b="0" i="0" dirty="0">
-                <a:solidFill>
-                  <a:schemeClr val="bg1"/>
-                </a:solidFill>
-                <a:effectLst/>
-                <a:latin typeface="Times New Roman" panose="02020603050405020304" pitchFamily="18" charset="0"/>
-                <a:cs typeface="Times New Roman" panose="02020603050405020304" pitchFamily="18" charset="0"/>
-              </a:rPr>
-              <a:t> </a:t>
-            </a:r>
-            <a:r>
-              <a:rPr lang="ru-RU" sz="1600" b="0" i="0" dirty="0" err="1">
-                <a:solidFill>
-                  <a:schemeClr val="bg1"/>
-                </a:solidFill>
-                <a:effectLst/>
-                <a:latin typeface="Times New Roman" panose="02020603050405020304" pitchFamily="18" charset="0"/>
-                <a:cs typeface="Times New Roman" panose="02020603050405020304" pitchFamily="18" charset="0"/>
-              </a:rPr>
-              <a:t>абстракції</a:t>
-            </a:r>
-            <a:r>
-              <a:rPr lang="ru-RU" sz="1600" b="0" i="0" dirty="0">
-                <a:solidFill>
-                  <a:schemeClr val="bg1"/>
-                </a:solidFill>
-                <a:effectLst/>
-                <a:latin typeface="Times New Roman" panose="02020603050405020304" pitchFamily="18" charset="0"/>
-                <a:cs typeface="Times New Roman" panose="02020603050405020304" pitchFamily="18" charset="0"/>
-              </a:rPr>
-              <a:t> </a:t>
-            </a:r>
-            <a:r>
-              <a:rPr lang="ru-RU" sz="1600" b="0" i="0" dirty="0" err="1">
-                <a:solidFill>
-                  <a:schemeClr val="bg1"/>
-                </a:solidFill>
-                <a:effectLst/>
-                <a:latin typeface="Times New Roman" panose="02020603050405020304" pitchFamily="18" charset="0"/>
-                <a:cs typeface="Times New Roman" panose="02020603050405020304" pitchFamily="18" charset="0"/>
-              </a:rPr>
-              <a:t>посилання</a:t>
-            </a:r>
-            <a:r>
-              <a:rPr lang="ru-RU" sz="1600" b="0" i="0" dirty="0">
-                <a:solidFill>
-                  <a:schemeClr val="bg1"/>
-                </a:solidFill>
-                <a:effectLst/>
-                <a:latin typeface="Times New Roman" panose="02020603050405020304" pitchFamily="18" charset="0"/>
-                <a:cs typeface="Times New Roman" panose="02020603050405020304" pitchFamily="18" charset="0"/>
-              </a:rPr>
-              <a:t> на </a:t>
-            </a:r>
-            <a:r>
-              <a:rPr lang="ru-RU" sz="1600" b="0" i="0" dirty="0" err="1">
-                <a:solidFill>
-                  <a:schemeClr val="bg1"/>
-                </a:solidFill>
-                <a:effectLst/>
-                <a:latin typeface="Times New Roman" panose="02020603050405020304" pitchFamily="18" charset="0"/>
-                <a:cs typeface="Times New Roman" panose="02020603050405020304" pitchFamily="18" charset="0"/>
-              </a:rPr>
-              <a:t>об’єкт</a:t>
-            </a:r>
-            <a:r>
-              <a:rPr lang="ru-RU" sz="1600" b="0" i="0" dirty="0">
-                <a:solidFill>
-                  <a:schemeClr val="bg1"/>
-                </a:solidFill>
-                <a:effectLst/>
-                <a:latin typeface="Times New Roman" panose="02020603050405020304" pitchFamily="18" charset="0"/>
-                <a:cs typeface="Times New Roman" panose="02020603050405020304" pitchFamily="18" charset="0"/>
-              </a:rPr>
-              <a:t> </a:t>
-            </a:r>
-            <a:r>
-              <a:rPr lang="ru-RU" sz="1600" b="0" i="0" dirty="0" err="1">
-                <a:solidFill>
-                  <a:schemeClr val="bg1"/>
-                </a:solidFill>
-                <a:effectLst/>
-                <a:latin typeface="Times New Roman" panose="02020603050405020304" pitchFamily="18" charset="0"/>
-                <a:cs typeface="Times New Roman" panose="02020603050405020304" pitchFamily="18" charset="0"/>
-              </a:rPr>
-              <a:t>реалізації</a:t>
-            </a:r>
-            <a:r>
-              <a:rPr lang="ru-RU" sz="1600" b="0" i="0" dirty="0">
-                <a:solidFill>
-                  <a:schemeClr val="bg1"/>
-                </a:solidFill>
-                <a:effectLst/>
-                <a:latin typeface="Times New Roman" panose="02020603050405020304" pitchFamily="18" charset="0"/>
-                <a:cs typeface="Times New Roman" panose="02020603050405020304" pitchFamily="18" charset="0"/>
-              </a:rPr>
-              <a:t>. </a:t>
-            </a:r>
-            <a:r>
-              <a:rPr lang="ru-RU" sz="1600" b="0" i="0" dirty="0" err="1">
-                <a:solidFill>
-                  <a:schemeClr val="bg1"/>
-                </a:solidFill>
-                <a:effectLst/>
-                <a:latin typeface="Times New Roman" panose="02020603050405020304" pitchFamily="18" charset="0"/>
-                <a:cs typeface="Times New Roman" panose="02020603050405020304" pitchFamily="18" charset="0"/>
-              </a:rPr>
-              <a:t>Реалізуйте</a:t>
-            </a:r>
-            <a:r>
-              <a:rPr lang="ru-RU" sz="1600" b="0" i="0" dirty="0">
-                <a:solidFill>
-                  <a:schemeClr val="bg1"/>
-                </a:solidFill>
-                <a:effectLst/>
-                <a:latin typeface="Times New Roman" panose="02020603050405020304" pitchFamily="18" charset="0"/>
-                <a:cs typeface="Times New Roman" panose="02020603050405020304" pitchFamily="18" charset="0"/>
-              </a:rPr>
-              <a:t> </a:t>
-            </a:r>
-            <a:r>
-              <a:rPr lang="ru-RU" sz="1600" b="0" i="0" dirty="0" err="1">
-                <a:solidFill>
-                  <a:schemeClr val="bg1"/>
-                </a:solidFill>
-                <a:effectLst/>
-                <a:latin typeface="Times New Roman" panose="02020603050405020304" pitchFamily="18" charset="0"/>
-                <a:cs typeface="Times New Roman" panose="02020603050405020304" pitchFamily="18" charset="0"/>
-              </a:rPr>
-              <a:t>методи</a:t>
-            </a:r>
-            <a:r>
-              <a:rPr lang="ru-RU" sz="1600" b="0" i="0" dirty="0">
-                <a:solidFill>
-                  <a:schemeClr val="bg1"/>
-                </a:solidFill>
-                <a:effectLst/>
-                <a:latin typeface="Times New Roman" panose="02020603050405020304" pitchFamily="18" charset="0"/>
-                <a:cs typeface="Times New Roman" panose="02020603050405020304" pitchFamily="18" charset="0"/>
-              </a:rPr>
-              <a:t> </a:t>
-            </a:r>
-            <a:r>
-              <a:rPr lang="ru-RU" sz="1600" b="0" i="0" dirty="0" err="1">
-                <a:solidFill>
-                  <a:schemeClr val="bg1"/>
-                </a:solidFill>
-                <a:effectLst/>
-                <a:latin typeface="Times New Roman" panose="02020603050405020304" pitchFamily="18" charset="0"/>
-                <a:cs typeface="Times New Roman" panose="02020603050405020304" pitchFamily="18" charset="0"/>
-              </a:rPr>
-              <a:t>абстракції</a:t>
-            </a:r>
-            <a:r>
-              <a:rPr lang="ru-RU" sz="1600" b="0" i="0" dirty="0">
-                <a:solidFill>
-                  <a:schemeClr val="bg1"/>
-                </a:solidFill>
-                <a:effectLst/>
-                <a:latin typeface="Times New Roman" panose="02020603050405020304" pitchFamily="18" charset="0"/>
-                <a:cs typeface="Times New Roman" panose="02020603050405020304" pitchFamily="18" charset="0"/>
-              </a:rPr>
-              <a:t>, </a:t>
-            </a:r>
-            <a:r>
-              <a:rPr lang="ru-RU" sz="1600" b="0" i="0" dirty="0" err="1">
-                <a:solidFill>
-                  <a:schemeClr val="bg1"/>
-                </a:solidFill>
-                <a:effectLst/>
-                <a:latin typeface="Times New Roman" panose="02020603050405020304" pitchFamily="18" charset="0"/>
-                <a:cs typeface="Times New Roman" panose="02020603050405020304" pitchFamily="18" charset="0"/>
-              </a:rPr>
-              <a:t>делегуючи</a:t>
-            </a:r>
-            <a:r>
-              <a:rPr lang="ru-RU" sz="1600" b="0" i="0" dirty="0">
-                <a:solidFill>
-                  <a:schemeClr val="bg1"/>
-                </a:solidFill>
-                <a:effectLst/>
-                <a:latin typeface="Times New Roman" panose="02020603050405020304" pitchFamily="18" charset="0"/>
-                <a:cs typeface="Times New Roman" panose="02020603050405020304" pitchFamily="18" charset="0"/>
-              </a:rPr>
-              <a:t> </a:t>
-            </a:r>
-            <a:r>
-              <a:rPr lang="ru-RU" sz="1600" b="0" i="0" dirty="0" err="1">
-                <a:solidFill>
-                  <a:schemeClr val="bg1"/>
-                </a:solidFill>
-                <a:effectLst/>
-                <a:latin typeface="Times New Roman" panose="02020603050405020304" pitchFamily="18" charset="0"/>
-                <a:cs typeface="Times New Roman" panose="02020603050405020304" pitchFamily="18" charset="0"/>
-              </a:rPr>
-              <a:t>основну</a:t>
-            </a:r>
-            <a:r>
-              <a:rPr lang="ru-RU" sz="1600" b="0" i="0" dirty="0">
-                <a:solidFill>
-                  <a:schemeClr val="bg1"/>
-                </a:solidFill>
-                <a:effectLst/>
-                <a:latin typeface="Times New Roman" panose="02020603050405020304" pitchFamily="18" charset="0"/>
-                <a:cs typeface="Times New Roman" panose="02020603050405020304" pitchFamily="18" charset="0"/>
-              </a:rPr>
-              <a:t> роботу </a:t>
-            </a:r>
-            <a:r>
-              <a:rPr lang="ru-RU" sz="1600" b="0" i="0" dirty="0" err="1">
-                <a:solidFill>
-                  <a:schemeClr val="bg1"/>
-                </a:solidFill>
-                <a:effectLst/>
-                <a:latin typeface="Times New Roman" panose="02020603050405020304" pitchFamily="18" charset="0"/>
-                <a:cs typeface="Times New Roman" panose="02020603050405020304" pitchFamily="18" charset="0"/>
-              </a:rPr>
-              <a:t>пов’язаному</a:t>
-            </a:r>
-            <a:r>
-              <a:rPr lang="ru-RU" sz="1600" b="0" i="0" dirty="0">
-                <a:solidFill>
-                  <a:schemeClr val="bg1"/>
-                </a:solidFill>
-                <a:effectLst/>
-                <a:latin typeface="Times New Roman" panose="02020603050405020304" pitchFamily="18" charset="0"/>
-                <a:cs typeface="Times New Roman" panose="02020603050405020304" pitchFamily="18" charset="0"/>
-              </a:rPr>
-              <a:t> </a:t>
-            </a:r>
-            <a:r>
-              <a:rPr lang="ru-RU" sz="1600" b="0" i="0" dirty="0" err="1">
-                <a:solidFill>
-                  <a:schemeClr val="bg1"/>
-                </a:solidFill>
-                <a:effectLst/>
-                <a:latin typeface="Times New Roman" panose="02020603050405020304" pitchFamily="18" charset="0"/>
-                <a:cs typeface="Times New Roman" panose="02020603050405020304" pitchFamily="18" charset="0"/>
-              </a:rPr>
-              <a:t>об’єкту</a:t>
-            </a:r>
-            <a:r>
-              <a:rPr lang="ru-RU" sz="1600" b="0" i="0" dirty="0">
-                <a:solidFill>
-                  <a:schemeClr val="bg1"/>
-                </a:solidFill>
-                <a:effectLst/>
-                <a:latin typeface="Times New Roman" panose="02020603050405020304" pitchFamily="18" charset="0"/>
-                <a:cs typeface="Times New Roman" panose="02020603050405020304" pitchFamily="18" charset="0"/>
-              </a:rPr>
-              <a:t> </a:t>
-            </a:r>
-            <a:r>
-              <a:rPr lang="ru-RU" sz="1600" b="0" i="0" dirty="0" err="1">
-                <a:solidFill>
-                  <a:schemeClr val="bg1"/>
-                </a:solidFill>
-                <a:effectLst/>
-                <a:latin typeface="Times New Roman" panose="02020603050405020304" pitchFamily="18" charset="0"/>
-                <a:cs typeface="Times New Roman" panose="02020603050405020304" pitchFamily="18" charset="0"/>
-              </a:rPr>
-              <a:t>реалізації</a:t>
-            </a:r>
-            <a:r>
-              <a:rPr lang="ru-RU" sz="1600" b="0" i="0" dirty="0">
-                <a:solidFill>
-                  <a:schemeClr val="bg1"/>
-                </a:solidFill>
-                <a:effectLst/>
-                <a:latin typeface="Times New Roman" panose="02020603050405020304" pitchFamily="18" charset="0"/>
-                <a:cs typeface="Times New Roman" panose="02020603050405020304" pitchFamily="18" charset="0"/>
-              </a:rPr>
-              <a:t>.</a:t>
-            </a:r>
-          </a:p>
-          <a:p>
-            <a:endParaRPr lang="LID4096" sz="1600" dirty="0">
-              <a:solidFill>
-                <a:schemeClr val="bg1"/>
-              </a:solidFill>
-              <a:latin typeface="Times New Roman" panose="02020603050405020304" pitchFamily="18" charset="0"/>
-              <a:cs typeface="Times New Roman" panose="02020603050405020304" pitchFamily="18" charset="0"/>
-            </a:endParaRPr>
-          </a:p>
-        </p:txBody>
-      </p:sp>
-      <p:sp>
-        <p:nvSpPr>
-          <p:cNvPr id="16" name="TextBox 15">
-            <a:extLst>
-              <a:ext uri="{FF2B5EF4-FFF2-40B4-BE49-F238E27FC236}">
-                <a16:creationId xmlns:a16="http://schemas.microsoft.com/office/drawing/2014/main" id="{17D965BD-23B2-BDC3-DB5F-B244790C9F76}"/>
-              </a:ext>
-            </a:extLst>
-          </p:cNvPr>
-          <p:cNvSpPr txBox="1"/>
-          <p:nvPr/>
-        </p:nvSpPr>
-        <p:spPr>
-          <a:xfrm>
-            <a:off x="7356520" y="3899421"/>
-            <a:ext cx="2202417" cy="1354217"/>
-          </a:xfrm>
-          <a:prstGeom prst="rect">
-            <a:avLst/>
-          </a:prstGeom>
-          <a:noFill/>
-        </p:spPr>
-        <p:txBody>
-          <a:bodyPr wrap="square" rtlCol="0">
-            <a:spAutoFit/>
-          </a:bodyPr>
-          <a:lstStyle/>
-          <a:p>
-            <a:r>
-              <a:rPr lang="en-GB" sz="1600" b="0" i="0" dirty="0">
-                <a:solidFill>
-                  <a:schemeClr val="bg1"/>
-                </a:solidFill>
-                <a:effectLst/>
-                <a:latin typeface="Times New Roman" panose="02020603050405020304" pitchFamily="18" charset="0"/>
-                <a:cs typeface="Times New Roman" panose="02020603050405020304" pitchFamily="18" charset="0"/>
-              </a:rPr>
-              <a:t>6. </a:t>
-            </a:r>
-            <a:r>
-              <a:rPr lang="ru-RU" sz="1600" b="0" i="0" dirty="0" err="1">
-                <a:solidFill>
-                  <a:schemeClr val="bg1"/>
-                </a:solidFill>
-                <a:effectLst/>
-                <a:latin typeface="Times New Roman" panose="02020603050405020304" pitchFamily="18" charset="0"/>
-                <a:cs typeface="Times New Roman" panose="02020603050405020304" pitchFamily="18" charset="0"/>
-              </a:rPr>
-              <a:t>Якщо</a:t>
-            </a:r>
-            <a:r>
-              <a:rPr lang="ru-RU" sz="1600" b="0" i="0" dirty="0">
-                <a:solidFill>
-                  <a:schemeClr val="bg1"/>
-                </a:solidFill>
-                <a:effectLst/>
-                <a:latin typeface="Times New Roman" panose="02020603050405020304" pitchFamily="18" charset="0"/>
-                <a:cs typeface="Times New Roman" panose="02020603050405020304" pitchFamily="18" charset="0"/>
-              </a:rPr>
-              <a:t> у вас є </a:t>
-            </a:r>
-            <a:r>
-              <a:rPr lang="ru-RU" sz="1600" b="0" i="0" dirty="0" err="1">
-                <a:solidFill>
-                  <a:schemeClr val="bg1"/>
-                </a:solidFill>
-                <a:effectLst/>
-                <a:latin typeface="Times New Roman" panose="02020603050405020304" pitchFamily="18" charset="0"/>
-                <a:cs typeface="Times New Roman" panose="02020603050405020304" pitchFamily="18" charset="0"/>
-              </a:rPr>
-              <a:t>кілька</a:t>
-            </a:r>
-            <a:r>
-              <a:rPr lang="ru-RU" sz="1600" b="0" i="0" dirty="0">
-                <a:solidFill>
-                  <a:schemeClr val="bg1"/>
-                </a:solidFill>
-                <a:effectLst/>
-                <a:latin typeface="Times New Roman" panose="02020603050405020304" pitchFamily="18" charset="0"/>
-                <a:cs typeface="Times New Roman" panose="02020603050405020304" pitchFamily="18" charset="0"/>
-              </a:rPr>
-              <a:t> </a:t>
-            </a:r>
-            <a:r>
-              <a:rPr lang="ru-RU" sz="1600" b="0" i="0" dirty="0" err="1">
-                <a:solidFill>
-                  <a:schemeClr val="bg1"/>
-                </a:solidFill>
-                <a:effectLst/>
-                <a:latin typeface="Times New Roman" panose="02020603050405020304" pitchFamily="18" charset="0"/>
-                <a:cs typeface="Times New Roman" panose="02020603050405020304" pitchFamily="18" charset="0"/>
-              </a:rPr>
-              <a:t>варіацій</a:t>
-            </a:r>
-            <a:r>
-              <a:rPr lang="ru-RU" sz="1600" b="0" i="0" dirty="0">
-                <a:solidFill>
-                  <a:schemeClr val="bg1"/>
-                </a:solidFill>
-                <a:effectLst/>
-                <a:latin typeface="Times New Roman" panose="02020603050405020304" pitchFamily="18" charset="0"/>
-                <a:cs typeface="Times New Roman" panose="02020603050405020304" pitchFamily="18" charset="0"/>
-              </a:rPr>
-              <a:t> </a:t>
-            </a:r>
-            <a:r>
-              <a:rPr lang="ru-RU" sz="1600" b="0" i="0" dirty="0" err="1">
-                <a:solidFill>
-                  <a:schemeClr val="bg1"/>
-                </a:solidFill>
-                <a:effectLst/>
-                <a:latin typeface="Times New Roman" panose="02020603050405020304" pitchFamily="18" charset="0"/>
-                <a:cs typeface="Times New Roman" panose="02020603050405020304" pitchFamily="18" charset="0"/>
-              </a:rPr>
-              <a:t>абстракції</a:t>
-            </a:r>
-            <a:r>
-              <a:rPr lang="ru-RU" sz="1600" b="0" i="0" dirty="0">
-                <a:solidFill>
-                  <a:schemeClr val="bg1"/>
-                </a:solidFill>
-                <a:effectLst/>
-                <a:latin typeface="Times New Roman" panose="02020603050405020304" pitchFamily="18" charset="0"/>
-                <a:cs typeface="Times New Roman" panose="02020603050405020304" pitchFamily="18" charset="0"/>
-              </a:rPr>
-              <a:t>, </a:t>
-            </a:r>
-            <a:r>
-              <a:rPr lang="ru-RU" sz="1600" b="0" i="0" dirty="0" err="1">
-                <a:solidFill>
-                  <a:schemeClr val="bg1"/>
-                </a:solidFill>
-                <a:effectLst/>
-                <a:latin typeface="Times New Roman" panose="02020603050405020304" pitchFamily="18" charset="0"/>
-                <a:cs typeface="Times New Roman" panose="02020603050405020304" pitchFamily="18" charset="0"/>
-              </a:rPr>
-              <a:t>створіть</a:t>
-            </a:r>
-            <a:r>
-              <a:rPr lang="ru-RU" sz="1600" b="0" i="0" dirty="0">
-                <a:solidFill>
-                  <a:schemeClr val="bg1"/>
-                </a:solidFill>
-                <a:effectLst/>
-                <a:latin typeface="Times New Roman" panose="02020603050405020304" pitchFamily="18" charset="0"/>
-                <a:cs typeface="Times New Roman" panose="02020603050405020304" pitchFamily="18" charset="0"/>
-              </a:rPr>
-              <a:t> для </a:t>
-            </a:r>
-            <a:r>
-              <a:rPr lang="ru-RU" sz="1600" b="0" i="0" dirty="0" err="1">
-                <a:solidFill>
-                  <a:schemeClr val="bg1"/>
-                </a:solidFill>
-                <a:effectLst/>
-                <a:latin typeface="Times New Roman" panose="02020603050405020304" pitchFamily="18" charset="0"/>
-                <a:cs typeface="Times New Roman" panose="02020603050405020304" pitchFamily="18" charset="0"/>
-              </a:rPr>
-              <a:t>кожної</a:t>
-            </a:r>
-            <a:r>
-              <a:rPr lang="ru-RU" sz="1600" b="0" i="0" dirty="0">
-                <a:solidFill>
-                  <a:schemeClr val="bg1"/>
-                </a:solidFill>
-                <a:effectLst/>
-                <a:latin typeface="Times New Roman" panose="02020603050405020304" pitchFamily="18" charset="0"/>
-                <a:cs typeface="Times New Roman" panose="02020603050405020304" pitchFamily="18" charset="0"/>
-              </a:rPr>
-              <a:t> з них </a:t>
-            </a:r>
-            <a:r>
-              <a:rPr lang="ru-RU" sz="1600" b="0" i="0" dirty="0" err="1">
-                <a:solidFill>
-                  <a:schemeClr val="bg1"/>
-                </a:solidFill>
-                <a:effectLst/>
-                <a:latin typeface="Times New Roman" panose="02020603050405020304" pitchFamily="18" charset="0"/>
-                <a:cs typeface="Times New Roman" panose="02020603050405020304" pitchFamily="18" charset="0"/>
-              </a:rPr>
-              <a:t>власний</a:t>
-            </a:r>
-            <a:r>
-              <a:rPr lang="ru-RU" sz="1600" b="0" i="0" dirty="0">
-                <a:solidFill>
-                  <a:schemeClr val="bg1"/>
-                </a:solidFill>
-                <a:effectLst/>
-                <a:latin typeface="Times New Roman" panose="02020603050405020304" pitchFamily="18" charset="0"/>
-                <a:cs typeface="Times New Roman" panose="02020603050405020304" pitchFamily="18" charset="0"/>
-              </a:rPr>
-              <a:t> </a:t>
-            </a:r>
-            <a:r>
-              <a:rPr lang="ru-RU" sz="1600" b="0" i="0" dirty="0" err="1">
-                <a:solidFill>
-                  <a:schemeClr val="bg1"/>
-                </a:solidFill>
-                <a:effectLst/>
-                <a:latin typeface="Times New Roman" panose="02020603050405020304" pitchFamily="18" charset="0"/>
-                <a:cs typeface="Times New Roman" panose="02020603050405020304" pitchFamily="18" charset="0"/>
-              </a:rPr>
-              <a:t>підклас</a:t>
-            </a:r>
-            <a:r>
-              <a:rPr lang="ru-RU" sz="1600" b="0" i="0" dirty="0">
-                <a:solidFill>
-                  <a:schemeClr val="bg1"/>
-                </a:solidFill>
-                <a:effectLst/>
-                <a:latin typeface="Times New Roman" panose="02020603050405020304" pitchFamily="18" charset="0"/>
-                <a:cs typeface="Times New Roman" panose="02020603050405020304" pitchFamily="18" charset="0"/>
-              </a:rPr>
-              <a:t>.</a:t>
-            </a:r>
-          </a:p>
-          <a:p>
-            <a:endParaRPr lang="LID4096" dirty="0"/>
-          </a:p>
-        </p:txBody>
-      </p:sp>
-      <p:sp>
-        <p:nvSpPr>
-          <p:cNvPr id="17" name="TextBox 16">
-            <a:extLst>
-              <a:ext uri="{FF2B5EF4-FFF2-40B4-BE49-F238E27FC236}">
-                <a16:creationId xmlns:a16="http://schemas.microsoft.com/office/drawing/2014/main" id="{6C5FB31A-D7CC-E848-F4F9-F9FF9B1EF9C0}"/>
-              </a:ext>
-            </a:extLst>
-          </p:cNvPr>
-          <p:cNvSpPr txBox="1"/>
-          <p:nvPr/>
-        </p:nvSpPr>
-        <p:spPr>
-          <a:xfrm>
-            <a:off x="1896676" y="5859701"/>
-            <a:ext cx="8398648" cy="861774"/>
-          </a:xfrm>
-          <a:prstGeom prst="rect">
-            <a:avLst/>
-          </a:prstGeom>
-          <a:noFill/>
-        </p:spPr>
-        <p:txBody>
-          <a:bodyPr wrap="square" rtlCol="0">
-            <a:spAutoFit/>
-          </a:bodyPr>
-          <a:lstStyle/>
-          <a:p>
-            <a:r>
-              <a:rPr lang="en-GB" sz="1600" b="0" i="0" dirty="0">
-                <a:solidFill>
-                  <a:schemeClr val="bg1"/>
-                </a:solidFill>
-                <a:effectLst/>
-                <a:latin typeface="Times New Roman" panose="02020603050405020304" pitchFamily="18" charset="0"/>
-                <a:cs typeface="Times New Roman" panose="02020603050405020304" pitchFamily="18" charset="0"/>
-              </a:rPr>
-              <a:t>7. </a:t>
-            </a:r>
-            <a:r>
-              <a:rPr lang="uk-UA" sz="1600" b="0" i="0" dirty="0">
-                <a:solidFill>
-                  <a:schemeClr val="bg1"/>
-                </a:solidFill>
-                <a:effectLst/>
-                <a:latin typeface="Times New Roman" panose="02020603050405020304" pitchFamily="18" charset="0"/>
-                <a:cs typeface="Times New Roman" panose="02020603050405020304" pitchFamily="18" charset="0"/>
-              </a:rPr>
-              <a:t>Клієнт повинен подати об’єкт реалізації до конструктора абстракції, щоб зв’язати їх разом. Після цього він може вільно використовувати об’єкт абстракції, забувши про реалізацію.</a:t>
-            </a:r>
-          </a:p>
-          <a:p>
-            <a:endParaRPr lang="LID4096" dirty="0"/>
-          </a:p>
-        </p:txBody>
-      </p:sp>
-      <p:sp>
-        <p:nvSpPr>
-          <p:cNvPr id="18" name="Овал 17">
-            <a:extLst>
-              <a:ext uri="{FF2B5EF4-FFF2-40B4-BE49-F238E27FC236}">
-                <a16:creationId xmlns:a16="http://schemas.microsoft.com/office/drawing/2014/main" id="{8246D6AA-0D2C-0E9B-96C0-AE692B3B7EB8}"/>
+                <a16:creationId xmlns:a16="http://schemas.microsoft.com/office/drawing/2014/main" id="{34AEF7BF-33B8-4AD7-65F1-1C57731F51C3}"/>
               </a:ext>
             </a:extLst>
           </p:cNvPr>
@@ -15718,10 +11863,10 @@
         </p:nvSpPr>
         <p:spPr>
           <a:xfrm>
-            <a:off x="420789" y="1783775"/>
-            <a:ext cx="262800" cy="261257"/>
+            <a:off x="5950004" y="1506071"/>
+            <a:ext cx="291993" cy="4449055"/>
           </a:xfrm>
-          <a:prstGeom prst="ellipse">
+          <a:prstGeom prst="rect">
             <a:avLst/>
           </a:prstGeom>
           <a:solidFill>
@@ -15729,16 +11874,16 @@
           </a:solidFill>
           <a:ln>
             <a:solidFill>
-              <a:schemeClr val="bg1"/>
+              <a:srgbClr val="FFFFFF"/>
             </a:solidFill>
           </a:ln>
           <a:effectLst>
-            <a:glow rad="152400">
+            <a:glow rad="127000">
               <a:schemeClr val="bg1">
-                <a:alpha val="40000"/>
+                <a:alpha val="14000"/>
               </a:schemeClr>
             </a:glow>
-            <a:softEdge rad="76200"/>
+            <a:softEdge rad="88900"/>
           </a:effectLst>
         </p:spPr>
         <p:style>
@@ -15762,386 +11907,737 @@
           <a:lstStyle/>
           <a:p>
             <a:pPr algn="ctr"/>
-            <a:endParaRPr lang="LID4096"/>
+            <a:endParaRPr lang="LID4096" dirty="0"/>
           </a:p>
         </p:txBody>
       </p:sp>
-      <p:sp>
-        <p:nvSpPr>
-          <p:cNvPr id="19" name="Овал 18">
+      <p:grpSp>
+        <p:nvGrpSpPr>
+          <p:cNvPr id="20" name="Группа 19">
             <a:extLst>
               <a:ext uri="{FF2B5EF4-FFF2-40B4-BE49-F238E27FC236}">
-                <a16:creationId xmlns:a16="http://schemas.microsoft.com/office/drawing/2014/main" id="{9B6A2FC1-6EA0-E9ED-53AA-698BAA1CEC76}"/>
+                <a16:creationId xmlns:a16="http://schemas.microsoft.com/office/drawing/2014/main" id="{A5B385AF-75B3-DB95-FF7F-924FA6C02759}"/>
               </a:ext>
             </a:extLst>
           </p:cNvPr>
-          <p:cNvSpPr/>
+          <p:cNvGrpSpPr/>
           <p:nvPr/>
-        </p:nvSpPr>
-        <p:spPr>
+        </p:nvGrpSpPr>
+        <p:grpSpPr>
           <a:xfrm>
-            <a:off x="5964600" y="1435886"/>
-            <a:ext cx="262800" cy="261257"/>
+            <a:off x="369473" y="1690688"/>
+            <a:ext cx="4504295" cy="2585323"/>
+            <a:chOff x="369473" y="1690688"/>
+            <a:chExt cx="4504295" cy="2585323"/>
           </a:xfrm>
-          <a:prstGeom prst="ellipse">
-            <a:avLst/>
-          </a:prstGeom>
-          <a:solidFill>
-            <a:schemeClr val="bg1"/>
-          </a:solidFill>
-          <a:ln>
+        </p:grpSpPr>
+        <p:sp>
+          <p:nvSpPr>
+            <p:cNvPr id="6" name="TextBox 5">
+              <a:extLst>
+                <a:ext uri="{FF2B5EF4-FFF2-40B4-BE49-F238E27FC236}">
+                  <a16:creationId xmlns:a16="http://schemas.microsoft.com/office/drawing/2014/main" id="{85B31180-0C4A-E396-CB1F-53C07DB10147}"/>
+                </a:ext>
+              </a:extLst>
+            </p:cNvPr>
+            <p:cNvSpPr txBox="1"/>
+            <p:nvPr/>
+          </p:nvSpPr>
+          <p:spPr>
+            <a:xfrm>
+              <a:off x="965199" y="1690688"/>
+              <a:ext cx="3908569" cy="2585323"/>
+            </a:xfrm>
+            <a:prstGeom prst="rect">
+              <a:avLst/>
+            </a:prstGeom>
+            <a:noFill/>
+          </p:spPr>
+          <p:txBody>
+            <a:bodyPr wrap="square" rtlCol="0">
+              <a:spAutoFit/>
+            </a:bodyPr>
+            <a:lstStyle/>
+            <a:p>
+              <a:pPr algn="l"/>
+              <a:r>
+                <a:rPr lang="uk-UA" b="0" i="0" dirty="0">
+                  <a:solidFill>
+                    <a:schemeClr val="bg1"/>
+                  </a:solidFill>
+                  <a:effectLst/>
+                  <a:latin typeface="Times New Roman" panose="02020603050405020304" pitchFamily="18" charset="0"/>
+                  <a:cs typeface="Times New Roman" panose="02020603050405020304" pitchFamily="18" charset="0"/>
+                </a:rPr>
+                <a:t>Дозволяє будувати платформо-незалежні програми.</a:t>
+              </a:r>
+              <a:endParaRPr lang="en-GB" b="0" i="0" dirty="0">
+                <a:solidFill>
+                  <a:schemeClr val="bg1"/>
+                </a:solidFill>
+                <a:effectLst/>
+                <a:latin typeface="Times New Roman" panose="02020603050405020304" pitchFamily="18" charset="0"/>
+                <a:cs typeface="Times New Roman" panose="02020603050405020304" pitchFamily="18" charset="0"/>
+              </a:endParaRPr>
+            </a:p>
+            <a:p>
+              <a:pPr algn="l"/>
+              <a:endParaRPr lang="en-GB" b="0" i="0" dirty="0">
+                <a:solidFill>
+                  <a:schemeClr val="bg1"/>
+                </a:solidFill>
+                <a:effectLst/>
+                <a:latin typeface="Times New Roman" panose="02020603050405020304" pitchFamily="18" charset="0"/>
+                <a:cs typeface="Times New Roman" panose="02020603050405020304" pitchFamily="18" charset="0"/>
+              </a:endParaRPr>
+            </a:p>
+            <a:p>
+              <a:pPr algn="l"/>
+              <a:endParaRPr lang="en-GB" dirty="0">
+                <a:solidFill>
+                  <a:schemeClr val="bg1"/>
+                </a:solidFill>
+                <a:latin typeface="Times New Roman" panose="02020603050405020304" pitchFamily="18" charset="0"/>
+                <a:cs typeface="Times New Roman" panose="02020603050405020304" pitchFamily="18" charset="0"/>
+              </a:endParaRPr>
+            </a:p>
+            <a:p>
+              <a:pPr algn="l"/>
+              <a:endParaRPr lang="uk-UA" b="0" i="0" dirty="0">
+                <a:solidFill>
+                  <a:schemeClr val="bg1"/>
+                </a:solidFill>
+                <a:effectLst/>
+                <a:latin typeface="Times New Roman" panose="02020603050405020304" pitchFamily="18" charset="0"/>
+                <a:cs typeface="Times New Roman" panose="02020603050405020304" pitchFamily="18" charset="0"/>
+              </a:endParaRPr>
+            </a:p>
+            <a:p>
+              <a:pPr algn="l"/>
+              <a:endParaRPr lang="en-GB" dirty="0">
+                <a:solidFill>
+                  <a:schemeClr val="bg1"/>
+                </a:solidFill>
+                <a:latin typeface="Times New Roman" panose="02020603050405020304" pitchFamily="18" charset="0"/>
+                <a:cs typeface="Times New Roman" panose="02020603050405020304" pitchFamily="18" charset="0"/>
+              </a:endParaRPr>
+            </a:p>
+            <a:p>
+              <a:pPr algn="l"/>
+              <a:endParaRPr lang="en-GB" b="0" i="0" dirty="0">
+                <a:solidFill>
+                  <a:schemeClr val="bg1"/>
+                </a:solidFill>
+                <a:effectLst/>
+                <a:latin typeface="Times New Roman" panose="02020603050405020304" pitchFamily="18" charset="0"/>
+                <a:cs typeface="Times New Roman" panose="02020603050405020304" pitchFamily="18" charset="0"/>
+              </a:endParaRPr>
+            </a:p>
+            <a:p>
+              <a:pPr algn="l"/>
+              <a:endParaRPr lang="en-GB" dirty="0">
+                <a:solidFill>
+                  <a:schemeClr val="bg1"/>
+                </a:solidFill>
+                <a:latin typeface="Times New Roman" panose="02020603050405020304" pitchFamily="18" charset="0"/>
+                <a:cs typeface="Times New Roman" panose="02020603050405020304" pitchFamily="18" charset="0"/>
+              </a:endParaRPr>
+            </a:p>
+            <a:p>
+              <a:endParaRPr lang="LID4096" dirty="0">
+                <a:solidFill>
+                  <a:schemeClr val="bg1"/>
+                </a:solidFill>
+                <a:latin typeface="Times New Roman" panose="02020603050405020304" pitchFamily="18" charset="0"/>
+                <a:cs typeface="Times New Roman" panose="02020603050405020304" pitchFamily="18" charset="0"/>
+              </a:endParaRPr>
+            </a:p>
+          </p:txBody>
+        </p:sp>
+        <p:pic>
+          <p:nvPicPr>
+            <p:cNvPr id="4098" name="Picture 2">
+              <a:extLst>
+                <a:ext uri="{FF2B5EF4-FFF2-40B4-BE49-F238E27FC236}">
+                  <a16:creationId xmlns:a16="http://schemas.microsoft.com/office/drawing/2014/main" id="{E547EFEA-9337-16B8-DAB0-64FC77034554}"/>
+                </a:ext>
+              </a:extLst>
+            </p:cNvPr>
+            <p:cNvPicPr>
+              <a:picLocks noChangeAspect="1" noChangeArrowheads="1"/>
+            </p:cNvPicPr>
+            <p:nvPr/>
+          </p:nvPicPr>
+          <p:blipFill>
+            <a:blip r:embed="rId2">
+              <a:extLst>
+                <a:ext uri="{28A0092B-C50C-407E-A947-70E740481C1C}">
+                  <a14:useLocalDpi xmlns:a14="http://schemas.microsoft.com/office/drawing/2010/main" val="0"/>
+                </a:ext>
+              </a:extLst>
+            </a:blip>
+            <a:srcRect/>
+            <a:stretch>
+              <a:fillRect/>
+            </a:stretch>
+          </p:blipFill>
+          <p:spPr bwMode="auto">
+            <a:xfrm>
+              <a:off x="369473" y="1759003"/>
+              <a:ext cx="468727" cy="468727"/>
+            </a:xfrm>
+            <a:prstGeom prst="rect">
+              <a:avLst/>
+            </a:prstGeom>
+            <a:noFill/>
+            <a:extLst>
+              <a:ext uri="{909E8E84-426E-40DD-AFC4-6F175D3DCCD1}">
+                <a14:hiddenFill xmlns:a14="http://schemas.microsoft.com/office/drawing/2010/main">
+                  <a:solidFill>
+                    <a:srgbClr val="FFFFFF"/>
+                  </a:solidFill>
+                </a14:hiddenFill>
+              </a:ext>
+            </a:extLst>
+          </p:spPr>
+        </p:pic>
+      </p:grpSp>
+      <p:grpSp>
+        <p:nvGrpSpPr>
+          <p:cNvPr id="24" name="Группа 23">
+            <a:extLst>
+              <a:ext uri="{FF2B5EF4-FFF2-40B4-BE49-F238E27FC236}">
+                <a16:creationId xmlns:a16="http://schemas.microsoft.com/office/drawing/2014/main" id="{D49814F2-AA48-E97A-BD1D-FF5D9A564789}"/>
+              </a:ext>
+            </a:extLst>
+          </p:cNvPr>
+          <p:cNvGrpSpPr/>
+          <p:nvPr/>
+        </p:nvGrpSpPr>
+        <p:grpSpPr>
+          <a:xfrm>
+            <a:off x="7445232" y="1690688"/>
+            <a:ext cx="3402418" cy="923330"/>
+            <a:chOff x="7445232" y="1690688"/>
+            <a:chExt cx="3402418" cy="923330"/>
+          </a:xfrm>
+        </p:grpSpPr>
+        <p:sp>
+          <p:nvSpPr>
+            <p:cNvPr id="14" name="Овал 13">
+              <a:extLst>
+                <a:ext uri="{FF2B5EF4-FFF2-40B4-BE49-F238E27FC236}">
+                  <a16:creationId xmlns:a16="http://schemas.microsoft.com/office/drawing/2014/main" id="{FBE211B2-8F15-97AC-6D0C-57834431812E}"/>
+                </a:ext>
+              </a:extLst>
+            </p:cNvPr>
+            <p:cNvSpPr/>
+            <p:nvPr/>
+          </p:nvSpPr>
+          <p:spPr>
+            <a:xfrm>
+              <a:off x="7496984" y="1954353"/>
+              <a:ext cx="396000" cy="396000"/>
+            </a:xfrm>
+            <a:prstGeom prst="ellipse">
+              <a:avLst/>
+            </a:prstGeom>
             <a:solidFill>
               <a:schemeClr val="bg1"/>
             </a:solidFill>
-          </a:ln>
-          <a:effectLst>
-            <a:glow rad="152400">
-              <a:schemeClr val="bg1">
-                <a:alpha val="40000"/>
+            <a:ln>
+              <a:solidFill>
+                <a:schemeClr val="bg1"/>
+              </a:solidFill>
+            </a:ln>
+          </p:spPr>
+          <p:style>
+            <a:lnRef idx="2">
+              <a:schemeClr val="accent1">
+                <a:shade val="15000"/>
               </a:schemeClr>
-            </a:glow>
-            <a:softEdge rad="76200"/>
-          </a:effectLst>
-        </p:spPr>
-        <p:style>
-          <a:lnRef idx="2">
-            <a:schemeClr val="accent1">
-              <a:shade val="15000"/>
-            </a:schemeClr>
-          </a:lnRef>
-          <a:fillRef idx="1">
-            <a:schemeClr val="accent1"/>
-          </a:fillRef>
-          <a:effectRef idx="0">
-            <a:schemeClr val="accent1"/>
-          </a:effectRef>
-          <a:fontRef idx="minor">
-            <a:schemeClr val="lt1"/>
-          </a:fontRef>
-        </p:style>
-        <p:txBody>
-          <a:bodyPr rtlCol="0" anchor="ctr"/>
-          <a:lstStyle/>
-          <a:p>
-            <a:pPr algn="ctr"/>
-            <a:endParaRPr lang="LID4096"/>
-          </a:p>
-        </p:txBody>
-      </p:sp>
-      <p:sp>
-        <p:nvSpPr>
-          <p:cNvPr id="20" name="Овал 19">
+            </a:lnRef>
+            <a:fillRef idx="1">
+              <a:schemeClr val="accent1"/>
+            </a:fillRef>
+            <a:effectRef idx="0">
+              <a:schemeClr val="accent1"/>
+            </a:effectRef>
+            <a:fontRef idx="minor">
+              <a:schemeClr val="lt1"/>
+            </a:fontRef>
+          </p:style>
+          <p:txBody>
+            <a:bodyPr rtlCol="0" anchor="ctr"/>
+            <a:lstStyle/>
+            <a:p>
+              <a:pPr algn="ctr"/>
+              <a:endParaRPr lang="LID4096"/>
+            </a:p>
+          </p:txBody>
+        </p:sp>
+        <p:grpSp>
+          <p:nvGrpSpPr>
+            <p:cNvPr id="23" name="Группа 22">
+              <a:extLst>
+                <a:ext uri="{FF2B5EF4-FFF2-40B4-BE49-F238E27FC236}">
+                  <a16:creationId xmlns:a16="http://schemas.microsoft.com/office/drawing/2014/main" id="{98A89596-B7A8-5C23-A670-5C4D466BDAA0}"/>
+                </a:ext>
+              </a:extLst>
+            </p:cNvPr>
+            <p:cNvGrpSpPr/>
+            <p:nvPr/>
+          </p:nvGrpSpPr>
+          <p:grpSpPr>
+            <a:xfrm>
+              <a:off x="7445232" y="1690688"/>
+              <a:ext cx="3402418" cy="923330"/>
+              <a:chOff x="7445232" y="1690688"/>
+              <a:chExt cx="3402418" cy="923330"/>
+            </a:xfrm>
+          </p:grpSpPr>
+          <p:sp>
+            <p:nvSpPr>
+              <p:cNvPr id="10" name="TextBox 9">
+                <a:extLst>
+                  <a:ext uri="{FF2B5EF4-FFF2-40B4-BE49-F238E27FC236}">
+                    <a16:creationId xmlns:a16="http://schemas.microsoft.com/office/drawing/2014/main" id="{7C57AF67-9E0E-4D69-E20F-A28463DC51BC}"/>
+                  </a:ext>
+                </a:extLst>
+              </p:cNvPr>
+              <p:cNvSpPr txBox="1"/>
+              <p:nvPr/>
+            </p:nvSpPr>
+            <p:spPr>
+              <a:xfrm>
+                <a:off x="7933480" y="1690688"/>
+                <a:ext cx="2914170" cy="923330"/>
+              </a:xfrm>
+              <a:prstGeom prst="rect">
+                <a:avLst/>
+              </a:prstGeom>
+              <a:noFill/>
+            </p:spPr>
+            <p:txBody>
+              <a:bodyPr wrap="square">
+                <a:spAutoFit/>
+              </a:bodyPr>
+              <a:lstStyle/>
+              <a:p>
+                <a:r>
+                  <a:rPr lang="ru-RU" b="0" i="0" dirty="0" err="1">
+                    <a:solidFill>
+                      <a:schemeClr val="bg1"/>
+                    </a:solidFill>
+                    <a:effectLst/>
+                    <a:latin typeface="Times New Roman" panose="02020603050405020304" pitchFamily="18" charset="0"/>
+                    <a:cs typeface="Times New Roman" panose="02020603050405020304" pitchFamily="18" charset="0"/>
+                  </a:rPr>
+                  <a:t>Ускладнює</a:t>
+                </a:r>
+                <a:r>
+                  <a:rPr lang="ru-RU" b="0" i="0" dirty="0">
+                    <a:solidFill>
+                      <a:schemeClr val="bg1"/>
+                    </a:solidFill>
+                    <a:effectLst/>
+                    <a:latin typeface="Times New Roman" panose="02020603050405020304" pitchFamily="18" charset="0"/>
+                    <a:cs typeface="Times New Roman" panose="02020603050405020304" pitchFamily="18" charset="0"/>
+                  </a:rPr>
+                  <a:t> код </a:t>
+                </a:r>
+                <a:r>
+                  <a:rPr lang="ru-RU" b="0" i="0" dirty="0" err="1">
+                    <a:solidFill>
+                      <a:schemeClr val="bg1"/>
+                    </a:solidFill>
+                    <a:effectLst/>
+                    <a:latin typeface="Times New Roman" panose="02020603050405020304" pitchFamily="18" charset="0"/>
+                    <a:cs typeface="Times New Roman" panose="02020603050405020304" pitchFamily="18" charset="0"/>
+                  </a:rPr>
+                  <a:t>програми</a:t>
+                </a:r>
+                <a:r>
+                  <a:rPr lang="ru-RU" b="0" i="0" dirty="0">
+                    <a:solidFill>
+                      <a:schemeClr val="bg1"/>
+                    </a:solidFill>
+                    <a:effectLst/>
+                    <a:latin typeface="Times New Roman" panose="02020603050405020304" pitchFamily="18" charset="0"/>
+                    <a:cs typeface="Times New Roman" panose="02020603050405020304" pitchFamily="18" charset="0"/>
+                  </a:rPr>
+                  <a:t> </a:t>
+                </a:r>
+                <a:r>
+                  <a:rPr lang="ru-RU" b="0" i="0" dirty="0" err="1">
+                    <a:solidFill>
+                      <a:schemeClr val="bg1"/>
+                    </a:solidFill>
+                    <a:effectLst/>
+                    <a:latin typeface="Times New Roman" panose="02020603050405020304" pitchFamily="18" charset="0"/>
+                    <a:cs typeface="Times New Roman" panose="02020603050405020304" pitchFamily="18" charset="0"/>
+                  </a:rPr>
+                  <a:t>внаслідок</a:t>
+                </a:r>
+                <a:r>
+                  <a:rPr lang="ru-RU" b="0" i="0" dirty="0">
+                    <a:solidFill>
+                      <a:schemeClr val="bg1"/>
+                    </a:solidFill>
+                    <a:effectLst/>
+                    <a:latin typeface="Times New Roman" panose="02020603050405020304" pitchFamily="18" charset="0"/>
+                    <a:cs typeface="Times New Roman" panose="02020603050405020304" pitchFamily="18" charset="0"/>
+                  </a:rPr>
+                  <a:t> </a:t>
+                </a:r>
+                <a:r>
+                  <a:rPr lang="ru-RU" b="0" i="0" dirty="0" err="1">
+                    <a:solidFill>
+                      <a:schemeClr val="bg1"/>
+                    </a:solidFill>
+                    <a:effectLst/>
+                    <a:latin typeface="Times New Roman" panose="02020603050405020304" pitchFamily="18" charset="0"/>
+                    <a:cs typeface="Times New Roman" panose="02020603050405020304" pitchFamily="18" charset="0"/>
+                  </a:rPr>
+                  <a:t>введення</a:t>
+                </a:r>
+                <a:r>
+                  <a:rPr lang="ru-RU" b="0" i="0" dirty="0">
+                    <a:solidFill>
+                      <a:schemeClr val="bg1"/>
+                    </a:solidFill>
+                    <a:effectLst/>
+                    <a:latin typeface="Times New Roman" panose="02020603050405020304" pitchFamily="18" charset="0"/>
+                    <a:cs typeface="Times New Roman" panose="02020603050405020304" pitchFamily="18" charset="0"/>
+                  </a:rPr>
+                  <a:t> </a:t>
+                </a:r>
+                <a:r>
+                  <a:rPr lang="ru-RU" b="0" i="0" dirty="0" err="1">
+                    <a:solidFill>
+                      <a:schemeClr val="bg1"/>
+                    </a:solidFill>
+                    <a:effectLst/>
+                    <a:latin typeface="Times New Roman" panose="02020603050405020304" pitchFamily="18" charset="0"/>
+                    <a:cs typeface="Times New Roman" panose="02020603050405020304" pitchFamily="18" charset="0"/>
+                  </a:rPr>
+                  <a:t>додаткових</a:t>
+                </a:r>
+                <a:r>
+                  <a:rPr lang="ru-RU" b="0" i="0" dirty="0">
+                    <a:solidFill>
+                      <a:schemeClr val="bg1"/>
+                    </a:solidFill>
+                    <a:effectLst/>
+                    <a:latin typeface="Times New Roman" panose="02020603050405020304" pitchFamily="18" charset="0"/>
+                    <a:cs typeface="Times New Roman" panose="02020603050405020304" pitchFamily="18" charset="0"/>
+                  </a:rPr>
+                  <a:t> </a:t>
+                </a:r>
+                <a:r>
+                  <a:rPr lang="ru-RU" b="0" i="0" dirty="0" err="1">
+                    <a:solidFill>
+                      <a:schemeClr val="bg1"/>
+                    </a:solidFill>
+                    <a:effectLst/>
+                    <a:latin typeface="Times New Roman" panose="02020603050405020304" pitchFamily="18" charset="0"/>
+                    <a:cs typeface="Times New Roman" panose="02020603050405020304" pitchFamily="18" charset="0"/>
+                  </a:rPr>
+                  <a:t>класів</a:t>
+                </a:r>
+                <a:r>
+                  <a:rPr lang="ru-RU" b="0" i="0" dirty="0">
+                    <a:solidFill>
+                      <a:schemeClr val="bg1"/>
+                    </a:solidFill>
+                    <a:effectLst/>
+                    <a:latin typeface="Times New Roman" panose="02020603050405020304" pitchFamily="18" charset="0"/>
+                    <a:cs typeface="Times New Roman" panose="02020603050405020304" pitchFamily="18" charset="0"/>
+                  </a:rPr>
+                  <a:t>.</a:t>
+                </a:r>
+                <a:endParaRPr lang="LID4096" dirty="0">
+                  <a:solidFill>
+                    <a:schemeClr val="bg1"/>
+                  </a:solidFill>
+                  <a:latin typeface="Times New Roman" panose="02020603050405020304" pitchFamily="18" charset="0"/>
+                  <a:cs typeface="Times New Roman" panose="02020603050405020304" pitchFamily="18" charset="0"/>
+                </a:endParaRPr>
+              </a:p>
+            </p:txBody>
+          </p:sp>
+          <p:pic>
+            <p:nvPicPr>
+              <p:cNvPr id="13" name="Рисунок 12">
+                <a:extLst>
+                  <a:ext uri="{FF2B5EF4-FFF2-40B4-BE49-F238E27FC236}">
+                    <a16:creationId xmlns:a16="http://schemas.microsoft.com/office/drawing/2014/main" id="{157CF92D-9BBC-968E-0995-D09555978A96}"/>
+                  </a:ext>
+                </a:extLst>
+              </p:cNvPr>
+              <p:cNvPicPr>
+                <a:picLocks noChangeAspect="1"/>
+              </p:cNvPicPr>
+              <p:nvPr/>
+            </p:nvPicPr>
+            <p:blipFill>
+              <a:blip r:embed="rId3">
+                <a:extLst>
+                  <a:ext uri="{28A0092B-C50C-407E-A947-70E740481C1C}">
+                    <a14:useLocalDpi xmlns:a14="http://schemas.microsoft.com/office/drawing/2010/main" val="0"/>
+                  </a:ext>
+                </a:extLst>
+              </a:blip>
+              <a:stretch>
+                <a:fillRect/>
+              </a:stretch>
+            </p:blipFill>
+            <p:spPr>
+              <a:xfrm>
+                <a:off x="7445232" y="1918353"/>
+                <a:ext cx="468000" cy="468000"/>
+              </a:xfrm>
+              <a:prstGeom prst="rect">
+                <a:avLst/>
+              </a:prstGeom>
+            </p:spPr>
+          </p:pic>
+        </p:grpSp>
+      </p:grpSp>
+      <p:grpSp>
+        <p:nvGrpSpPr>
+          <p:cNvPr id="21" name="Группа 20">
             <a:extLst>
               <a:ext uri="{FF2B5EF4-FFF2-40B4-BE49-F238E27FC236}">
-                <a16:creationId xmlns:a16="http://schemas.microsoft.com/office/drawing/2014/main" id="{D4A7DAEB-3401-43A1-4B42-6CFA2568EF74}"/>
+                <a16:creationId xmlns:a16="http://schemas.microsoft.com/office/drawing/2014/main" id="{86B7BECC-724A-C7C5-CB3B-8F399211486B}"/>
               </a:ext>
             </a:extLst>
           </p:cNvPr>
-          <p:cNvSpPr/>
+          <p:cNvGrpSpPr/>
           <p:nvPr/>
-        </p:nvSpPr>
-        <p:spPr>
+        </p:nvGrpSpPr>
+        <p:grpSpPr>
           <a:xfrm>
-            <a:off x="349127" y="3488141"/>
-            <a:ext cx="262800" cy="261257"/>
+            <a:off x="369472" y="3016251"/>
+            <a:ext cx="3821527" cy="923330"/>
+            <a:chOff x="369472" y="3016251"/>
+            <a:chExt cx="3821527" cy="923330"/>
           </a:xfrm>
-          <a:prstGeom prst="ellipse">
-            <a:avLst/>
-          </a:prstGeom>
-          <a:solidFill>
-            <a:schemeClr val="bg1"/>
-          </a:solidFill>
-          <a:ln>
-            <a:solidFill>
-              <a:schemeClr val="bg1"/>
-            </a:solidFill>
-          </a:ln>
-          <a:effectLst>
-            <a:glow rad="152400">
-              <a:schemeClr val="bg1">
-                <a:alpha val="40000"/>
-              </a:schemeClr>
-            </a:glow>
-            <a:softEdge rad="76200"/>
-          </a:effectLst>
-        </p:spPr>
-        <p:style>
-          <a:lnRef idx="2">
-            <a:schemeClr val="accent1">
-              <a:shade val="15000"/>
-            </a:schemeClr>
-          </a:lnRef>
-          <a:fillRef idx="1">
-            <a:schemeClr val="accent1"/>
-          </a:fillRef>
-          <a:effectRef idx="0">
-            <a:schemeClr val="accent1"/>
-          </a:effectRef>
-          <a:fontRef idx="minor">
-            <a:schemeClr val="lt1"/>
-          </a:fontRef>
-        </p:style>
-        <p:txBody>
-          <a:bodyPr rtlCol="0" anchor="ctr"/>
-          <a:lstStyle/>
-          <a:p>
-            <a:pPr algn="ctr"/>
-            <a:endParaRPr lang="LID4096"/>
-          </a:p>
-        </p:txBody>
-      </p:sp>
-      <p:sp>
-        <p:nvSpPr>
-          <p:cNvPr id="21" name="Овал 20">
+        </p:grpSpPr>
+        <p:pic>
+          <p:nvPicPr>
+            <p:cNvPr id="7" name="Picture 2">
+              <a:extLst>
+                <a:ext uri="{FF2B5EF4-FFF2-40B4-BE49-F238E27FC236}">
+                  <a16:creationId xmlns:a16="http://schemas.microsoft.com/office/drawing/2014/main" id="{CE34EFC3-1D91-D713-1CA7-A7766FA45BBD}"/>
+                </a:ext>
+              </a:extLst>
+            </p:cNvPr>
+            <p:cNvPicPr>
+              <a:picLocks noChangeAspect="1" noChangeArrowheads="1"/>
+            </p:cNvPicPr>
+            <p:nvPr/>
+          </p:nvPicPr>
+          <p:blipFill>
+            <a:blip r:embed="rId2">
+              <a:extLst>
+                <a:ext uri="{28A0092B-C50C-407E-A947-70E740481C1C}">
+                  <a14:useLocalDpi xmlns:a14="http://schemas.microsoft.com/office/drawing/2010/main" val="0"/>
+                </a:ext>
+              </a:extLst>
+            </a:blip>
+            <a:srcRect/>
+            <a:stretch>
+              <a:fillRect/>
+            </a:stretch>
+          </p:blipFill>
+          <p:spPr bwMode="auto">
+            <a:xfrm>
+              <a:off x="369472" y="3241277"/>
+              <a:ext cx="468727" cy="468727"/>
+            </a:xfrm>
+            <a:prstGeom prst="rect">
+              <a:avLst/>
+            </a:prstGeom>
+            <a:noFill/>
+            <a:extLst>
+              <a:ext uri="{909E8E84-426E-40DD-AFC4-6F175D3DCCD1}">
+                <a14:hiddenFill xmlns:a14="http://schemas.microsoft.com/office/drawing/2010/main">
+                  <a:solidFill>
+                    <a:srgbClr val="FFFFFF"/>
+                  </a:solidFill>
+                </a14:hiddenFill>
+              </a:ext>
+            </a:extLst>
+          </p:spPr>
+        </p:pic>
+        <p:sp>
+          <p:nvSpPr>
+            <p:cNvPr id="17" name="TextBox 16">
+              <a:extLst>
+                <a:ext uri="{FF2B5EF4-FFF2-40B4-BE49-F238E27FC236}">
+                  <a16:creationId xmlns:a16="http://schemas.microsoft.com/office/drawing/2014/main" id="{C25A93BF-8035-F9DF-3CD6-868F2A25A8BB}"/>
+                </a:ext>
+              </a:extLst>
+            </p:cNvPr>
+            <p:cNvSpPr txBox="1"/>
+            <p:nvPr/>
+          </p:nvSpPr>
+          <p:spPr>
+            <a:xfrm>
+              <a:off x="965199" y="3016251"/>
+              <a:ext cx="3225800" cy="923330"/>
+            </a:xfrm>
+            <a:prstGeom prst="rect">
+              <a:avLst/>
+            </a:prstGeom>
+            <a:noFill/>
+          </p:spPr>
+          <p:txBody>
+            <a:bodyPr wrap="square">
+              <a:spAutoFit/>
+            </a:bodyPr>
+            <a:lstStyle/>
+            <a:p>
+              <a:pPr algn="l"/>
+              <a:r>
+                <a:rPr lang="uk-UA" b="0" i="0" dirty="0">
+                  <a:solidFill>
+                    <a:schemeClr val="bg1"/>
+                  </a:solidFill>
+                  <a:effectLst/>
+                  <a:latin typeface="Times New Roman" panose="02020603050405020304" pitchFamily="18" charset="0"/>
+                  <a:cs typeface="Times New Roman" panose="02020603050405020304" pitchFamily="18" charset="0"/>
+                </a:rPr>
+                <a:t>Приховує зайві або небезпечні деталі реалізації від клієнтського коду.</a:t>
+              </a:r>
+              <a:endParaRPr lang="en-GB" b="0" i="0" dirty="0">
+                <a:solidFill>
+                  <a:schemeClr val="bg1"/>
+                </a:solidFill>
+                <a:effectLst/>
+                <a:latin typeface="Times New Roman" panose="02020603050405020304" pitchFamily="18" charset="0"/>
+                <a:cs typeface="Times New Roman" panose="02020603050405020304" pitchFamily="18" charset="0"/>
+              </a:endParaRPr>
+            </a:p>
+          </p:txBody>
+        </p:sp>
+      </p:grpSp>
+      <p:grpSp>
+        <p:nvGrpSpPr>
+          <p:cNvPr id="22" name="Группа 21">
             <a:extLst>
               <a:ext uri="{FF2B5EF4-FFF2-40B4-BE49-F238E27FC236}">
-                <a16:creationId xmlns:a16="http://schemas.microsoft.com/office/drawing/2014/main" id="{77A00091-38F0-9D2F-46A1-F076035B8743}"/>
+                <a16:creationId xmlns:a16="http://schemas.microsoft.com/office/drawing/2014/main" id="{1E60B5E8-EAC0-9334-F540-D5C1658F04D6}"/>
               </a:ext>
             </a:extLst>
           </p:cNvPr>
-          <p:cNvSpPr/>
+          <p:cNvGrpSpPr/>
           <p:nvPr/>
-        </p:nvSpPr>
-        <p:spPr>
+        </p:nvGrpSpPr>
+        <p:grpSpPr>
           <a:xfrm>
-            <a:off x="8047379" y="2797416"/>
-            <a:ext cx="262800" cy="261257"/>
+            <a:off x="369471" y="4712400"/>
+            <a:ext cx="4067061" cy="646331"/>
+            <a:chOff x="369471" y="4712400"/>
+            <a:chExt cx="4067061" cy="646331"/>
           </a:xfrm>
-          <a:prstGeom prst="ellipse">
-            <a:avLst/>
-          </a:prstGeom>
-          <a:solidFill>
-            <a:schemeClr val="bg1"/>
-          </a:solidFill>
-          <a:ln>
-            <a:solidFill>
-              <a:schemeClr val="bg1"/>
-            </a:solidFill>
-          </a:ln>
-          <a:effectLst>
-            <a:glow rad="152400">
-              <a:schemeClr val="bg1">
-                <a:alpha val="40000"/>
-              </a:schemeClr>
-            </a:glow>
-            <a:softEdge rad="76200"/>
-          </a:effectLst>
-        </p:spPr>
-        <p:style>
-          <a:lnRef idx="2">
-            <a:schemeClr val="accent1">
-              <a:shade val="15000"/>
-            </a:schemeClr>
-          </a:lnRef>
-          <a:fillRef idx="1">
-            <a:schemeClr val="accent1"/>
-          </a:fillRef>
-          <a:effectRef idx="0">
-            <a:schemeClr val="accent1"/>
-          </a:effectRef>
-          <a:fontRef idx="minor">
-            <a:schemeClr val="lt1"/>
-          </a:fontRef>
-        </p:style>
-        <p:txBody>
-          <a:bodyPr rtlCol="0" anchor="ctr"/>
-          <a:lstStyle/>
-          <a:p>
-            <a:pPr algn="ctr"/>
-            <a:endParaRPr lang="LID4096"/>
-          </a:p>
-        </p:txBody>
-      </p:sp>
-      <p:sp>
-        <p:nvSpPr>
-          <p:cNvPr id="22" name="Овал 21">
-            <a:extLst>
-              <a:ext uri="{FF2B5EF4-FFF2-40B4-BE49-F238E27FC236}">
-                <a16:creationId xmlns:a16="http://schemas.microsoft.com/office/drawing/2014/main" id="{11CA842E-1A71-7A9B-4CE6-6C832B882BFE}"/>
-              </a:ext>
-            </a:extLst>
-          </p:cNvPr>
-          <p:cNvSpPr/>
-          <p:nvPr/>
-        </p:nvSpPr>
-        <p:spPr>
-          <a:xfrm>
-            <a:off x="3892297" y="4091218"/>
-            <a:ext cx="262800" cy="261257"/>
-          </a:xfrm>
-          <a:prstGeom prst="ellipse">
-            <a:avLst/>
-          </a:prstGeom>
-          <a:solidFill>
-            <a:schemeClr val="bg1"/>
-          </a:solidFill>
-          <a:ln>
-            <a:solidFill>
-              <a:schemeClr val="bg1"/>
-            </a:solidFill>
-          </a:ln>
-          <a:effectLst>
-            <a:glow rad="152400">
-              <a:schemeClr val="bg1">
-                <a:alpha val="40000"/>
-              </a:schemeClr>
-            </a:glow>
-            <a:softEdge rad="76200"/>
-          </a:effectLst>
-        </p:spPr>
-        <p:style>
-          <a:lnRef idx="2">
-            <a:schemeClr val="accent1">
-              <a:shade val="15000"/>
-            </a:schemeClr>
-          </a:lnRef>
-          <a:fillRef idx="1">
-            <a:schemeClr val="accent1"/>
-          </a:fillRef>
-          <a:effectRef idx="0">
-            <a:schemeClr val="accent1"/>
-          </a:effectRef>
-          <a:fontRef idx="minor">
-            <a:schemeClr val="lt1"/>
-          </a:fontRef>
-        </p:style>
-        <p:txBody>
-          <a:bodyPr rtlCol="0" anchor="ctr"/>
-          <a:lstStyle/>
-          <a:p>
-            <a:pPr algn="ctr"/>
-            <a:endParaRPr lang="LID4096"/>
-          </a:p>
-        </p:txBody>
-      </p:sp>
-      <p:sp>
-        <p:nvSpPr>
-          <p:cNvPr id="23" name="Овал 22">
-            <a:extLst>
-              <a:ext uri="{FF2B5EF4-FFF2-40B4-BE49-F238E27FC236}">
-                <a16:creationId xmlns:a16="http://schemas.microsoft.com/office/drawing/2014/main" id="{5D793B39-DE5E-5707-6A4C-C1AEE8F8991E}"/>
-              </a:ext>
-            </a:extLst>
-          </p:cNvPr>
-          <p:cNvSpPr/>
-          <p:nvPr/>
-        </p:nvSpPr>
-        <p:spPr>
-          <a:xfrm>
-            <a:off x="6962610" y="4272971"/>
-            <a:ext cx="262800" cy="261257"/>
-          </a:xfrm>
-          <a:prstGeom prst="ellipse">
-            <a:avLst/>
-          </a:prstGeom>
-          <a:solidFill>
-            <a:schemeClr val="bg1"/>
-          </a:solidFill>
-          <a:ln>
-            <a:solidFill>
-              <a:schemeClr val="bg1"/>
-            </a:solidFill>
-          </a:ln>
-          <a:effectLst>
-            <a:glow rad="152400">
-              <a:schemeClr val="bg1">
-                <a:alpha val="40000"/>
-              </a:schemeClr>
-            </a:glow>
-            <a:softEdge rad="76200"/>
-          </a:effectLst>
-        </p:spPr>
-        <p:style>
-          <a:lnRef idx="2">
-            <a:schemeClr val="accent1">
-              <a:shade val="15000"/>
-            </a:schemeClr>
-          </a:lnRef>
-          <a:fillRef idx="1">
-            <a:schemeClr val="accent1"/>
-          </a:fillRef>
-          <a:effectRef idx="0">
-            <a:schemeClr val="accent1"/>
-          </a:effectRef>
-          <a:fontRef idx="minor">
-            <a:schemeClr val="lt1"/>
-          </a:fontRef>
-        </p:style>
-        <p:txBody>
-          <a:bodyPr rtlCol="0" anchor="ctr"/>
-          <a:lstStyle/>
-          <a:p>
-            <a:pPr algn="ctr"/>
-            <a:endParaRPr lang="LID4096"/>
-          </a:p>
-        </p:txBody>
-      </p:sp>
-      <p:sp>
-        <p:nvSpPr>
-          <p:cNvPr id="24" name="Овал 23">
-            <a:extLst>
-              <a:ext uri="{FF2B5EF4-FFF2-40B4-BE49-F238E27FC236}">
-                <a16:creationId xmlns:a16="http://schemas.microsoft.com/office/drawing/2014/main" id="{73266B19-8484-10F3-1806-E1E9BE822A65}"/>
-              </a:ext>
-            </a:extLst>
-          </p:cNvPr>
-          <p:cNvSpPr/>
-          <p:nvPr/>
-        </p:nvSpPr>
-        <p:spPr>
-          <a:xfrm>
-            <a:off x="1533693" y="6029331"/>
-            <a:ext cx="262800" cy="261257"/>
-          </a:xfrm>
-          <a:prstGeom prst="ellipse">
-            <a:avLst/>
-          </a:prstGeom>
-          <a:solidFill>
-            <a:schemeClr val="bg1"/>
-          </a:solidFill>
-          <a:ln>
-            <a:solidFill>
-              <a:schemeClr val="bg1"/>
-            </a:solidFill>
-          </a:ln>
-          <a:effectLst>
-            <a:glow rad="152400">
-              <a:schemeClr val="bg1">
-                <a:alpha val="40000"/>
-              </a:schemeClr>
-            </a:glow>
-            <a:softEdge rad="76200"/>
-          </a:effectLst>
-        </p:spPr>
-        <p:style>
-          <a:lnRef idx="2">
-            <a:schemeClr val="accent1">
-              <a:shade val="15000"/>
-            </a:schemeClr>
-          </a:lnRef>
-          <a:fillRef idx="1">
-            <a:schemeClr val="accent1"/>
-          </a:fillRef>
-          <a:effectRef idx="0">
-            <a:schemeClr val="accent1"/>
-          </a:effectRef>
-          <a:fontRef idx="minor">
-            <a:schemeClr val="lt1"/>
-          </a:fontRef>
-        </p:style>
-        <p:txBody>
-          <a:bodyPr rtlCol="0" anchor="ctr"/>
-          <a:lstStyle/>
-          <a:p>
-            <a:pPr algn="ctr"/>
-            <a:endParaRPr lang="LID4096"/>
-          </a:p>
-        </p:txBody>
-      </p:sp>
+        </p:grpSpPr>
+        <p:pic>
+          <p:nvPicPr>
+            <p:cNvPr id="8" name="Picture 2">
+              <a:extLst>
+                <a:ext uri="{FF2B5EF4-FFF2-40B4-BE49-F238E27FC236}">
+                  <a16:creationId xmlns:a16="http://schemas.microsoft.com/office/drawing/2014/main" id="{FDBAF2F4-8C6E-48CC-64B0-1669A890E313}"/>
+                </a:ext>
+              </a:extLst>
+            </p:cNvPr>
+            <p:cNvPicPr>
+              <a:picLocks noChangeAspect="1" noChangeArrowheads="1"/>
+            </p:cNvPicPr>
+            <p:nvPr/>
+          </p:nvPicPr>
+          <p:blipFill>
+            <a:blip r:embed="rId2">
+              <a:extLst>
+                <a:ext uri="{28A0092B-C50C-407E-A947-70E740481C1C}">
+                  <a14:useLocalDpi xmlns:a14="http://schemas.microsoft.com/office/drawing/2010/main" val="0"/>
+                </a:ext>
+              </a:extLst>
+            </a:blip>
+            <a:srcRect/>
+            <a:stretch>
+              <a:fillRect/>
+            </a:stretch>
+          </p:blipFill>
+          <p:spPr bwMode="auto">
+            <a:xfrm>
+              <a:off x="369471" y="4801203"/>
+              <a:ext cx="468727" cy="468727"/>
+            </a:xfrm>
+            <a:prstGeom prst="rect">
+              <a:avLst/>
+            </a:prstGeom>
+            <a:noFill/>
+            <a:extLst>
+              <a:ext uri="{909E8E84-426E-40DD-AFC4-6F175D3DCCD1}">
+                <a14:hiddenFill xmlns:a14="http://schemas.microsoft.com/office/drawing/2010/main">
+                  <a:solidFill>
+                    <a:srgbClr val="FFFFFF"/>
+                  </a:solidFill>
+                </a14:hiddenFill>
+              </a:ext>
+            </a:extLst>
+          </p:spPr>
+        </p:pic>
+        <p:sp>
+          <p:nvSpPr>
+            <p:cNvPr id="19" name="TextBox 18">
+              <a:extLst>
+                <a:ext uri="{FF2B5EF4-FFF2-40B4-BE49-F238E27FC236}">
+                  <a16:creationId xmlns:a16="http://schemas.microsoft.com/office/drawing/2014/main" id="{424AED2F-642E-5B3C-097C-F0110793FC2D}"/>
+                </a:ext>
+              </a:extLst>
+            </p:cNvPr>
+            <p:cNvSpPr txBox="1"/>
+            <p:nvPr/>
+          </p:nvSpPr>
+          <p:spPr>
+            <a:xfrm>
+              <a:off x="965199" y="4712400"/>
+              <a:ext cx="3471333" cy="646331"/>
+            </a:xfrm>
+            <a:prstGeom prst="rect">
+              <a:avLst/>
+            </a:prstGeom>
+            <a:noFill/>
+          </p:spPr>
+          <p:txBody>
+            <a:bodyPr wrap="square">
+              <a:spAutoFit/>
+            </a:bodyPr>
+            <a:lstStyle/>
+            <a:p>
+              <a:pPr algn="l"/>
+              <a:r>
+                <a:rPr lang="uk-UA" b="0" dirty="0">
+                  <a:solidFill>
+                    <a:schemeClr val="bg1"/>
+                  </a:solidFill>
+                  <a:effectLst/>
+                  <a:latin typeface="Times New Roman" panose="02020603050405020304" pitchFamily="18" charset="0"/>
+                  <a:cs typeface="Times New Roman" panose="02020603050405020304" pitchFamily="18" charset="0"/>
+                </a:rPr>
+                <a:t>Реалізує принцип   відкритості/закритості.</a:t>
+              </a:r>
+            </a:p>
+          </p:txBody>
+        </p:sp>
+      </p:grpSp>
     </p:spTree>
     <p:extLst>
       <p:ext uri="{BB962C8B-B14F-4D97-AF65-F5344CB8AC3E}">
-        <p14:creationId xmlns:p14="http://schemas.microsoft.com/office/powerpoint/2010/main" val="818538135"/>
+        <p14:creationId xmlns:p14="http://schemas.microsoft.com/office/powerpoint/2010/main" val="3855915513"/>
       </p:ext>
     </p:extLst>
   </p:cSld>
@@ -16172,7 +12668,7 @@
                             </p:stCondLst>
                             <p:childTnLst>
                               <p:par>
-                                <p:cTn id="5" presetID="10" presetClass="entr" presetSubtype="0" fill="hold" grpId="0" nodeType="afterEffect">
+                                <p:cTn id="5" presetID="10" presetClass="entr" presetSubtype="0" fill="hold" nodeType="withEffect">
                                   <p:stCondLst>
                                     <p:cond delay="0"/>
                                   </p:stCondLst>
@@ -16180,112 +12676,6 @@
                                     <p:set>
                                       <p:cBhvr>
                                         <p:cTn id="6" dur="1" fill="hold">
-                                          <p:stCondLst>
-                                            <p:cond delay="0"/>
-                                          </p:stCondLst>
-                                        </p:cTn>
-                                        <p:tgtEl>
-                                          <p:spTgt spid="18"/>
-                                        </p:tgtEl>
-                                        <p:attrNameLst>
-                                          <p:attrName>style.visibility</p:attrName>
-                                        </p:attrNameLst>
-                                      </p:cBhvr>
-                                      <p:to>
-                                        <p:strVal val="visible"/>
-                                      </p:to>
-                                    </p:set>
-                                    <p:animEffect transition="in" filter="fade">
-                                      <p:cBhvr>
-                                        <p:cTn id="7" dur="500"/>
-                                        <p:tgtEl>
-                                          <p:spTgt spid="18"/>
-                                        </p:tgtEl>
-                                      </p:cBhvr>
-                                    </p:animEffect>
-                                  </p:childTnLst>
-                                </p:cTn>
-                              </p:par>
-                            </p:childTnLst>
-                          </p:cTn>
-                        </p:par>
-                      </p:childTnLst>
-                    </p:cTn>
-                  </p:par>
-                  <p:par>
-                    <p:cTn id="8" fill="hold">
-                      <p:stCondLst>
-                        <p:cond delay="indefinite"/>
-                      </p:stCondLst>
-                      <p:childTnLst>
-                        <p:par>
-                          <p:cTn id="9" fill="hold">
-                            <p:stCondLst>
-                              <p:cond delay="0"/>
-                            </p:stCondLst>
-                            <p:childTnLst>
-                              <p:par>
-                                <p:cTn id="10" presetID="10" presetClass="entr" presetSubtype="0" fill="hold" grpId="0" nodeType="clickEffect">
-                                  <p:stCondLst>
-                                    <p:cond delay="0"/>
-                                  </p:stCondLst>
-                                  <p:childTnLst>
-                                    <p:set>
-                                      <p:cBhvr>
-                                        <p:cTn id="11" dur="1" fill="hold">
-                                          <p:stCondLst>
-                                            <p:cond delay="0"/>
-                                          </p:stCondLst>
-                                        </p:cTn>
-                                        <p:tgtEl>
-                                          <p:spTgt spid="19"/>
-                                        </p:tgtEl>
-                                        <p:attrNameLst>
-                                          <p:attrName>style.visibility</p:attrName>
-                                        </p:attrNameLst>
-                                      </p:cBhvr>
-                                      <p:to>
-                                        <p:strVal val="visible"/>
-                                      </p:to>
-                                    </p:set>
-                                    <p:animEffect transition="in" filter="fade">
-                                      <p:cBhvr>
-                                        <p:cTn id="12" dur="500"/>
-                                        <p:tgtEl>
-                                          <p:spTgt spid="19"/>
-                                        </p:tgtEl>
-                                      </p:cBhvr>
-                                    </p:animEffect>
-                                  </p:childTnLst>
-                                </p:cTn>
-                              </p:par>
-                            </p:childTnLst>
-                          </p:cTn>
-                        </p:par>
-                      </p:childTnLst>
-                    </p:cTn>
-                  </p:par>
-                  <p:par>
-                    <p:cTn id="13" fill="hold">
-                      <p:stCondLst>
-                        <p:cond delay="indefinite"/>
-                      </p:stCondLst>
-                      <p:childTnLst>
-                        <p:par>
-                          <p:cTn id="14" fill="hold">
-                            <p:stCondLst>
-                              <p:cond delay="0"/>
-                            </p:stCondLst>
-                            <p:childTnLst>
-                              <p:par>
-                                <p:cTn id="15" presetID="10" presetClass="entr" presetSubtype="0" fill="hold" grpId="0" nodeType="clickEffect">
-                                  <p:stCondLst>
-                                    <p:cond delay="0"/>
-                                  </p:stCondLst>
-                                  <p:childTnLst>
-                                    <p:set>
-                                      <p:cBhvr>
-                                        <p:cTn id="16" dur="1" fill="hold">
                                           <p:stCondLst>
                                             <p:cond delay="0"/>
                                           </p:stCondLst>
@@ -16303,7 +12693,7 @@
                                     </p:set>
                                     <p:animEffect transition="in" filter="fade">
                                       <p:cBhvr>
-                                        <p:cTn id="17" dur="500"/>
+                                        <p:cTn id="7" dur="750"/>
                                         <p:tgtEl>
                                           <p:spTgt spid="20"/>
                                         </p:tgtEl>
@@ -16315,30 +12705,21 @@
                             </p:childTnLst>
                           </p:cTn>
                         </p:par>
-                      </p:childTnLst>
-                    </p:cTn>
-                  </p:par>
-                  <p:par>
-                    <p:cTn id="18" fill="hold">
-                      <p:stCondLst>
-                        <p:cond delay="indefinite"/>
-                      </p:stCondLst>
-                      <p:childTnLst>
                         <p:par>
-                          <p:cTn id="19" fill="hold">
+                          <p:cTn id="8" fill="hold">
                             <p:stCondLst>
-                              <p:cond delay="0"/>
+                              <p:cond delay="750"/>
                             </p:stCondLst>
                             <p:childTnLst>
                               <p:par>
-                                <p:cTn id="20" presetID="10" presetClass="entr" presetSubtype="0" fill="hold" grpId="0" nodeType="clickEffect">
+                                <p:cTn id="9" presetID="10" presetClass="entr" presetSubtype="0" fill="hold" nodeType="afterEffect">
                                   <p:stCondLst>
                                     <p:cond delay="0"/>
                                   </p:stCondLst>
                                   <p:childTnLst>
                                     <p:set>
                                       <p:cBhvr>
-                                        <p:cTn id="21" dur="1" fill="hold">
+                                        <p:cTn id="10" dur="1" fill="hold">
                                           <p:stCondLst>
                                             <p:cond delay="0"/>
                                           </p:stCondLst>
@@ -16356,7 +12737,7 @@
                                     </p:set>
                                     <p:animEffect transition="in" filter="fade">
                                       <p:cBhvr>
-                                        <p:cTn id="22" dur="500"/>
+                                        <p:cTn id="11" dur="750"/>
                                         <p:tgtEl>
                                           <p:spTgt spid="21"/>
                                         </p:tgtEl>
@@ -16368,30 +12749,21 @@
                             </p:childTnLst>
                           </p:cTn>
                         </p:par>
-                      </p:childTnLst>
-                    </p:cTn>
-                  </p:par>
-                  <p:par>
-                    <p:cTn id="23" fill="hold">
-                      <p:stCondLst>
-                        <p:cond delay="indefinite"/>
-                      </p:stCondLst>
-                      <p:childTnLst>
                         <p:par>
-                          <p:cTn id="24" fill="hold">
+                          <p:cTn id="12" fill="hold">
                             <p:stCondLst>
-                              <p:cond delay="0"/>
+                              <p:cond delay="1500"/>
                             </p:stCondLst>
                             <p:childTnLst>
                               <p:par>
-                                <p:cTn id="25" presetID="10" presetClass="entr" presetSubtype="0" fill="hold" grpId="0" nodeType="clickEffect">
+                                <p:cTn id="13" presetID="10" presetClass="entr" presetSubtype="0" fill="hold" nodeType="afterEffect">
                                   <p:stCondLst>
                                     <p:cond delay="0"/>
                                   </p:stCondLst>
                                   <p:childTnLst>
                                     <p:set>
                                       <p:cBhvr>
-                                        <p:cTn id="26" dur="1" fill="hold">
+                                        <p:cTn id="14" dur="1" fill="hold">
                                           <p:stCondLst>
                                             <p:cond delay="0"/>
                                           </p:stCondLst>
@@ -16409,7 +12781,7 @@
                                     </p:set>
                                     <p:animEffect transition="in" filter="fade">
                                       <p:cBhvr>
-                                        <p:cTn id="27" dur="500"/>
+                                        <p:cTn id="15" dur="750"/>
                                         <p:tgtEl>
                                           <p:spTgt spid="22"/>
                                         </p:tgtEl>
@@ -16421,36 +12793,27 @@
                             </p:childTnLst>
                           </p:cTn>
                         </p:par>
-                      </p:childTnLst>
-                    </p:cTn>
-                  </p:par>
-                  <p:par>
-                    <p:cTn id="28" fill="hold">
-                      <p:stCondLst>
-                        <p:cond delay="indefinite"/>
-                      </p:stCondLst>
-                      <p:childTnLst>
                         <p:par>
-                          <p:cTn id="29" fill="hold">
+                          <p:cTn id="16" fill="hold">
                             <p:stCondLst>
-                              <p:cond delay="0"/>
+                              <p:cond delay="2250"/>
                             </p:stCondLst>
                             <p:childTnLst>
                               <p:par>
-                                <p:cTn id="30" presetID="10" presetClass="entr" presetSubtype="0" fill="hold" grpId="0" nodeType="clickEffect">
+                                <p:cTn id="17" presetID="10" presetClass="entr" presetSubtype="0" fill="hold" grpId="0" nodeType="afterEffect">
                                   <p:stCondLst>
                                     <p:cond delay="0"/>
                                   </p:stCondLst>
                                   <p:childTnLst>
                                     <p:set>
                                       <p:cBhvr>
-                                        <p:cTn id="31" dur="1" fill="hold">
+                                        <p:cTn id="18" dur="1" fill="hold">
                                           <p:stCondLst>
                                             <p:cond delay="0"/>
                                           </p:stCondLst>
                                         </p:cTn>
                                         <p:tgtEl>
-                                          <p:spTgt spid="23"/>
+                                          <p:spTgt spid="5"/>
                                         </p:tgtEl>
                                         <p:attrNameLst>
                                           <p:attrName>style.visibility</p:attrName>
@@ -16462,9 +12825,9 @@
                                     </p:set>
                                     <p:animEffect transition="in" filter="fade">
                                       <p:cBhvr>
-                                        <p:cTn id="32" dur="500"/>
+                                        <p:cTn id="19" dur="750"/>
                                         <p:tgtEl>
-                                          <p:spTgt spid="23"/>
+                                          <p:spTgt spid="5"/>
                                         </p:tgtEl>
                                       </p:cBhvr>
                                     </p:animEffect>
@@ -16474,30 +12837,21 @@
                             </p:childTnLst>
                           </p:cTn>
                         </p:par>
-                      </p:childTnLst>
-                    </p:cTn>
-                  </p:par>
-                  <p:par>
-                    <p:cTn id="33" fill="hold">
-                      <p:stCondLst>
-                        <p:cond delay="indefinite"/>
-                      </p:stCondLst>
-                      <p:childTnLst>
                         <p:par>
-                          <p:cTn id="34" fill="hold">
+                          <p:cTn id="20" fill="hold">
                             <p:stCondLst>
-                              <p:cond delay="0"/>
+                              <p:cond delay="3000"/>
                             </p:stCondLst>
                             <p:childTnLst>
                               <p:par>
-                                <p:cTn id="35" presetID="10" presetClass="entr" presetSubtype="0" fill="hold" grpId="0" nodeType="clickEffect">
+                                <p:cTn id="21" presetID="10" presetClass="entr" presetSubtype="0" fill="hold" nodeType="afterEffect">
                                   <p:stCondLst>
                                     <p:cond delay="0"/>
                                   </p:stCondLst>
                                   <p:childTnLst>
                                     <p:set>
                                       <p:cBhvr>
-                                        <p:cTn id="36" dur="1" fill="hold">
+                                        <p:cTn id="22" dur="1" fill="hold">
                                           <p:stCondLst>
                                             <p:cond delay="0"/>
                                           </p:stCondLst>
@@ -16515,7 +12869,7 @@
                                     </p:set>
                                     <p:animEffect transition="in" filter="fade">
                                       <p:cBhvr>
-                                        <p:cTn id="37" dur="500"/>
+                                        <p:cTn id="23" dur="750"/>
                                         <p:tgtEl>
                                           <p:spTgt spid="24"/>
                                         </p:tgtEl>
@@ -16552,13 +12906,7 @@
       </p:par>
     </p:tnLst>
     <p:bldLst>
-      <p:bldP spid="18" grpId="0" animBg="1"/>
-      <p:bldP spid="19" grpId="0" animBg="1"/>
-      <p:bldP spid="20" grpId="0" animBg="1"/>
-      <p:bldP spid="21" grpId="0" animBg="1"/>
-      <p:bldP spid="22" grpId="0" animBg="1"/>
-      <p:bldP spid="23" grpId="0" animBg="1"/>
-      <p:bldP spid="24" grpId="0" animBg="1"/>
+      <p:bldP spid="5" grpId="0" animBg="1"/>
     </p:bldLst>
   </p:timing>
 </p:sld>
